--- a/image/Presentation1.pptx
+++ b/image/Presentation1.pptx
@@ -6,6 +6,20 @@
   </p:sldMasterIdLst>
   <p:sldIdLst>
     <p:sldId id="256" r:id="rId2"/>
+    <p:sldId id="269" r:id="rId3"/>
+    <p:sldId id="270" r:id="rId4"/>
+    <p:sldId id="257" r:id="rId5"/>
+    <p:sldId id="266" r:id="rId6"/>
+    <p:sldId id="267" r:id="rId7"/>
+    <p:sldId id="263" r:id="rId8"/>
+    <p:sldId id="264" r:id="rId9"/>
+    <p:sldId id="265" r:id="rId10"/>
+    <p:sldId id="262" r:id="rId11"/>
+    <p:sldId id="258" r:id="rId12"/>
+    <p:sldId id="259" r:id="rId13"/>
+    <p:sldId id="260" r:id="rId14"/>
+    <p:sldId id="261" r:id="rId15"/>
+    <p:sldId id="268" r:id="rId16"/>
   </p:sldIdLst>
   <p:sldSz cx="9144000" cy="6858000" type="screen4x3"/>
   <p:notesSz cx="6858000" cy="9144000"/>
@@ -288,7 +302,7 @@
           <a:p>
             <a:fld id="{A5148305-0A1D-4D41-9C66-A053FE7189DF}" type="datetimeFigureOut">
               <a:rPr lang="en-US" smtClean="0"/>
-              <a:t>4/5/20</a:t>
+              <a:t>4/8/20</a:t>
             </a:fld>
             <a:endParaRPr lang="en-US"/>
           </a:p>
@@ -458,7 +472,7 @@
           <a:p>
             <a:fld id="{A5148305-0A1D-4D41-9C66-A053FE7189DF}" type="datetimeFigureOut">
               <a:rPr lang="en-US" smtClean="0"/>
-              <a:t>4/5/20</a:t>
+              <a:t>4/8/20</a:t>
             </a:fld>
             <a:endParaRPr lang="en-US"/>
           </a:p>
@@ -638,7 +652,7 @@
           <a:p>
             <a:fld id="{A5148305-0A1D-4D41-9C66-A053FE7189DF}" type="datetimeFigureOut">
               <a:rPr lang="en-US" smtClean="0"/>
-              <a:t>4/5/20</a:t>
+              <a:t>4/8/20</a:t>
             </a:fld>
             <a:endParaRPr lang="en-US"/>
           </a:p>
@@ -808,7 +822,7 @@
           <a:p>
             <a:fld id="{A5148305-0A1D-4D41-9C66-A053FE7189DF}" type="datetimeFigureOut">
               <a:rPr lang="en-US" smtClean="0"/>
-              <a:t>4/5/20</a:t>
+              <a:t>4/8/20</a:t>
             </a:fld>
             <a:endParaRPr lang="en-US"/>
           </a:p>
@@ -1054,7 +1068,7 @@
           <a:p>
             <a:fld id="{A5148305-0A1D-4D41-9C66-A053FE7189DF}" type="datetimeFigureOut">
               <a:rPr lang="en-US" smtClean="0"/>
-              <a:t>4/5/20</a:t>
+              <a:t>4/8/20</a:t>
             </a:fld>
             <a:endParaRPr lang="en-US"/>
           </a:p>
@@ -1342,7 +1356,7 @@
           <a:p>
             <a:fld id="{A5148305-0A1D-4D41-9C66-A053FE7189DF}" type="datetimeFigureOut">
               <a:rPr lang="en-US" smtClean="0"/>
-              <a:t>4/5/20</a:t>
+              <a:t>4/8/20</a:t>
             </a:fld>
             <a:endParaRPr lang="en-US"/>
           </a:p>
@@ -1764,7 +1778,7 @@
           <a:p>
             <a:fld id="{A5148305-0A1D-4D41-9C66-A053FE7189DF}" type="datetimeFigureOut">
               <a:rPr lang="en-US" smtClean="0"/>
-              <a:t>4/5/20</a:t>
+              <a:t>4/8/20</a:t>
             </a:fld>
             <a:endParaRPr lang="en-US"/>
           </a:p>
@@ -1882,7 +1896,7 @@
           <a:p>
             <a:fld id="{A5148305-0A1D-4D41-9C66-A053FE7189DF}" type="datetimeFigureOut">
               <a:rPr lang="en-US" smtClean="0"/>
-              <a:t>4/5/20</a:t>
+              <a:t>4/8/20</a:t>
             </a:fld>
             <a:endParaRPr lang="en-US"/>
           </a:p>
@@ -1977,7 +1991,7 @@
           <a:p>
             <a:fld id="{A5148305-0A1D-4D41-9C66-A053FE7189DF}" type="datetimeFigureOut">
               <a:rPr lang="en-US" smtClean="0"/>
-              <a:t>4/5/20</a:t>
+              <a:t>4/8/20</a:t>
             </a:fld>
             <a:endParaRPr lang="en-US"/>
           </a:p>
@@ -2254,7 +2268,7 @@
           <a:p>
             <a:fld id="{A5148305-0A1D-4D41-9C66-A053FE7189DF}" type="datetimeFigureOut">
               <a:rPr lang="en-US" smtClean="0"/>
-              <a:t>4/5/20</a:t>
+              <a:t>4/8/20</a:t>
             </a:fld>
             <a:endParaRPr lang="en-US"/>
           </a:p>
@@ -2507,7 +2521,7 @@
           <a:p>
             <a:fld id="{A5148305-0A1D-4D41-9C66-A053FE7189DF}" type="datetimeFigureOut">
               <a:rPr lang="en-US" smtClean="0"/>
-              <a:t>4/5/20</a:t>
+              <a:t>4/8/20</a:t>
             </a:fld>
             <a:endParaRPr lang="en-US"/>
           </a:p>
@@ -2720,7 +2734,7 @@
           <a:p>
             <a:fld id="{A5148305-0A1D-4D41-9C66-A053FE7189DF}" type="datetimeFigureOut">
               <a:rPr lang="en-US" smtClean="0"/>
-              <a:t>4/5/20</a:t>
+              <a:t>4/8/20</a:t>
             </a:fld>
             <a:endParaRPr lang="en-US"/>
           </a:p>
@@ -3171,8 +3185,8 @@
         </p:nvSpPr>
         <p:spPr>
           <a:xfrm>
-            <a:off x="3471668" y="4479194"/>
-            <a:ext cx="5697293" cy="276999"/>
+            <a:off x="4224734" y="4479194"/>
+            <a:ext cx="4825209" cy="276999"/>
           </a:xfrm>
           <a:prstGeom prst="rect">
             <a:avLst/>
@@ -3191,13 +3205,16 @@
                   <a:srgbClr val="FFFFFF"/>
                 </a:solidFill>
               </a:rPr>
-              <a:t>predicting surface waves, wave-structure interaction, bubbles and sediment transport …</a:t>
+              <a:t>A Model </a:t>
             </a:r>
-            <a:endParaRPr lang="en-US" sz="1200" dirty="0">
-              <a:solidFill>
-                <a:srgbClr val="FFFFFF"/>
-              </a:solidFill>
-            </a:endParaRPr>
+            <a:r>
+              <a:rPr lang="en-US" sz="1200" dirty="0">
+                <a:solidFill>
+                  <a:srgbClr val="FFFFFF"/>
+                </a:solidFill>
+              </a:rPr>
+              <a:t>of New Generation Ocean Wave and Ocean Structure Engineering</a:t>
+            </a:r>
           </a:p>
         </p:txBody>
       </p:sp>
@@ -3205,6 +3222,8301 @@
     <p:extLst>
       <p:ext uri="{BB962C8B-B14F-4D97-AF65-F5344CB8AC3E}">
         <p14:creationId xmlns:p14="http://schemas.microsoft.com/office/powerpoint/2010/main" val="2487614663"/>
+      </p:ext>
+    </p:extLst>
+  </p:cSld>
+  <p:clrMapOvr>
+    <a:masterClrMapping/>
+  </p:clrMapOvr>
+</p:sld>
+</file>
+
+<file path=ppt/slides/slide10.xml><?xml version="1.0" encoding="utf-8"?>
+<p:sld xmlns:a="http://schemas.openxmlformats.org/drawingml/2006/main" xmlns:r="http://schemas.openxmlformats.org/officeDocument/2006/relationships" xmlns:p="http://schemas.openxmlformats.org/presentationml/2006/main">
+  <p:cSld>
+    <p:spTree>
+      <p:nvGrpSpPr>
+        <p:cNvPr id="1" name=""/>
+        <p:cNvGrpSpPr/>
+        <p:nvPr/>
+      </p:nvGrpSpPr>
+      <p:grpSpPr>
+        <a:xfrm>
+          <a:off x="0" y="0"/>
+          <a:ext cx="0" cy="0"/>
+          <a:chOff x="0" y="0"/>
+          <a:chExt cx="0" cy="0"/>
+        </a:xfrm>
+      </p:grpSpPr>
+      <p:pic>
+        <p:nvPicPr>
+          <p:cNvPr id="4" name="Picture 3" descr="Galveston_case.pdf"/>
+          <p:cNvPicPr>
+            <a:picLocks noChangeAspect="1"/>
+          </p:cNvPicPr>
+          <p:nvPr/>
+        </p:nvPicPr>
+        <p:blipFill>
+          <a:blip r:embed="rId2">
+            <a:extLst>
+              <a:ext uri="{28A0092B-C50C-407E-A947-70E740481C1C}">
+                <a14:useLocalDpi xmlns:a14="http://schemas.microsoft.com/office/drawing/2010/main" val="0"/>
+              </a:ext>
+            </a:extLst>
+          </a:blip>
+          <a:stretch>
+            <a:fillRect/>
+          </a:stretch>
+        </p:blipFill>
+        <p:spPr>
+          <a:xfrm>
+            <a:off x="675680" y="972155"/>
+            <a:ext cx="7974025" cy="5143010"/>
+          </a:xfrm>
+          <a:prstGeom prst="rect">
+            <a:avLst/>
+          </a:prstGeom>
+        </p:spPr>
+      </p:pic>
+    </p:spTree>
+    <p:extLst>
+      <p:ext uri="{BB962C8B-B14F-4D97-AF65-F5344CB8AC3E}">
+        <p14:creationId xmlns:p14="http://schemas.microsoft.com/office/powerpoint/2010/main" val="3145806592"/>
+      </p:ext>
+    </p:extLst>
+  </p:cSld>
+  <p:clrMapOvr>
+    <a:masterClrMapping/>
+  </p:clrMapOvr>
+</p:sld>
+</file>
+
+<file path=ppt/slides/slide11.xml><?xml version="1.0" encoding="utf-8"?>
+<p:sld xmlns:a="http://schemas.openxmlformats.org/drawingml/2006/main" xmlns:r="http://schemas.openxmlformats.org/officeDocument/2006/relationships" xmlns:p="http://schemas.openxmlformats.org/presentationml/2006/main">
+  <p:cSld>
+    <p:spTree>
+      <p:nvGrpSpPr>
+        <p:cNvPr id="1" name=""/>
+        <p:cNvGrpSpPr/>
+        <p:nvPr/>
+      </p:nvGrpSpPr>
+      <p:grpSpPr>
+        <a:xfrm>
+          <a:off x="0" y="0"/>
+          <a:ext cx="0" cy="0"/>
+          <a:chOff x="0" y="0"/>
+          <a:chExt cx="0" cy="0"/>
+        </a:xfrm>
+      </p:grpSpPr>
+      <p:pic>
+        <p:nvPicPr>
+          <p:cNvPr id="4" name="Picture 3" descr="Galveston_case.pdf"/>
+          <p:cNvPicPr>
+            <a:picLocks noChangeAspect="1"/>
+          </p:cNvPicPr>
+          <p:nvPr/>
+        </p:nvPicPr>
+        <p:blipFill>
+          <a:blip r:embed="rId2">
+            <a:extLst>
+              <a:ext uri="{28A0092B-C50C-407E-A947-70E740481C1C}">
+                <a14:useLocalDpi xmlns:a14="http://schemas.microsoft.com/office/drawing/2010/main" val="0"/>
+              </a:ext>
+            </a:extLst>
+          </a:blip>
+          <a:stretch>
+            <a:fillRect/>
+          </a:stretch>
+        </p:blipFill>
+        <p:spPr>
+          <a:xfrm>
+            <a:off x="675680" y="972155"/>
+            <a:ext cx="7974025" cy="5143010"/>
+          </a:xfrm>
+          <a:prstGeom prst="rect">
+            <a:avLst/>
+          </a:prstGeom>
+        </p:spPr>
+      </p:pic>
+      <p:sp>
+        <p:nvSpPr>
+          <p:cNvPr id="5" name="Rectangle 4"/>
+          <p:cNvSpPr/>
+          <p:nvPr/>
+        </p:nvSpPr>
+        <p:spPr>
+          <a:xfrm>
+            <a:off x="3229600" y="3794539"/>
+            <a:ext cx="1959708" cy="1317112"/>
+          </a:xfrm>
+          <a:prstGeom prst="rect">
+            <a:avLst/>
+          </a:prstGeom>
+          <a:solidFill>
+            <a:srgbClr val="FFFF00">
+              <a:alpha val="45000"/>
+            </a:srgbClr>
+          </a:solidFill>
+        </p:spPr>
+        <p:style>
+          <a:lnRef idx="1">
+            <a:schemeClr val="accent1"/>
+          </a:lnRef>
+          <a:fillRef idx="3">
+            <a:schemeClr val="accent1"/>
+          </a:fillRef>
+          <a:effectRef idx="2">
+            <a:schemeClr val="accent1"/>
+          </a:effectRef>
+          <a:fontRef idx="minor">
+            <a:schemeClr val="lt1"/>
+          </a:fontRef>
+        </p:style>
+        <p:txBody>
+          <a:bodyPr rtlCol="0" anchor="ctr"/>
+          <a:lstStyle/>
+          <a:p>
+            <a:pPr algn="ctr"/>
+            <a:endParaRPr lang="en-US"/>
+          </a:p>
+        </p:txBody>
+      </p:sp>
+      <p:sp>
+        <p:nvSpPr>
+          <p:cNvPr id="6" name="Rectangle 5"/>
+          <p:cNvSpPr/>
+          <p:nvPr/>
+        </p:nvSpPr>
+        <p:spPr>
+          <a:xfrm>
+            <a:off x="3856705" y="4468774"/>
+            <a:ext cx="1269891" cy="580157"/>
+          </a:xfrm>
+          <a:prstGeom prst="rect">
+            <a:avLst/>
+          </a:prstGeom>
+          <a:solidFill>
+            <a:srgbClr val="FF0000">
+              <a:alpha val="35000"/>
+            </a:srgbClr>
+          </a:solidFill>
+        </p:spPr>
+        <p:style>
+          <a:lnRef idx="1">
+            <a:schemeClr val="accent1"/>
+          </a:lnRef>
+          <a:fillRef idx="3">
+            <a:schemeClr val="accent1"/>
+          </a:fillRef>
+          <a:effectRef idx="2">
+            <a:schemeClr val="accent1"/>
+          </a:effectRef>
+          <a:fontRef idx="minor">
+            <a:schemeClr val="lt1"/>
+          </a:fontRef>
+        </p:style>
+        <p:txBody>
+          <a:bodyPr rtlCol="0" anchor="ctr"/>
+          <a:lstStyle/>
+          <a:p>
+            <a:pPr algn="ctr"/>
+            <a:endParaRPr lang="en-US"/>
+          </a:p>
+        </p:txBody>
+      </p:sp>
+      <p:sp>
+        <p:nvSpPr>
+          <p:cNvPr id="7" name="Rectangle 6"/>
+          <p:cNvSpPr/>
+          <p:nvPr/>
+        </p:nvSpPr>
+        <p:spPr>
+          <a:xfrm>
+            <a:off x="6553265" y="4703973"/>
+            <a:ext cx="846594" cy="282238"/>
+          </a:xfrm>
+          <a:prstGeom prst="rect">
+            <a:avLst/>
+          </a:prstGeom>
+          <a:solidFill>
+            <a:srgbClr val="FFFF00">
+              <a:alpha val="60000"/>
+            </a:srgbClr>
+          </a:solidFill>
+        </p:spPr>
+        <p:style>
+          <a:lnRef idx="1">
+            <a:schemeClr val="accent1"/>
+          </a:lnRef>
+          <a:fillRef idx="3">
+            <a:schemeClr val="accent1"/>
+          </a:fillRef>
+          <a:effectRef idx="2">
+            <a:schemeClr val="accent1"/>
+          </a:effectRef>
+          <a:fontRef idx="minor">
+            <a:schemeClr val="lt1"/>
+          </a:fontRef>
+        </p:style>
+        <p:txBody>
+          <a:bodyPr rtlCol="0" anchor="ctr"/>
+          <a:lstStyle/>
+          <a:p>
+            <a:pPr algn="ctr"/>
+            <a:endParaRPr lang="en-US"/>
+          </a:p>
+        </p:txBody>
+      </p:sp>
+      <p:sp>
+        <p:nvSpPr>
+          <p:cNvPr id="8" name="Rectangle 7"/>
+          <p:cNvSpPr/>
+          <p:nvPr/>
+        </p:nvSpPr>
+        <p:spPr>
+          <a:xfrm>
+            <a:off x="6553265" y="5185651"/>
+            <a:ext cx="846594" cy="282238"/>
+          </a:xfrm>
+          <a:prstGeom prst="rect">
+            <a:avLst/>
+          </a:prstGeom>
+          <a:solidFill>
+            <a:srgbClr val="FF0000">
+              <a:alpha val="50000"/>
+            </a:srgbClr>
+          </a:solidFill>
+        </p:spPr>
+        <p:style>
+          <a:lnRef idx="1">
+            <a:schemeClr val="accent1"/>
+          </a:lnRef>
+          <a:fillRef idx="3">
+            <a:schemeClr val="accent1"/>
+          </a:fillRef>
+          <a:effectRef idx="2">
+            <a:schemeClr val="accent1"/>
+          </a:effectRef>
+          <a:fontRef idx="minor">
+            <a:schemeClr val="lt1"/>
+          </a:fontRef>
+        </p:style>
+        <p:txBody>
+          <a:bodyPr rtlCol="0" anchor="ctr"/>
+          <a:lstStyle/>
+          <a:p>
+            <a:pPr algn="ctr"/>
+            <a:endParaRPr lang="en-US"/>
+          </a:p>
+        </p:txBody>
+      </p:sp>
+      <p:sp>
+        <p:nvSpPr>
+          <p:cNvPr id="9" name="TextBox 8"/>
+          <p:cNvSpPr txBox="1"/>
+          <p:nvPr/>
+        </p:nvSpPr>
+        <p:spPr>
+          <a:xfrm>
+            <a:off x="6725720" y="4679599"/>
+            <a:ext cx="459318" cy="307777"/>
+          </a:xfrm>
+          <a:prstGeom prst="rect">
+            <a:avLst/>
+          </a:prstGeom>
+          <a:noFill/>
+        </p:spPr>
+        <p:txBody>
+          <a:bodyPr wrap="none" rtlCol="0">
+            <a:spAutoFit/>
+          </a:bodyPr>
+          <a:lstStyle/>
+          <a:p>
+            <a:r>
+              <a:rPr lang="en-US" sz="1400" dirty="0" smtClean="0"/>
+              <a:t>add</a:t>
+            </a:r>
+            <a:endParaRPr lang="en-US" sz="1400" dirty="0"/>
+          </a:p>
+        </p:txBody>
+      </p:sp>
+      <p:sp>
+        <p:nvSpPr>
+          <p:cNvPr id="10" name="TextBox 9"/>
+          <p:cNvSpPr txBox="1"/>
+          <p:nvPr/>
+        </p:nvSpPr>
+        <p:spPr>
+          <a:xfrm>
+            <a:off x="6564560" y="5145599"/>
+            <a:ext cx="788322" cy="307777"/>
+          </a:xfrm>
+          <a:prstGeom prst="rect">
+            <a:avLst/>
+          </a:prstGeom>
+          <a:noFill/>
+        </p:spPr>
+        <p:txBody>
+          <a:bodyPr wrap="none" rtlCol="0">
+            <a:spAutoFit/>
+          </a:bodyPr>
+          <a:lstStyle/>
+          <a:p>
+            <a:r>
+              <a:rPr lang="en-US" sz="1400" dirty="0" smtClean="0"/>
+              <a:t>subtract</a:t>
+            </a:r>
+            <a:endParaRPr lang="en-US" sz="1400" dirty="0"/>
+          </a:p>
+        </p:txBody>
+      </p:sp>
+      <p:sp>
+        <p:nvSpPr>
+          <p:cNvPr id="11" name="TextBox 10"/>
+          <p:cNvSpPr txBox="1"/>
+          <p:nvPr/>
+        </p:nvSpPr>
+        <p:spPr>
+          <a:xfrm>
+            <a:off x="1050403" y="5644766"/>
+            <a:ext cx="1676172" cy="369332"/>
+          </a:xfrm>
+          <a:prstGeom prst="rect">
+            <a:avLst/>
+          </a:prstGeom>
+          <a:noFill/>
+        </p:spPr>
+        <p:txBody>
+          <a:bodyPr wrap="none" rtlCol="0">
+            <a:spAutoFit/>
+          </a:bodyPr>
+          <a:lstStyle/>
+          <a:p>
+            <a:r>
+              <a:rPr lang="en-US" b="1" dirty="0" smtClean="0"/>
+              <a:t>Solid structures</a:t>
+            </a:r>
+            <a:endParaRPr lang="en-US" b="1" dirty="0"/>
+          </a:p>
+        </p:txBody>
+      </p:sp>
+    </p:spTree>
+    <p:extLst>
+      <p:ext uri="{BB962C8B-B14F-4D97-AF65-F5344CB8AC3E}">
+        <p14:creationId xmlns:p14="http://schemas.microsoft.com/office/powerpoint/2010/main" val="58786355"/>
+      </p:ext>
+    </p:extLst>
+  </p:cSld>
+  <p:clrMapOvr>
+    <a:masterClrMapping/>
+  </p:clrMapOvr>
+</p:sld>
+</file>
+
+<file path=ppt/slides/slide12.xml><?xml version="1.0" encoding="utf-8"?>
+<p:sld xmlns:a="http://schemas.openxmlformats.org/drawingml/2006/main" xmlns:r="http://schemas.openxmlformats.org/officeDocument/2006/relationships" xmlns:p="http://schemas.openxmlformats.org/presentationml/2006/main">
+  <p:cSld>
+    <p:spTree>
+      <p:nvGrpSpPr>
+        <p:cNvPr id="1" name=""/>
+        <p:cNvGrpSpPr/>
+        <p:nvPr/>
+      </p:nvGrpSpPr>
+      <p:grpSpPr>
+        <a:xfrm>
+          <a:off x="0" y="0"/>
+          <a:ext cx="0" cy="0"/>
+          <a:chOff x="0" y="0"/>
+          <a:chExt cx="0" cy="0"/>
+        </a:xfrm>
+      </p:grpSpPr>
+      <p:pic>
+        <p:nvPicPr>
+          <p:cNvPr id="4" name="Picture 3" descr="Galveston_case.pdf"/>
+          <p:cNvPicPr>
+            <a:picLocks noChangeAspect="1"/>
+          </p:cNvPicPr>
+          <p:nvPr/>
+        </p:nvPicPr>
+        <p:blipFill>
+          <a:blip r:embed="rId2">
+            <a:extLst>
+              <a:ext uri="{28A0092B-C50C-407E-A947-70E740481C1C}">
+                <a14:useLocalDpi xmlns:a14="http://schemas.microsoft.com/office/drawing/2010/main" val="0"/>
+              </a:ext>
+            </a:extLst>
+          </a:blip>
+          <a:stretch>
+            <a:fillRect/>
+          </a:stretch>
+        </p:blipFill>
+        <p:spPr>
+          <a:xfrm>
+            <a:off x="675680" y="972155"/>
+            <a:ext cx="7974025" cy="5143010"/>
+          </a:xfrm>
+          <a:prstGeom prst="rect">
+            <a:avLst/>
+          </a:prstGeom>
+        </p:spPr>
+      </p:pic>
+      <p:sp>
+        <p:nvSpPr>
+          <p:cNvPr id="5" name="Rectangle 4"/>
+          <p:cNvSpPr/>
+          <p:nvPr/>
+        </p:nvSpPr>
+        <p:spPr>
+          <a:xfrm>
+            <a:off x="4107549" y="1332792"/>
+            <a:ext cx="611428" cy="2461747"/>
+          </a:xfrm>
+          <a:prstGeom prst="rect">
+            <a:avLst/>
+          </a:prstGeom>
+          <a:solidFill>
+            <a:srgbClr val="FFFF00">
+              <a:alpha val="45000"/>
+            </a:srgbClr>
+          </a:solidFill>
+        </p:spPr>
+        <p:style>
+          <a:lnRef idx="1">
+            <a:schemeClr val="accent1"/>
+          </a:lnRef>
+          <a:fillRef idx="3">
+            <a:schemeClr val="accent1"/>
+          </a:fillRef>
+          <a:effectRef idx="2">
+            <a:schemeClr val="accent1"/>
+          </a:effectRef>
+          <a:fontRef idx="minor">
+            <a:schemeClr val="lt1"/>
+          </a:fontRef>
+        </p:style>
+        <p:txBody>
+          <a:bodyPr rtlCol="0" anchor="ctr"/>
+          <a:lstStyle/>
+          <a:p>
+            <a:pPr algn="ctr"/>
+            <a:endParaRPr lang="en-US"/>
+          </a:p>
+        </p:txBody>
+      </p:sp>
+      <p:sp>
+        <p:nvSpPr>
+          <p:cNvPr id="7" name="Rectangle 6"/>
+          <p:cNvSpPr/>
+          <p:nvPr/>
+        </p:nvSpPr>
+        <p:spPr>
+          <a:xfrm>
+            <a:off x="6553265" y="4703973"/>
+            <a:ext cx="846594" cy="282238"/>
+          </a:xfrm>
+          <a:prstGeom prst="rect">
+            <a:avLst/>
+          </a:prstGeom>
+          <a:solidFill>
+            <a:srgbClr val="FFFF00">
+              <a:alpha val="60000"/>
+            </a:srgbClr>
+          </a:solidFill>
+        </p:spPr>
+        <p:style>
+          <a:lnRef idx="1">
+            <a:schemeClr val="accent1"/>
+          </a:lnRef>
+          <a:fillRef idx="3">
+            <a:schemeClr val="accent1"/>
+          </a:fillRef>
+          <a:effectRef idx="2">
+            <a:schemeClr val="accent1"/>
+          </a:effectRef>
+          <a:fontRef idx="minor">
+            <a:schemeClr val="lt1"/>
+          </a:fontRef>
+        </p:style>
+        <p:txBody>
+          <a:bodyPr rtlCol="0" anchor="ctr"/>
+          <a:lstStyle/>
+          <a:p>
+            <a:pPr algn="ctr"/>
+            <a:endParaRPr lang="en-US"/>
+          </a:p>
+        </p:txBody>
+      </p:sp>
+      <p:sp>
+        <p:nvSpPr>
+          <p:cNvPr id="8" name="Rectangle 7"/>
+          <p:cNvSpPr/>
+          <p:nvPr/>
+        </p:nvSpPr>
+        <p:spPr>
+          <a:xfrm>
+            <a:off x="6553265" y="5185651"/>
+            <a:ext cx="846594" cy="282238"/>
+          </a:xfrm>
+          <a:prstGeom prst="rect">
+            <a:avLst/>
+          </a:prstGeom>
+          <a:solidFill>
+            <a:srgbClr val="FF0000">
+              <a:alpha val="50000"/>
+            </a:srgbClr>
+          </a:solidFill>
+        </p:spPr>
+        <p:style>
+          <a:lnRef idx="1">
+            <a:schemeClr val="accent1"/>
+          </a:lnRef>
+          <a:fillRef idx="3">
+            <a:schemeClr val="accent1"/>
+          </a:fillRef>
+          <a:effectRef idx="2">
+            <a:schemeClr val="accent1"/>
+          </a:effectRef>
+          <a:fontRef idx="minor">
+            <a:schemeClr val="lt1"/>
+          </a:fontRef>
+        </p:style>
+        <p:txBody>
+          <a:bodyPr rtlCol="0" anchor="ctr"/>
+          <a:lstStyle/>
+          <a:p>
+            <a:pPr algn="ctr"/>
+            <a:endParaRPr lang="en-US"/>
+          </a:p>
+        </p:txBody>
+      </p:sp>
+      <p:sp>
+        <p:nvSpPr>
+          <p:cNvPr id="9" name="TextBox 8"/>
+          <p:cNvSpPr txBox="1"/>
+          <p:nvPr/>
+        </p:nvSpPr>
+        <p:spPr>
+          <a:xfrm>
+            <a:off x="6725720" y="4679599"/>
+            <a:ext cx="459318" cy="307777"/>
+          </a:xfrm>
+          <a:prstGeom prst="rect">
+            <a:avLst/>
+          </a:prstGeom>
+          <a:noFill/>
+        </p:spPr>
+        <p:txBody>
+          <a:bodyPr wrap="none" rtlCol="0">
+            <a:spAutoFit/>
+          </a:bodyPr>
+          <a:lstStyle/>
+          <a:p>
+            <a:r>
+              <a:rPr lang="en-US" sz="1400" dirty="0" smtClean="0"/>
+              <a:t>add</a:t>
+            </a:r>
+            <a:endParaRPr lang="en-US" sz="1400" dirty="0"/>
+          </a:p>
+        </p:txBody>
+      </p:sp>
+      <p:sp>
+        <p:nvSpPr>
+          <p:cNvPr id="10" name="TextBox 9"/>
+          <p:cNvSpPr txBox="1"/>
+          <p:nvPr/>
+        </p:nvSpPr>
+        <p:spPr>
+          <a:xfrm>
+            <a:off x="6564560" y="5145599"/>
+            <a:ext cx="788322" cy="307777"/>
+          </a:xfrm>
+          <a:prstGeom prst="rect">
+            <a:avLst/>
+          </a:prstGeom>
+          <a:noFill/>
+        </p:spPr>
+        <p:txBody>
+          <a:bodyPr wrap="none" rtlCol="0">
+            <a:spAutoFit/>
+          </a:bodyPr>
+          <a:lstStyle/>
+          <a:p>
+            <a:r>
+              <a:rPr lang="en-US" sz="1400" dirty="0" smtClean="0"/>
+              <a:t>subtract</a:t>
+            </a:r>
+            <a:endParaRPr lang="en-US" sz="1400" dirty="0"/>
+          </a:p>
+        </p:txBody>
+      </p:sp>
+      <p:sp>
+        <p:nvSpPr>
+          <p:cNvPr id="11" name="Rectangle 10"/>
+          <p:cNvSpPr/>
+          <p:nvPr/>
+        </p:nvSpPr>
+        <p:spPr>
+          <a:xfrm>
+            <a:off x="3919417" y="2649123"/>
+            <a:ext cx="188132" cy="1145415"/>
+          </a:xfrm>
+          <a:custGeom>
+            <a:avLst/>
+            <a:gdLst>
+              <a:gd name="connsiteX0" fmla="*/ 0 w 188132"/>
+              <a:gd name="connsiteY0" fmla="*/ 0 h 1081915"/>
+              <a:gd name="connsiteX1" fmla="*/ 188132 w 188132"/>
+              <a:gd name="connsiteY1" fmla="*/ 0 h 1081915"/>
+              <a:gd name="connsiteX2" fmla="*/ 188132 w 188132"/>
+              <a:gd name="connsiteY2" fmla="*/ 1081915 h 1081915"/>
+              <a:gd name="connsiteX3" fmla="*/ 0 w 188132"/>
+              <a:gd name="connsiteY3" fmla="*/ 1081915 h 1081915"/>
+              <a:gd name="connsiteX4" fmla="*/ 0 w 188132"/>
+              <a:gd name="connsiteY4" fmla="*/ 0 h 1081915"/>
+              <a:gd name="connsiteX0" fmla="*/ 0 w 188132"/>
+              <a:gd name="connsiteY0" fmla="*/ 139700 h 1081915"/>
+              <a:gd name="connsiteX1" fmla="*/ 188132 w 188132"/>
+              <a:gd name="connsiteY1" fmla="*/ 0 h 1081915"/>
+              <a:gd name="connsiteX2" fmla="*/ 188132 w 188132"/>
+              <a:gd name="connsiteY2" fmla="*/ 1081915 h 1081915"/>
+              <a:gd name="connsiteX3" fmla="*/ 0 w 188132"/>
+              <a:gd name="connsiteY3" fmla="*/ 1081915 h 1081915"/>
+              <a:gd name="connsiteX4" fmla="*/ 0 w 188132"/>
+              <a:gd name="connsiteY4" fmla="*/ 139700 h 1081915"/>
+              <a:gd name="connsiteX0" fmla="*/ 0 w 188132"/>
+              <a:gd name="connsiteY0" fmla="*/ 203200 h 1145415"/>
+              <a:gd name="connsiteX1" fmla="*/ 175432 w 188132"/>
+              <a:gd name="connsiteY1" fmla="*/ 0 h 1145415"/>
+              <a:gd name="connsiteX2" fmla="*/ 188132 w 188132"/>
+              <a:gd name="connsiteY2" fmla="*/ 1145415 h 1145415"/>
+              <a:gd name="connsiteX3" fmla="*/ 0 w 188132"/>
+              <a:gd name="connsiteY3" fmla="*/ 1145415 h 1145415"/>
+              <a:gd name="connsiteX4" fmla="*/ 0 w 188132"/>
+              <a:gd name="connsiteY4" fmla="*/ 203200 h 1145415"/>
+            </a:gdLst>
+            <a:ahLst/>
+            <a:cxnLst>
+              <a:cxn ang="0">
+                <a:pos x="connsiteX0" y="connsiteY0"/>
+              </a:cxn>
+              <a:cxn ang="0">
+                <a:pos x="connsiteX1" y="connsiteY1"/>
+              </a:cxn>
+              <a:cxn ang="0">
+                <a:pos x="connsiteX2" y="connsiteY2"/>
+              </a:cxn>
+              <a:cxn ang="0">
+                <a:pos x="connsiteX3" y="connsiteY3"/>
+              </a:cxn>
+              <a:cxn ang="0">
+                <a:pos x="connsiteX4" y="connsiteY4"/>
+              </a:cxn>
+            </a:cxnLst>
+            <a:rect l="l" t="t" r="r" b="b"/>
+            <a:pathLst>
+              <a:path w="188132" h="1145415">
+                <a:moveTo>
+                  <a:pt x="0" y="203200"/>
+                </a:moveTo>
+                <a:lnTo>
+                  <a:pt x="175432" y="0"/>
+                </a:lnTo>
+                <a:lnTo>
+                  <a:pt x="188132" y="1145415"/>
+                </a:lnTo>
+                <a:lnTo>
+                  <a:pt x="0" y="1145415"/>
+                </a:lnTo>
+                <a:lnTo>
+                  <a:pt x="0" y="203200"/>
+                </a:lnTo>
+                <a:close/>
+              </a:path>
+            </a:pathLst>
+          </a:custGeom>
+          <a:solidFill>
+            <a:srgbClr val="FFFF00">
+              <a:alpha val="45000"/>
+            </a:srgbClr>
+          </a:solidFill>
+        </p:spPr>
+        <p:style>
+          <a:lnRef idx="1">
+            <a:schemeClr val="accent1"/>
+          </a:lnRef>
+          <a:fillRef idx="3">
+            <a:schemeClr val="accent1"/>
+          </a:fillRef>
+          <a:effectRef idx="2">
+            <a:schemeClr val="accent1"/>
+          </a:effectRef>
+          <a:fontRef idx="minor">
+            <a:schemeClr val="lt1"/>
+          </a:fontRef>
+        </p:style>
+        <p:txBody>
+          <a:bodyPr rtlCol="0" anchor="ctr"/>
+          <a:lstStyle/>
+          <a:p>
+            <a:pPr algn="ctr"/>
+            <a:endParaRPr lang="en-US"/>
+          </a:p>
+        </p:txBody>
+      </p:sp>
+      <p:sp>
+        <p:nvSpPr>
+          <p:cNvPr id="12" name="Rectangle 11"/>
+          <p:cNvSpPr/>
+          <p:nvPr/>
+        </p:nvSpPr>
+        <p:spPr>
+          <a:xfrm>
+            <a:off x="3731285" y="2917102"/>
+            <a:ext cx="188132" cy="877436"/>
+          </a:xfrm>
+          <a:custGeom>
+            <a:avLst/>
+            <a:gdLst>
+              <a:gd name="connsiteX0" fmla="*/ 0 w 188132"/>
+              <a:gd name="connsiteY0" fmla="*/ 0 h 674236"/>
+              <a:gd name="connsiteX1" fmla="*/ 188132 w 188132"/>
+              <a:gd name="connsiteY1" fmla="*/ 0 h 674236"/>
+              <a:gd name="connsiteX2" fmla="*/ 188132 w 188132"/>
+              <a:gd name="connsiteY2" fmla="*/ 674236 h 674236"/>
+              <a:gd name="connsiteX3" fmla="*/ 0 w 188132"/>
+              <a:gd name="connsiteY3" fmla="*/ 674236 h 674236"/>
+              <a:gd name="connsiteX4" fmla="*/ 0 w 188132"/>
+              <a:gd name="connsiteY4" fmla="*/ 0 h 674236"/>
+              <a:gd name="connsiteX0" fmla="*/ 0 w 188132"/>
+              <a:gd name="connsiteY0" fmla="*/ 203200 h 877436"/>
+              <a:gd name="connsiteX1" fmla="*/ 175432 w 188132"/>
+              <a:gd name="connsiteY1" fmla="*/ 0 h 877436"/>
+              <a:gd name="connsiteX2" fmla="*/ 188132 w 188132"/>
+              <a:gd name="connsiteY2" fmla="*/ 877436 h 877436"/>
+              <a:gd name="connsiteX3" fmla="*/ 0 w 188132"/>
+              <a:gd name="connsiteY3" fmla="*/ 877436 h 877436"/>
+              <a:gd name="connsiteX4" fmla="*/ 0 w 188132"/>
+              <a:gd name="connsiteY4" fmla="*/ 203200 h 877436"/>
+            </a:gdLst>
+            <a:ahLst/>
+            <a:cxnLst>
+              <a:cxn ang="0">
+                <a:pos x="connsiteX0" y="connsiteY0"/>
+              </a:cxn>
+              <a:cxn ang="0">
+                <a:pos x="connsiteX1" y="connsiteY1"/>
+              </a:cxn>
+              <a:cxn ang="0">
+                <a:pos x="connsiteX2" y="connsiteY2"/>
+              </a:cxn>
+              <a:cxn ang="0">
+                <a:pos x="connsiteX3" y="connsiteY3"/>
+              </a:cxn>
+              <a:cxn ang="0">
+                <a:pos x="connsiteX4" y="connsiteY4"/>
+              </a:cxn>
+            </a:cxnLst>
+            <a:rect l="l" t="t" r="r" b="b"/>
+            <a:pathLst>
+              <a:path w="188132" h="877436">
+                <a:moveTo>
+                  <a:pt x="0" y="203200"/>
+                </a:moveTo>
+                <a:lnTo>
+                  <a:pt x="175432" y="0"/>
+                </a:lnTo>
+                <a:lnTo>
+                  <a:pt x="188132" y="877436"/>
+                </a:lnTo>
+                <a:lnTo>
+                  <a:pt x="0" y="877436"/>
+                </a:lnTo>
+                <a:lnTo>
+                  <a:pt x="0" y="203200"/>
+                </a:lnTo>
+                <a:close/>
+              </a:path>
+            </a:pathLst>
+          </a:custGeom>
+          <a:solidFill>
+            <a:srgbClr val="FFFF00">
+              <a:alpha val="45000"/>
+            </a:srgbClr>
+          </a:solidFill>
+        </p:spPr>
+        <p:style>
+          <a:lnRef idx="1">
+            <a:schemeClr val="accent1"/>
+          </a:lnRef>
+          <a:fillRef idx="3">
+            <a:schemeClr val="accent1"/>
+          </a:fillRef>
+          <a:effectRef idx="2">
+            <a:schemeClr val="accent1"/>
+          </a:effectRef>
+          <a:fontRef idx="minor">
+            <a:schemeClr val="lt1"/>
+          </a:fontRef>
+        </p:style>
+        <p:txBody>
+          <a:bodyPr rtlCol="0" anchor="ctr"/>
+          <a:lstStyle/>
+          <a:p>
+            <a:pPr algn="ctr"/>
+            <a:endParaRPr lang="en-US"/>
+          </a:p>
+        </p:txBody>
+      </p:sp>
+      <p:sp>
+        <p:nvSpPr>
+          <p:cNvPr id="13" name="Rectangle 12"/>
+          <p:cNvSpPr/>
+          <p:nvPr/>
+        </p:nvSpPr>
+        <p:spPr>
+          <a:xfrm>
+            <a:off x="3543153" y="3194160"/>
+            <a:ext cx="188132" cy="600377"/>
+          </a:xfrm>
+          <a:custGeom>
+            <a:avLst/>
+            <a:gdLst>
+              <a:gd name="connsiteX0" fmla="*/ 0 w 188132"/>
+              <a:gd name="connsiteY0" fmla="*/ 0 h 486077"/>
+              <a:gd name="connsiteX1" fmla="*/ 188132 w 188132"/>
+              <a:gd name="connsiteY1" fmla="*/ 0 h 486077"/>
+              <a:gd name="connsiteX2" fmla="*/ 188132 w 188132"/>
+              <a:gd name="connsiteY2" fmla="*/ 486077 h 486077"/>
+              <a:gd name="connsiteX3" fmla="*/ 0 w 188132"/>
+              <a:gd name="connsiteY3" fmla="*/ 486077 h 486077"/>
+              <a:gd name="connsiteX4" fmla="*/ 0 w 188132"/>
+              <a:gd name="connsiteY4" fmla="*/ 0 h 486077"/>
+              <a:gd name="connsiteX0" fmla="*/ 0 w 188132"/>
+              <a:gd name="connsiteY0" fmla="*/ 114300 h 600377"/>
+              <a:gd name="connsiteX1" fmla="*/ 175432 w 188132"/>
+              <a:gd name="connsiteY1" fmla="*/ 0 h 600377"/>
+              <a:gd name="connsiteX2" fmla="*/ 188132 w 188132"/>
+              <a:gd name="connsiteY2" fmla="*/ 600377 h 600377"/>
+              <a:gd name="connsiteX3" fmla="*/ 0 w 188132"/>
+              <a:gd name="connsiteY3" fmla="*/ 600377 h 600377"/>
+              <a:gd name="connsiteX4" fmla="*/ 0 w 188132"/>
+              <a:gd name="connsiteY4" fmla="*/ 114300 h 600377"/>
+              <a:gd name="connsiteX0" fmla="*/ 12700 w 188132"/>
+              <a:gd name="connsiteY0" fmla="*/ 152400 h 600377"/>
+              <a:gd name="connsiteX1" fmla="*/ 175432 w 188132"/>
+              <a:gd name="connsiteY1" fmla="*/ 0 h 600377"/>
+              <a:gd name="connsiteX2" fmla="*/ 188132 w 188132"/>
+              <a:gd name="connsiteY2" fmla="*/ 600377 h 600377"/>
+              <a:gd name="connsiteX3" fmla="*/ 0 w 188132"/>
+              <a:gd name="connsiteY3" fmla="*/ 600377 h 600377"/>
+              <a:gd name="connsiteX4" fmla="*/ 12700 w 188132"/>
+              <a:gd name="connsiteY4" fmla="*/ 152400 h 600377"/>
+            </a:gdLst>
+            <a:ahLst/>
+            <a:cxnLst>
+              <a:cxn ang="0">
+                <a:pos x="connsiteX0" y="connsiteY0"/>
+              </a:cxn>
+              <a:cxn ang="0">
+                <a:pos x="connsiteX1" y="connsiteY1"/>
+              </a:cxn>
+              <a:cxn ang="0">
+                <a:pos x="connsiteX2" y="connsiteY2"/>
+              </a:cxn>
+              <a:cxn ang="0">
+                <a:pos x="connsiteX3" y="connsiteY3"/>
+              </a:cxn>
+              <a:cxn ang="0">
+                <a:pos x="connsiteX4" y="connsiteY4"/>
+              </a:cxn>
+            </a:cxnLst>
+            <a:rect l="l" t="t" r="r" b="b"/>
+            <a:pathLst>
+              <a:path w="188132" h="600377">
+                <a:moveTo>
+                  <a:pt x="12700" y="152400"/>
+                </a:moveTo>
+                <a:lnTo>
+                  <a:pt x="175432" y="0"/>
+                </a:lnTo>
+                <a:lnTo>
+                  <a:pt x="188132" y="600377"/>
+                </a:lnTo>
+                <a:lnTo>
+                  <a:pt x="0" y="600377"/>
+                </a:lnTo>
+                <a:lnTo>
+                  <a:pt x="12700" y="152400"/>
+                </a:lnTo>
+                <a:close/>
+              </a:path>
+            </a:pathLst>
+          </a:custGeom>
+          <a:solidFill>
+            <a:srgbClr val="FFFF00">
+              <a:alpha val="45000"/>
+            </a:srgbClr>
+          </a:solidFill>
+        </p:spPr>
+        <p:style>
+          <a:lnRef idx="1">
+            <a:schemeClr val="accent1"/>
+          </a:lnRef>
+          <a:fillRef idx="3">
+            <a:schemeClr val="accent1"/>
+          </a:fillRef>
+          <a:effectRef idx="2">
+            <a:schemeClr val="accent1"/>
+          </a:effectRef>
+          <a:fontRef idx="minor">
+            <a:schemeClr val="lt1"/>
+          </a:fontRef>
+        </p:style>
+        <p:txBody>
+          <a:bodyPr rtlCol="0" anchor="ctr"/>
+          <a:lstStyle/>
+          <a:p>
+            <a:pPr algn="ctr"/>
+            <a:endParaRPr lang="en-US"/>
+          </a:p>
+        </p:txBody>
+      </p:sp>
+      <p:sp>
+        <p:nvSpPr>
+          <p:cNvPr id="14" name="Rectangle 13"/>
+          <p:cNvSpPr/>
+          <p:nvPr/>
+        </p:nvSpPr>
+        <p:spPr>
+          <a:xfrm flipH="1">
+            <a:off x="3386374" y="3439079"/>
+            <a:ext cx="141099" cy="351058"/>
+          </a:xfrm>
+          <a:custGeom>
+            <a:avLst/>
+            <a:gdLst>
+              <a:gd name="connsiteX0" fmla="*/ 0 w 141099"/>
+              <a:gd name="connsiteY0" fmla="*/ 0 h 262158"/>
+              <a:gd name="connsiteX1" fmla="*/ 141099 w 141099"/>
+              <a:gd name="connsiteY1" fmla="*/ 0 h 262158"/>
+              <a:gd name="connsiteX2" fmla="*/ 141099 w 141099"/>
+              <a:gd name="connsiteY2" fmla="*/ 262158 h 262158"/>
+              <a:gd name="connsiteX3" fmla="*/ 0 w 141099"/>
+              <a:gd name="connsiteY3" fmla="*/ 262158 h 262158"/>
+              <a:gd name="connsiteX4" fmla="*/ 0 w 141099"/>
+              <a:gd name="connsiteY4" fmla="*/ 0 h 262158"/>
+              <a:gd name="connsiteX0" fmla="*/ 0 w 141099"/>
+              <a:gd name="connsiteY0" fmla="*/ 0 h 351058"/>
+              <a:gd name="connsiteX1" fmla="*/ 141099 w 141099"/>
+              <a:gd name="connsiteY1" fmla="*/ 88900 h 351058"/>
+              <a:gd name="connsiteX2" fmla="*/ 141099 w 141099"/>
+              <a:gd name="connsiteY2" fmla="*/ 351058 h 351058"/>
+              <a:gd name="connsiteX3" fmla="*/ 0 w 141099"/>
+              <a:gd name="connsiteY3" fmla="*/ 351058 h 351058"/>
+              <a:gd name="connsiteX4" fmla="*/ 0 w 141099"/>
+              <a:gd name="connsiteY4" fmla="*/ 0 h 351058"/>
+            </a:gdLst>
+            <a:ahLst/>
+            <a:cxnLst>
+              <a:cxn ang="0">
+                <a:pos x="connsiteX0" y="connsiteY0"/>
+              </a:cxn>
+              <a:cxn ang="0">
+                <a:pos x="connsiteX1" y="connsiteY1"/>
+              </a:cxn>
+              <a:cxn ang="0">
+                <a:pos x="connsiteX2" y="connsiteY2"/>
+              </a:cxn>
+              <a:cxn ang="0">
+                <a:pos x="connsiteX3" y="connsiteY3"/>
+              </a:cxn>
+              <a:cxn ang="0">
+                <a:pos x="connsiteX4" y="connsiteY4"/>
+              </a:cxn>
+            </a:cxnLst>
+            <a:rect l="l" t="t" r="r" b="b"/>
+            <a:pathLst>
+              <a:path w="141099" h="351058">
+                <a:moveTo>
+                  <a:pt x="0" y="0"/>
+                </a:moveTo>
+                <a:lnTo>
+                  <a:pt x="141099" y="88900"/>
+                </a:lnTo>
+                <a:lnTo>
+                  <a:pt x="141099" y="351058"/>
+                </a:lnTo>
+                <a:lnTo>
+                  <a:pt x="0" y="351058"/>
+                </a:lnTo>
+                <a:lnTo>
+                  <a:pt x="0" y="0"/>
+                </a:lnTo>
+                <a:close/>
+              </a:path>
+            </a:pathLst>
+          </a:custGeom>
+          <a:solidFill>
+            <a:srgbClr val="FFFF00">
+              <a:alpha val="45000"/>
+            </a:srgbClr>
+          </a:solidFill>
+        </p:spPr>
+        <p:style>
+          <a:lnRef idx="1">
+            <a:schemeClr val="accent1"/>
+          </a:lnRef>
+          <a:fillRef idx="3">
+            <a:schemeClr val="accent1"/>
+          </a:fillRef>
+          <a:effectRef idx="2">
+            <a:schemeClr val="accent1"/>
+          </a:effectRef>
+          <a:fontRef idx="minor">
+            <a:schemeClr val="lt1"/>
+          </a:fontRef>
+        </p:style>
+        <p:txBody>
+          <a:bodyPr rtlCol="0" anchor="ctr"/>
+          <a:lstStyle/>
+          <a:p>
+            <a:pPr algn="ctr"/>
+            <a:endParaRPr lang="en-US"/>
+          </a:p>
+        </p:txBody>
+      </p:sp>
+      <p:sp>
+        <p:nvSpPr>
+          <p:cNvPr id="15" name="TextBox 14"/>
+          <p:cNvSpPr txBox="1"/>
+          <p:nvPr/>
+        </p:nvSpPr>
+        <p:spPr>
+          <a:xfrm>
+            <a:off x="1050403" y="5644766"/>
+            <a:ext cx="1676172" cy="369332"/>
+          </a:xfrm>
+          <a:prstGeom prst="rect">
+            <a:avLst/>
+          </a:prstGeom>
+          <a:noFill/>
+        </p:spPr>
+        <p:txBody>
+          <a:bodyPr wrap="none" rtlCol="0">
+            <a:spAutoFit/>
+          </a:bodyPr>
+          <a:lstStyle/>
+          <a:p>
+            <a:r>
+              <a:rPr lang="en-US" b="1" dirty="0" smtClean="0"/>
+              <a:t>Solid structures</a:t>
+            </a:r>
+            <a:endParaRPr lang="en-US" b="1" dirty="0"/>
+          </a:p>
+        </p:txBody>
+      </p:sp>
+    </p:spTree>
+    <p:extLst>
+      <p:ext uri="{BB962C8B-B14F-4D97-AF65-F5344CB8AC3E}">
+        <p14:creationId xmlns:p14="http://schemas.microsoft.com/office/powerpoint/2010/main" val="3417172210"/>
+      </p:ext>
+    </p:extLst>
+  </p:cSld>
+  <p:clrMapOvr>
+    <a:masterClrMapping/>
+  </p:clrMapOvr>
+</p:sld>
+</file>
+
+<file path=ppt/slides/slide13.xml><?xml version="1.0" encoding="utf-8"?>
+<p:sld xmlns:a="http://schemas.openxmlformats.org/drawingml/2006/main" xmlns:r="http://schemas.openxmlformats.org/officeDocument/2006/relationships" xmlns:p="http://schemas.openxmlformats.org/presentationml/2006/main">
+  <p:cSld>
+    <p:spTree>
+      <p:nvGrpSpPr>
+        <p:cNvPr id="1" name=""/>
+        <p:cNvGrpSpPr/>
+        <p:nvPr/>
+      </p:nvGrpSpPr>
+      <p:grpSpPr>
+        <a:xfrm>
+          <a:off x="0" y="0"/>
+          <a:ext cx="0" cy="0"/>
+          <a:chOff x="0" y="0"/>
+          <a:chExt cx="0" cy="0"/>
+        </a:xfrm>
+      </p:grpSpPr>
+      <p:pic>
+        <p:nvPicPr>
+          <p:cNvPr id="4" name="Picture 3" descr="Galveston_case.pdf"/>
+          <p:cNvPicPr>
+            <a:picLocks noChangeAspect="1"/>
+          </p:cNvPicPr>
+          <p:nvPr/>
+        </p:nvPicPr>
+        <p:blipFill>
+          <a:blip r:embed="rId2">
+            <a:extLst>
+              <a:ext uri="{28A0092B-C50C-407E-A947-70E740481C1C}">
+                <a14:useLocalDpi xmlns:a14="http://schemas.microsoft.com/office/drawing/2010/main" val="0"/>
+              </a:ext>
+            </a:extLst>
+          </a:blip>
+          <a:stretch>
+            <a:fillRect/>
+          </a:stretch>
+        </p:blipFill>
+        <p:spPr>
+          <a:xfrm>
+            <a:off x="675680" y="972155"/>
+            <a:ext cx="7974025" cy="5143010"/>
+          </a:xfrm>
+          <a:prstGeom prst="rect">
+            <a:avLst/>
+          </a:prstGeom>
+        </p:spPr>
+      </p:pic>
+      <p:sp>
+        <p:nvSpPr>
+          <p:cNvPr id="5" name="Rectangle 4"/>
+          <p:cNvSpPr/>
+          <p:nvPr/>
+        </p:nvSpPr>
+        <p:spPr>
+          <a:xfrm>
+            <a:off x="3903738" y="1332793"/>
+            <a:ext cx="219487" cy="2461747"/>
+          </a:xfrm>
+          <a:prstGeom prst="rect">
+            <a:avLst/>
+          </a:prstGeom>
+          <a:solidFill>
+            <a:srgbClr val="FFFF00">
+              <a:alpha val="45000"/>
+            </a:srgbClr>
+          </a:solidFill>
+        </p:spPr>
+        <p:style>
+          <a:lnRef idx="1">
+            <a:schemeClr val="accent1"/>
+          </a:lnRef>
+          <a:fillRef idx="3">
+            <a:schemeClr val="accent1"/>
+          </a:fillRef>
+          <a:effectRef idx="2">
+            <a:schemeClr val="accent1"/>
+          </a:effectRef>
+          <a:fontRef idx="minor">
+            <a:schemeClr val="lt1"/>
+          </a:fontRef>
+        </p:style>
+        <p:txBody>
+          <a:bodyPr rtlCol="0" anchor="ctr"/>
+          <a:lstStyle/>
+          <a:p>
+            <a:pPr algn="ctr"/>
+            <a:endParaRPr lang="en-US"/>
+          </a:p>
+        </p:txBody>
+      </p:sp>
+      <p:sp>
+        <p:nvSpPr>
+          <p:cNvPr id="6" name="Rectangle 5"/>
+          <p:cNvSpPr/>
+          <p:nvPr/>
+        </p:nvSpPr>
+        <p:spPr>
+          <a:xfrm>
+            <a:off x="3919464" y="1496189"/>
+            <a:ext cx="156776" cy="2298351"/>
+          </a:xfrm>
+          <a:custGeom>
+            <a:avLst/>
+            <a:gdLst>
+              <a:gd name="connsiteX0" fmla="*/ 0 w 156776"/>
+              <a:gd name="connsiteY0" fmla="*/ 0 h 2069751"/>
+              <a:gd name="connsiteX1" fmla="*/ 156776 w 156776"/>
+              <a:gd name="connsiteY1" fmla="*/ 0 h 2069751"/>
+              <a:gd name="connsiteX2" fmla="*/ 156776 w 156776"/>
+              <a:gd name="connsiteY2" fmla="*/ 2069751 h 2069751"/>
+              <a:gd name="connsiteX3" fmla="*/ 0 w 156776"/>
+              <a:gd name="connsiteY3" fmla="*/ 2069751 h 2069751"/>
+              <a:gd name="connsiteX4" fmla="*/ 0 w 156776"/>
+              <a:gd name="connsiteY4" fmla="*/ 0 h 2069751"/>
+              <a:gd name="connsiteX0" fmla="*/ 0 w 156776"/>
+              <a:gd name="connsiteY0" fmla="*/ 0 h 2069751"/>
+              <a:gd name="connsiteX1" fmla="*/ 156776 w 156776"/>
+              <a:gd name="connsiteY1" fmla="*/ 228600 h 2069751"/>
+              <a:gd name="connsiteX2" fmla="*/ 156776 w 156776"/>
+              <a:gd name="connsiteY2" fmla="*/ 2069751 h 2069751"/>
+              <a:gd name="connsiteX3" fmla="*/ 0 w 156776"/>
+              <a:gd name="connsiteY3" fmla="*/ 2069751 h 2069751"/>
+              <a:gd name="connsiteX4" fmla="*/ 0 w 156776"/>
+              <a:gd name="connsiteY4" fmla="*/ 0 h 2069751"/>
+              <a:gd name="connsiteX0" fmla="*/ 0 w 156776"/>
+              <a:gd name="connsiteY0" fmla="*/ 0 h 2298351"/>
+              <a:gd name="connsiteX1" fmla="*/ 156776 w 156776"/>
+              <a:gd name="connsiteY1" fmla="*/ 457200 h 2298351"/>
+              <a:gd name="connsiteX2" fmla="*/ 156776 w 156776"/>
+              <a:gd name="connsiteY2" fmla="*/ 2298351 h 2298351"/>
+              <a:gd name="connsiteX3" fmla="*/ 0 w 156776"/>
+              <a:gd name="connsiteY3" fmla="*/ 2298351 h 2298351"/>
+              <a:gd name="connsiteX4" fmla="*/ 0 w 156776"/>
+              <a:gd name="connsiteY4" fmla="*/ 0 h 2298351"/>
+            </a:gdLst>
+            <a:ahLst/>
+            <a:cxnLst>
+              <a:cxn ang="0">
+                <a:pos x="connsiteX0" y="connsiteY0"/>
+              </a:cxn>
+              <a:cxn ang="0">
+                <a:pos x="connsiteX1" y="connsiteY1"/>
+              </a:cxn>
+              <a:cxn ang="0">
+                <a:pos x="connsiteX2" y="connsiteY2"/>
+              </a:cxn>
+              <a:cxn ang="0">
+                <a:pos x="connsiteX3" y="connsiteY3"/>
+              </a:cxn>
+              <a:cxn ang="0">
+                <a:pos x="connsiteX4" y="connsiteY4"/>
+              </a:cxn>
+            </a:cxnLst>
+            <a:rect l="l" t="t" r="r" b="b"/>
+            <a:pathLst>
+              <a:path w="156776" h="2298351">
+                <a:moveTo>
+                  <a:pt x="0" y="0"/>
+                </a:moveTo>
+                <a:lnTo>
+                  <a:pt x="156776" y="457200"/>
+                </a:lnTo>
+                <a:lnTo>
+                  <a:pt x="156776" y="2298351"/>
+                </a:lnTo>
+                <a:lnTo>
+                  <a:pt x="0" y="2298351"/>
+                </a:lnTo>
+                <a:lnTo>
+                  <a:pt x="0" y="0"/>
+                </a:lnTo>
+                <a:close/>
+              </a:path>
+            </a:pathLst>
+          </a:custGeom>
+          <a:solidFill>
+            <a:srgbClr val="FF0000">
+              <a:alpha val="35000"/>
+            </a:srgbClr>
+          </a:solidFill>
+        </p:spPr>
+        <p:style>
+          <a:lnRef idx="1">
+            <a:schemeClr val="accent1"/>
+          </a:lnRef>
+          <a:fillRef idx="3">
+            <a:schemeClr val="accent1"/>
+          </a:fillRef>
+          <a:effectRef idx="2">
+            <a:schemeClr val="accent1"/>
+          </a:effectRef>
+          <a:fontRef idx="minor">
+            <a:schemeClr val="lt1"/>
+          </a:fontRef>
+        </p:style>
+        <p:txBody>
+          <a:bodyPr rtlCol="0" anchor="ctr"/>
+          <a:lstStyle/>
+          <a:p>
+            <a:pPr algn="ctr"/>
+            <a:endParaRPr lang="en-US"/>
+          </a:p>
+        </p:txBody>
+      </p:sp>
+      <p:sp>
+        <p:nvSpPr>
+          <p:cNvPr id="7" name="Rectangle 6"/>
+          <p:cNvSpPr/>
+          <p:nvPr/>
+        </p:nvSpPr>
+        <p:spPr>
+          <a:xfrm>
+            <a:off x="6553265" y="4703973"/>
+            <a:ext cx="846594" cy="282238"/>
+          </a:xfrm>
+          <a:prstGeom prst="rect">
+            <a:avLst/>
+          </a:prstGeom>
+          <a:solidFill>
+            <a:srgbClr val="FFFF00">
+              <a:alpha val="60000"/>
+            </a:srgbClr>
+          </a:solidFill>
+        </p:spPr>
+        <p:style>
+          <a:lnRef idx="1">
+            <a:schemeClr val="accent1"/>
+          </a:lnRef>
+          <a:fillRef idx="3">
+            <a:schemeClr val="accent1"/>
+          </a:fillRef>
+          <a:effectRef idx="2">
+            <a:schemeClr val="accent1"/>
+          </a:effectRef>
+          <a:fontRef idx="minor">
+            <a:schemeClr val="lt1"/>
+          </a:fontRef>
+        </p:style>
+        <p:txBody>
+          <a:bodyPr rtlCol="0" anchor="ctr"/>
+          <a:lstStyle/>
+          <a:p>
+            <a:pPr algn="ctr"/>
+            <a:endParaRPr lang="en-US"/>
+          </a:p>
+        </p:txBody>
+      </p:sp>
+      <p:sp>
+        <p:nvSpPr>
+          <p:cNvPr id="8" name="Rectangle 7"/>
+          <p:cNvSpPr/>
+          <p:nvPr/>
+        </p:nvSpPr>
+        <p:spPr>
+          <a:xfrm>
+            <a:off x="6553265" y="5185651"/>
+            <a:ext cx="846594" cy="282238"/>
+          </a:xfrm>
+          <a:prstGeom prst="rect">
+            <a:avLst/>
+          </a:prstGeom>
+          <a:solidFill>
+            <a:srgbClr val="FF0000">
+              <a:alpha val="50000"/>
+            </a:srgbClr>
+          </a:solidFill>
+        </p:spPr>
+        <p:style>
+          <a:lnRef idx="1">
+            <a:schemeClr val="accent1"/>
+          </a:lnRef>
+          <a:fillRef idx="3">
+            <a:schemeClr val="accent1"/>
+          </a:fillRef>
+          <a:effectRef idx="2">
+            <a:schemeClr val="accent1"/>
+          </a:effectRef>
+          <a:fontRef idx="minor">
+            <a:schemeClr val="lt1"/>
+          </a:fontRef>
+        </p:style>
+        <p:txBody>
+          <a:bodyPr rtlCol="0" anchor="ctr"/>
+          <a:lstStyle/>
+          <a:p>
+            <a:pPr algn="ctr"/>
+            <a:endParaRPr lang="en-US"/>
+          </a:p>
+        </p:txBody>
+      </p:sp>
+      <p:sp>
+        <p:nvSpPr>
+          <p:cNvPr id="9" name="TextBox 8"/>
+          <p:cNvSpPr txBox="1"/>
+          <p:nvPr/>
+        </p:nvSpPr>
+        <p:spPr>
+          <a:xfrm>
+            <a:off x="6725720" y="4679599"/>
+            <a:ext cx="459318" cy="307777"/>
+          </a:xfrm>
+          <a:prstGeom prst="rect">
+            <a:avLst/>
+          </a:prstGeom>
+          <a:noFill/>
+        </p:spPr>
+        <p:txBody>
+          <a:bodyPr wrap="none" rtlCol="0">
+            <a:spAutoFit/>
+          </a:bodyPr>
+          <a:lstStyle/>
+          <a:p>
+            <a:r>
+              <a:rPr lang="en-US" sz="1400" dirty="0" smtClean="0"/>
+              <a:t>add</a:t>
+            </a:r>
+            <a:endParaRPr lang="en-US" sz="1400" dirty="0"/>
+          </a:p>
+        </p:txBody>
+      </p:sp>
+      <p:sp>
+        <p:nvSpPr>
+          <p:cNvPr id="10" name="TextBox 9"/>
+          <p:cNvSpPr txBox="1"/>
+          <p:nvPr/>
+        </p:nvSpPr>
+        <p:spPr>
+          <a:xfrm>
+            <a:off x="6564560" y="5145599"/>
+            <a:ext cx="788322" cy="307777"/>
+          </a:xfrm>
+          <a:prstGeom prst="rect">
+            <a:avLst/>
+          </a:prstGeom>
+          <a:noFill/>
+        </p:spPr>
+        <p:txBody>
+          <a:bodyPr wrap="none" rtlCol="0">
+            <a:spAutoFit/>
+          </a:bodyPr>
+          <a:lstStyle/>
+          <a:p>
+            <a:r>
+              <a:rPr lang="en-US" sz="1400" dirty="0" smtClean="0"/>
+              <a:t>subtract</a:t>
+            </a:r>
+            <a:endParaRPr lang="en-US" sz="1400" dirty="0"/>
+          </a:p>
+        </p:txBody>
+      </p:sp>
+      <p:sp>
+        <p:nvSpPr>
+          <p:cNvPr id="15" name="TextBox 14"/>
+          <p:cNvSpPr txBox="1"/>
+          <p:nvPr/>
+        </p:nvSpPr>
+        <p:spPr>
+          <a:xfrm>
+            <a:off x="1050403" y="5644766"/>
+            <a:ext cx="1676172" cy="369332"/>
+          </a:xfrm>
+          <a:prstGeom prst="rect">
+            <a:avLst/>
+          </a:prstGeom>
+          <a:noFill/>
+        </p:spPr>
+        <p:txBody>
+          <a:bodyPr wrap="none" rtlCol="0">
+            <a:spAutoFit/>
+          </a:bodyPr>
+          <a:lstStyle/>
+          <a:p>
+            <a:r>
+              <a:rPr lang="en-US" b="1" dirty="0" smtClean="0"/>
+              <a:t>Solid structures</a:t>
+            </a:r>
+            <a:endParaRPr lang="en-US" b="1" dirty="0"/>
+          </a:p>
+        </p:txBody>
+      </p:sp>
+    </p:spTree>
+    <p:extLst>
+      <p:ext uri="{BB962C8B-B14F-4D97-AF65-F5344CB8AC3E}">
+        <p14:creationId xmlns:p14="http://schemas.microsoft.com/office/powerpoint/2010/main" val="1611912062"/>
+      </p:ext>
+    </p:extLst>
+  </p:cSld>
+  <p:clrMapOvr>
+    <a:masterClrMapping/>
+  </p:clrMapOvr>
+</p:sld>
+</file>
+
+<file path=ppt/slides/slide14.xml><?xml version="1.0" encoding="utf-8"?>
+<p:sld xmlns:a="http://schemas.openxmlformats.org/drawingml/2006/main" xmlns:r="http://schemas.openxmlformats.org/officeDocument/2006/relationships" xmlns:p="http://schemas.openxmlformats.org/presentationml/2006/main">
+  <p:cSld>
+    <p:spTree>
+      <p:nvGrpSpPr>
+        <p:cNvPr id="1" name=""/>
+        <p:cNvGrpSpPr/>
+        <p:nvPr/>
+      </p:nvGrpSpPr>
+      <p:grpSpPr>
+        <a:xfrm>
+          <a:off x="0" y="0"/>
+          <a:ext cx="0" cy="0"/>
+          <a:chOff x="0" y="0"/>
+          <a:chExt cx="0" cy="0"/>
+        </a:xfrm>
+      </p:grpSpPr>
+      <p:pic>
+        <p:nvPicPr>
+          <p:cNvPr id="4" name="Picture 3" descr="Galveston_case.pdf"/>
+          <p:cNvPicPr>
+            <a:picLocks noChangeAspect="1"/>
+          </p:cNvPicPr>
+          <p:nvPr/>
+        </p:nvPicPr>
+        <p:blipFill>
+          <a:blip r:embed="rId2">
+            <a:extLst>
+              <a:ext uri="{28A0092B-C50C-407E-A947-70E740481C1C}">
+                <a14:useLocalDpi xmlns:a14="http://schemas.microsoft.com/office/drawing/2010/main" val="0"/>
+              </a:ext>
+            </a:extLst>
+          </a:blip>
+          <a:stretch>
+            <a:fillRect/>
+          </a:stretch>
+        </p:blipFill>
+        <p:spPr>
+          <a:xfrm>
+            <a:off x="675680" y="972155"/>
+            <a:ext cx="7974025" cy="5143010"/>
+          </a:xfrm>
+          <a:prstGeom prst="rect">
+            <a:avLst/>
+          </a:prstGeom>
+        </p:spPr>
+      </p:pic>
+      <p:sp>
+        <p:nvSpPr>
+          <p:cNvPr id="5" name="Rectangle 4"/>
+          <p:cNvSpPr/>
+          <p:nvPr/>
+        </p:nvSpPr>
+        <p:spPr>
+          <a:xfrm>
+            <a:off x="1567766" y="4453095"/>
+            <a:ext cx="1661833" cy="862394"/>
+          </a:xfrm>
+          <a:prstGeom prst="rect">
+            <a:avLst/>
+          </a:prstGeom>
+          <a:solidFill>
+            <a:srgbClr val="FFFF00">
+              <a:alpha val="45000"/>
+            </a:srgbClr>
+          </a:solidFill>
+        </p:spPr>
+        <p:style>
+          <a:lnRef idx="1">
+            <a:schemeClr val="accent1"/>
+          </a:lnRef>
+          <a:fillRef idx="3">
+            <a:schemeClr val="accent1"/>
+          </a:fillRef>
+          <a:effectRef idx="2">
+            <a:schemeClr val="accent1"/>
+          </a:effectRef>
+          <a:fontRef idx="minor">
+            <a:schemeClr val="lt1"/>
+          </a:fontRef>
+        </p:style>
+        <p:txBody>
+          <a:bodyPr rtlCol="0" anchor="ctr"/>
+          <a:lstStyle/>
+          <a:p>
+            <a:pPr algn="ctr"/>
+            <a:endParaRPr lang="en-US"/>
+          </a:p>
+        </p:txBody>
+      </p:sp>
+      <p:sp>
+        <p:nvSpPr>
+          <p:cNvPr id="6" name="Rectangle 5"/>
+          <p:cNvSpPr/>
+          <p:nvPr/>
+        </p:nvSpPr>
+        <p:spPr>
+          <a:xfrm>
+            <a:off x="2053775" y="4679599"/>
+            <a:ext cx="486008" cy="635890"/>
+          </a:xfrm>
+          <a:custGeom>
+            <a:avLst/>
+            <a:gdLst>
+              <a:gd name="connsiteX0" fmla="*/ 0 w 486008"/>
+              <a:gd name="connsiteY0" fmla="*/ 0 h 635890"/>
+              <a:gd name="connsiteX1" fmla="*/ 486008 w 486008"/>
+              <a:gd name="connsiteY1" fmla="*/ 0 h 635890"/>
+              <a:gd name="connsiteX2" fmla="*/ 486008 w 486008"/>
+              <a:gd name="connsiteY2" fmla="*/ 635890 h 635890"/>
+              <a:gd name="connsiteX3" fmla="*/ 0 w 486008"/>
+              <a:gd name="connsiteY3" fmla="*/ 635890 h 635890"/>
+              <a:gd name="connsiteX4" fmla="*/ 0 w 486008"/>
+              <a:gd name="connsiteY4" fmla="*/ 0 h 635890"/>
+              <a:gd name="connsiteX0" fmla="*/ 0 w 486008"/>
+              <a:gd name="connsiteY0" fmla="*/ 0 h 635890"/>
+              <a:gd name="connsiteX1" fmla="*/ 384408 w 486008"/>
+              <a:gd name="connsiteY1" fmla="*/ 177800 h 635890"/>
+              <a:gd name="connsiteX2" fmla="*/ 486008 w 486008"/>
+              <a:gd name="connsiteY2" fmla="*/ 635890 h 635890"/>
+              <a:gd name="connsiteX3" fmla="*/ 0 w 486008"/>
+              <a:gd name="connsiteY3" fmla="*/ 635890 h 635890"/>
+              <a:gd name="connsiteX4" fmla="*/ 0 w 486008"/>
+              <a:gd name="connsiteY4" fmla="*/ 0 h 635890"/>
+              <a:gd name="connsiteX0" fmla="*/ 0 w 486008"/>
+              <a:gd name="connsiteY0" fmla="*/ 0 h 635890"/>
+              <a:gd name="connsiteX1" fmla="*/ 460608 w 486008"/>
+              <a:gd name="connsiteY1" fmla="*/ 88900 h 635890"/>
+              <a:gd name="connsiteX2" fmla="*/ 486008 w 486008"/>
+              <a:gd name="connsiteY2" fmla="*/ 635890 h 635890"/>
+              <a:gd name="connsiteX3" fmla="*/ 0 w 486008"/>
+              <a:gd name="connsiteY3" fmla="*/ 635890 h 635890"/>
+              <a:gd name="connsiteX4" fmla="*/ 0 w 486008"/>
+              <a:gd name="connsiteY4" fmla="*/ 0 h 635890"/>
+            </a:gdLst>
+            <a:ahLst/>
+            <a:cxnLst>
+              <a:cxn ang="0">
+                <a:pos x="connsiteX0" y="connsiteY0"/>
+              </a:cxn>
+              <a:cxn ang="0">
+                <a:pos x="connsiteX1" y="connsiteY1"/>
+              </a:cxn>
+              <a:cxn ang="0">
+                <a:pos x="connsiteX2" y="connsiteY2"/>
+              </a:cxn>
+              <a:cxn ang="0">
+                <a:pos x="connsiteX3" y="connsiteY3"/>
+              </a:cxn>
+              <a:cxn ang="0">
+                <a:pos x="connsiteX4" y="connsiteY4"/>
+              </a:cxn>
+            </a:cxnLst>
+            <a:rect l="l" t="t" r="r" b="b"/>
+            <a:pathLst>
+              <a:path w="486008" h="635890">
+                <a:moveTo>
+                  <a:pt x="0" y="0"/>
+                </a:moveTo>
+                <a:lnTo>
+                  <a:pt x="460608" y="88900"/>
+                </a:lnTo>
+                <a:lnTo>
+                  <a:pt x="486008" y="635890"/>
+                </a:lnTo>
+                <a:lnTo>
+                  <a:pt x="0" y="635890"/>
+                </a:lnTo>
+                <a:lnTo>
+                  <a:pt x="0" y="0"/>
+                </a:lnTo>
+                <a:close/>
+              </a:path>
+            </a:pathLst>
+          </a:custGeom>
+          <a:solidFill>
+            <a:srgbClr val="FF0000">
+              <a:alpha val="35000"/>
+            </a:srgbClr>
+          </a:solidFill>
+        </p:spPr>
+        <p:style>
+          <a:lnRef idx="1">
+            <a:schemeClr val="accent1"/>
+          </a:lnRef>
+          <a:fillRef idx="3">
+            <a:schemeClr val="accent1"/>
+          </a:fillRef>
+          <a:effectRef idx="2">
+            <a:schemeClr val="accent1"/>
+          </a:effectRef>
+          <a:fontRef idx="minor">
+            <a:schemeClr val="lt1"/>
+          </a:fontRef>
+        </p:style>
+        <p:txBody>
+          <a:bodyPr rtlCol="0" anchor="ctr"/>
+          <a:lstStyle/>
+          <a:p>
+            <a:pPr algn="ctr"/>
+            <a:endParaRPr lang="en-US"/>
+          </a:p>
+        </p:txBody>
+      </p:sp>
+      <p:sp>
+        <p:nvSpPr>
+          <p:cNvPr id="7" name="Rectangle 6"/>
+          <p:cNvSpPr/>
+          <p:nvPr/>
+        </p:nvSpPr>
+        <p:spPr>
+          <a:xfrm>
+            <a:off x="6553265" y="4703973"/>
+            <a:ext cx="846594" cy="282238"/>
+          </a:xfrm>
+          <a:prstGeom prst="rect">
+            <a:avLst/>
+          </a:prstGeom>
+          <a:solidFill>
+            <a:srgbClr val="FFFF00">
+              <a:alpha val="60000"/>
+            </a:srgbClr>
+          </a:solidFill>
+        </p:spPr>
+        <p:style>
+          <a:lnRef idx="1">
+            <a:schemeClr val="accent1"/>
+          </a:lnRef>
+          <a:fillRef idx="3">
+            <a:schemeClr val="accent1"/>
+          </a:fillRef>
+          <a:effectRef idx="2">
+            <a:schemeClr val="accent1"/>
+          </a:effectRef>
+          <a:fontRef idx="minor">
+            <a:schemeClr val="lt1"/>
+          </a:fontRef>
+        </p:style>
+        <p:txBody>
+          <a:bodyPr rtlCol="0" anchor="ctr"/>
+          <a:lstStyle/>
+          <a:p>
+            <a:pPr algn="ctr"/>
+            <a:endParaRPr lang="en-US"/>
+          </a:p>
+        </p:txBody>
+      </p:sp>
+      <p:sp>
+        <p:nvSpPr>
+          <p:cNvPr id="8" name="Rectangle 7"/>
+          <p:cNvSpPr/>
+          <p:nvPr/>
+        </p:nvSpPr>
+        <p:spPr>
+          <a:xfrm>
+            <a:off x="6553265" y="5185651"/>
+            <a:ext cx="846594" cy="282238"/>
+          </a:xfrm>
+          <a:prstGeom prst="rect">
+            <a:avLst/>
+          </a:prstGeom>
+          <a:solidFill>
+            <a:srgbClr val="FF0000">
+              <a:alpha val="50000"/>
+            </a:srgbClr>
+          </a:solidFill>
+        </p:spPr>
+        <p:style>
+          <a:lnRef idx="1">
+            <a:schemeClr val="accent1"/>
+          </a:lnRef>
+          <a:fillRef idx="3">
+            <a:schemeClr val="accent1"/>
+          </a:fillRef>
+          <a:effectRef idx="2">
+            <a:schemeClr val="accent1"/>
+          </a:effectRef>
+          <a:fontRef idx="minor">
+            <a:schemeClr val="lt1"/>
+          </a:fontRef>
+        </p:style>
+        <p:txBody>
+          <a:bodyPr rtlCol="0" anchor="ctr"/>
+          <a:lstStyle/>
+          <a:p>
+            <a:pPr algn="ctr"/>
+            <a:endParaRPr lang="en-US"/>
+          </a:p>
+        </p:txBody>
+      </p:sp>
+      <p:sp>
+        <p:nvSpPr>
+          <p:cNvPr id="9" name="TextBox 8"/>
+          <p:cNvSpPr txBox="1"/>
+          <p:nvPr/>
+        </p:nvSpPr>
+        <p:spPr>
+          <a:xfrm>
+            <a:off x="6725720" y="4679599"/>
+            <a:ext cx="459318" cy="307777"/>
+          </a:xfrm>
+          <a:prstGeom prst="rect">
+            <a:avLst/>
+          </a:prstGeom>
+          <a:noFill/>
+        </p:spPr>
+        <p:txBody>
+          <a:bodyPr wrap="none" rtlCol="0">
+            <a:spAutoFit/>
+          </a:bodyPr>
+          <a:lstStyle/>
+          <a:p>
+            <a:r>
+              <a:rPr lang="en-US" sz="1400" dirty="0" smtClean="0"/>
+              <a:t>add</a:t>
+            </a:r>
+            <a:endParaRPr lang="en-US" sz="1400" dirty="0"/>
+          </a:p>
+        </p:txBody>
+      </p:sp>
+      <p:sp>
+        <p:nvSpPr>
+          <p:cNvPr id="10" name="TextBox 9"/>
+          <p:cNvSpPr txBox="1"/>
+          <p:nvPr/>
+        </p:nvSpPr>
+        <p:spPr>
+          <a:xfrm>
+            <a:off x="6564560" y="5145599"/>
+            <a:ext cx="788322" cy="307777"/>
+          </a:xfrm>
+          <a:prstGeom prst="rect">
+            <a:avLst/>
+          </a:prstGeom>
+          <a:noFill/>
+        </p:spPr>
+        <p:txBody>
+          <a:bodyPr wrap="none" rtlCol="0">
+            <a:spAutoFit/>
+          </a:bodyPr>
+          <a:lstStyle/>
+          <a:p>
+            <a:r>
+              <a:rPr lang="en-US" sz="1400" dirty="0" smtClean="0"/>
+              <a:t>subtract</a:t>
+            </a:r>
+            <a:endParaRPr lang="en-US" sz="1400" dirty="0"/>
+          </a:p>
+        </p:txBody>
+      </p:sp>
+      <p:sp>
+        <p:nvSpPr>
+          <p:cNvPr id="11" name="Rectangle 10"/>
+          <p:cNvSpPr/>
+          <p:nvPr/>
+        </p:nvSpPr>
+        <p:spPr>
+          <a:xfrm>
+            <a:off x="2557046" y="4986211"/>
+            <a:ext cx="659853" cy="329278"/>
+          </a:xfrm>
+          <a:custGeom>
+            <a:avLst/>
+            <a:gdLst>
+              <a:gd name="connsiteX0" fmla="*/ 0 w 647153"/>
+              <a:gd name="connsiteY0" fmla="*/ 0 h 329278"/>
+              <a:gd name="connsiteX1" fmla="*/ 647153 w 647153"/>
+              <a:gd name="connsiteY1" fmla="*/ 0 h 329278"/>
+              <a:gd name="connsiteX2" fmla="*/ 647153 w 647153"/>
+              <a:gd name="connsiteY2" fmla="*/ 329278 h 329278"/>
+              <a:gd name="connsiteX3" fmla="*/ 0 w 647153"/>
+              <a:gd name="connsiteY3" fmla="*/ 329278 h 329278"/>
+              <a:gd name="connsiteX4" fmla="*/ 0 w 647153"/>
+              <a:gd name="connsiteY4" fmla="*/ 0 h 329278"/>
+              <a:gd name="connsiteX0" fmla="*/ 0 w 647153"/>
+              <a:gd name="connsiteY0" fmla="*/ 0 h 329278"/>
+              <a:gd name="connsiteX1" fmla="*/ 520153 w 647153"/>
+              <a:gd name="connsiteY1" fmla="*/ 63500 h 329278"/>
+              <a:gd name="connsiteX2" fmla="*/ 647153 w 647153"/>
+              <a:gd name="connsiteY2" fmla="*/ 329278 h 329278"/>
+              <a:gd name="connsiteX3" fmla="*/ 0 w 647153"/>
+              <a:gd name="connsiteY3" fmla="*/ 329278 h 329278"/>
+              <a:gd name="connsiteX4" fmla="*/ 0 w 647153"/>
+              <a:gd name="connsiteY4" fmla="*/ 0 h 329278"/>
+              <a:gd name="connsiteX0" fmla="*/ 0 w 647153"/>
+              <a:gd name="connsiteY0" fmla="*/ 0 h 329278"/>
+              <a:gd name="connsiteX1" fmla="*/ 621753 w 647153"/>
+              <a:gd name="connsiteY1" fmla="*/ 114300 h 329278"/>
+              <a:gd name="connsiteX2" fmla="*/ 647153 w 647153"/>
+              <a:gd name="connsiteY2" fmla="*/ 329278 h 329278"/>
+              <a:gd name="connsiteX3" fmla="*/ 0 w 647153"/>
+              <a:gd name="connsiteY3" fmla="*/ 329278 h 329278"/>
+              <a:gd name="connsiteX4" fmla="*/ 0 w 647153"/>
+              <a:gd name="connsiteY4" fmla="*/ 0 h 329278"/>
+              <a:gd name="connsiteX0" fmla="*/ 0 w 659853"/>
+              <a:gd name="connsiteY0" fmla="*/ 0 h 329278"/>
+              <a:gd name="connsiteX1" fmla="*/ 659853 w 659853"/>
+              <a:gd name="connsiteY1" fmla="*/ 114300 h 329278"/>
+              <a:gd name="connsiteX2" fmla="*/ 647153 w 659853"/>
+              <a:gd name="connsiteY2" fmla="*/ 329278 h 329278"/>
+              <a:gd name="connsiteX3" fmla="*/ 0 w 659853"/>
+              <a:gd name="connsiteY3" fmla="*/ 329278 h 329278"/>
+              <a:gd name="connsiteX4" fmla="*/ 0 w 659853"/>
+              <a:gd name="connsiteY4" fmla="*/ 0 h 329278"/>
+            </a:gdLst>
+            <a:ahLst/>
+            <a:cxnLst>
+              <a:cxn ang="0">
+                <a:pos x="connsiteX0" y="connsiteY0"/>
+              </a:cxn>
+              <a:cxn ang="0">
+                <a:pos x="connsiteX1" y="connsiteY1"/>
+              </a:cxn>
+              <a:cxn ang="0">
+                <a:pos x="connsiteX2" y="connsiteY2"/>
+              </a:cxn>
+              <a:cxn ang="0">
+                <a:pos x="connsiteX3" y="connsiteY3"/>
+              </a:cxn>
+              <a:cxn ang="0">
+                <a:pos x="connsiteX4" y="connsiteY4"/>
+              </a:cxn>
+            </a:cxnLst>
+            <a:rect l="l" t="t" r="r" b="b"/>
+            <a:pathLst>
+              <a:path w="659853" h="329278">
+                <a:moveTo>
+                  <a:pt x="0" y="0"/>
+                </a:moveTo>
+                <a:lnTo>
+                  <a:pt x="659853" y="114300"/>
+                </a:lnTo>
+                <a:lnTo>
+                  <a:pt x="647153" y="329278"/>
+                </a:lnTo>
+                <a:lnTo>
+                  <a:pt x="0" y="329278"/>
+                </a:lnTo>
+                <a:lnTo>
+                  <a:pt x="0" y="0"/>
+                </a:lnTo>
+                <a:close/>
+              </a:path>
+            </a:pathLst>
+          </a:custGeom>
+          <a:solidFill>
+            <a:srgbClr val="FF0000">
+              <a:alpha val="35000"/>
+            </a:srgbClr>
+          </a:solidFill>
+        </p:spPr>
+        <p:style>
+          <a:lnRef idx="1">
+            <a:schemeClr val="accent1"/>
+          </a:lnRef>
+          <a:fillRef idx="3">
+            <a:schemeClr val="accent1"/>
+          </a:fillRef>
+          <a:effectRef idx="2">
+            <a:schemeClr val="accent1"/>
+          </a:effectRef>
+          <a:fontRef idx="minor">
+            <a:schemeClr val="lt1"/>
+          </a:fontRef>
+        </p:style>
+        <p:txBody>
+          <a:bodyPr rtlCol="0" anchor="ctr"/>
+          <a:lstStyle/>
+          <a:p>
+            <a:pPr algn="ctr"/>
+            <a:endParaRPr lang="en-US"/>
+          </a:p>
+        </p:txBody>
+      </p:sp>
+      <p:sp>
+        <p:nvSpPr>
+          <p:cNvPr id="12" name="Rectangle 11"/>
+          <p:cNvSpPr/>
+          <p:nvPr/>
+        </p:nvSpPr>
+        <p:spPr>
+          <a:xfrm>
+            <a:off x="3287932" y="5145599"/>
+            <a:ext cx="756906" cy="169890"/>
+          </a:xfrm>
+          <a:prstGeom prst="rect">
+            <a:avLst/>
+          </a:prstGeom>
+          <a:solidFill>
+            <a:srgbClr val="FFFF00">
+              <a:alpha val="45000"/>
+            </a:srgbClr>
+          </a:solidFill>
+        </p:spPr>
+        <p:style>
+          <a:lnRef idx="1">
+            <a:schemeClr val="accent1"/>
+          </a:lnRef>
+          <a:fillRef idx="3">
+            <a:schemeClr val="accent1"/>
+          </a:fillRef>
+          <a:effectRef idx="2">
+            <a:schemeClr val="accent1"/>
+          </a:effectRef>
+          <a:fontRef idx="minor">
+            <a:schemeClr val="lt1"/>
+          </a:fontRef>
+        </p:style>
+        <p:txBody>
+          <a:bodyPr rtlCol="0" anchor="ctr"/>
+          <a:lstStyle/>
+          <a:p>
+            <a:pPr algn="ctr"/>
+            <a:endParaRPr lang="en-US"/>
+          </a:p>
+        </p:txBody>
+      </p:sp>
+      <p:sp>
+        <p:nvSpPr>
+          <p:cNvPr id="13" name="Rectangle 12"/>
+          <p:cNvSpPr/>
+          <p:nvPr/>
+        </p:nvSpPr>
+        <p:spPr>
+          <a:xfrm>
+            <a:off x="3930719" y="4453095"/>
+            <a:ext cx="1959708" cy="862394"/>
+          </a:xfrm>
+          <a:prstGeom prst="rect">
+            <a:avLst/>
+          </a:prstGeom>
+          <a:solidFill>
+            <a:srgbClr val="FFFF00">
+              <a:alpha val="45000"/>
+            </a:srgbClr>
+          </a:solidFill>
+        </p:spPr>
+        <p:style>
+          <a:lnRef idx="1">
+            <a:schemeClr val="accent1"/>
+          </a:lnRef>
+          <a:fillRef idx="3">
+            <a:schemeClr val="accent1"/>
+          </a:fillRef>
+          <a:effectRef idx="2">
+            <a:schemeClr val="accent1"/>
+          </a:effectRef>
+          <a:fontRef idx="minor">
+            <a:schemeClr val="lt1"/>
+          </a:fontRef>
+        </p:style>
+        <p:txBody>
+          <a:bodyPr rtlCol="0" anchor="ctr"/>
+          <a:lstStyle/>
+          <a:p>
+            <a:pPr algn="ctr"/>
+            <a:endParaRPr lang="en-US"/>
+          </a:p>
+        </p:txBody>
+      </p:sp>
+      <p:sp>
+        <p:nvSpPr>
+          <p:cNvPr id="14" name="Rectangle 13"/>
+          <p:cNvSpPr/>
+          <p:nvPr/>
+        </p:nvSpPr>
+        <p:spPr>
+          <a:xfrm>
+            <a:off x="4295682" y="4904760"/>
+            <a:ext cx="441162" cy="405477"/>
+          </a:xfrm>
+          <a:custGeom>
+            <a:avLst/>
+            <a:gdLst>
+              <a:gd name="connsiteX0" fmla="*/ 0 w 364962"/>
+              <a:gd name="connsiteY0" fmla="*/ 0 h 329277"/>
+              <a:gd name="connsiteX1" fmla="*/ 364962 w 364962"/>
+              <a:gd name="connsiteY1" fmla="*/ 0 h 329277"/>
+              <a:gd name="connsiteX2" fmla="*/ 364962 w 364962"/>
+              <a:gd name="connsiteY2" fmla="*/ 329277 h 329277"/>
+              <a:gd name="connsiteX3" fmla="*/ 0 w 364962"/>
+              <a:gd name="connsiteY3" fmla="*/ 329277 h 329277"/>
+              <a:gd name="connsiteX4" fmla="*/ 0 w 364962"/>
+              <a:gd name="connsiteY4" fmla="*/ 0 h 329277"/>
+              <a:gd name="connsiteX0" fmla="*/ 25400 w 364962"/>
+              <a:gd name="connsiteY0" fmla="*/ 76200 h 329277"/>
+              <a:gd name="connsiteX1" fmla="*/ 364962 w 364962"/>
+              <a:gd name="connsiteY1" fmla="*/ 0 h 329277"/>
+              <a:gd name="connsiteX2" fmla="*/ 364962 w 364962"/>
+              <a:gd name="connsiteY2" fmla="*/ 329277 h 329277"/>
+              <a:gd name="connsiteX3" fmla="*/ 0 w 364962"/>
+              <a:gd name="connsiteY3" fmla="*/ 329277 h 329277"/>
+              <a:gd name="connsiteX4" fmla="*/ 25400 w 364962"/>
+              <a:gd name="connsiteY4" fmla="*/ 76200 h 329277"/>
+              <a:gd name="connsiteX0" fmla="*/ 63500 w 364962"/>
+              <a:gd name="connsiteY0" fmla="*/ 0 h 405477"/>
+              <a:gd name="connsiteX1" fmla="*/ 364962 w 364962"/>
+              <a:gd name="connsiteY1" fmla="*/ 76200 h 405477"/>
+              <a:gd name="connsiteX2" fmla="*/ 364962 w 364962"/>
+              <a:gd name="connsiteY2" fmla="*/ 405477 h 405477"/>
+              <a:gd name="connsiteX3" fmla="*/ 0 w 364962"/>
+              <a:gd name="connsiteY3" fmla="*/ 405477 h 405477"/>
+              <a:gd name="connsiteX4" fmla="*/ 63500 w 364962"/>
+              <a:gd name="connsiteY4" fmla="*/ 0 h 405477"/>
+              <a:gd name="connsiteX0" fmla="*/ 63500 w 441162"/>
+              <a:gd name="connsiteY0" fmla="*/ 0 h 405477"/>
+              <a:gd name="connsiteX1" fmla="*/ 441162 w 441162"/>
+              <a:gd name="connsiteY1" fmla="*/ 38100 h 405477"/>
+              <a:gd name="connsiteX2" fmla="*/ 364962 w 441162"/>
+              <a:gd name="connsiteY2" fmla="*/ 405477 h 405477"/>
+              <a:gd name="connsiteX3" fmla="*/ 0 w 441162"/>
+              <a:gd name="connsiteY3" fmla="*/ 405477 h 405477"/>
+              <a:gd name="connsiteX4" fmla="*/ 63500 w 441162"/>
+              <a:gd name="connsiteY4" fmla="*/ 0 h 405477"/>
+              <a:gd name="connsiteX0" fmla="*/ 63500 w 441162"/>
+              <a:gd name="connsiteY0" fmla="*/ 0 h 405477"/>
+              <a:gd name="connsiteX1" fmla="*/ 441162 w 441162"/>
+              <a:gd name="connsiteY1" fmla="*/ 38100 h 405477"/>
+              <a:gd name="connsiteX2" fmla="*/ 441162 w 441162"/>
+              <a:gd name="connsiteY2" fmla="*/ 405477 h 405477"/>
+              <a:gd name="connsiteX3" fmla="*/ 0 w 441162"/>
+              <a:gd name="connsiteY3" fmla="*/ 405477 h 405477"/>
+              <a:gd name="connsiteX4" fmla="*/ 63500 w 441162"/>
+              <a:gd name="connsiteY4" fmla="*/ 0 h 405477"/>
+            </a:gdLst>
+            <a:ahLst/>
+            <a:cxnLst>
+              <a:cxn ang="0">
+                <a:pos x="connsiteX0" y="connsiteY0"/>
+              </a:cxn>
+              <a:cxn ang="0">
+                <a:pos x="connsiteX1" y="connsiteY1"/>
+              </a:cxn>
+              <a:cxn ang="0">
+                <a:pos x="connsiteX2" y="connsiteY2"/>
+              </a:cxn>
+              <a:cxn ang="0">
+                <a:pos x="connsiteX3" y="connsiteY3"/>
+              </a:cxn>
+              <a:cxn ang="0">
+                <a:pos x="connsiteX4" y="connsiteY4"/>
+              </a:cxn>
+            </a:cxnLst>
+            <a:rect l="l" t="t" r="r" b="b"/>
+            <a:pathLst>
+              <a:path w="441162" h="405477">
+                <a:moveTo>
+                  <a:pt x="63500" y="0"/>
+                </a:moveTo>
+                <a:lnTo>
+                  <a:pt x="441162" y="38100"/>
+                </a:lnTo>
+                <a:lnTo>
+                  <a:pt x="441162" y="405477"/>
+                </a:lnTo>
+                <a:lnTo>
+                  <a:pt x="0" y="405477"/>
+                </a:lnTo>
+                <a:lnTo>
+                  <a:pt x="63500" y="0"/>
+                </a:lnTo>
+                <a:close/>
+              </a:path>
+            </a:pathLst>
+          </a:custGeom>
+          <a:solidFill>
+            <a:srgbClr val="FF0000">
+              <a:alpha val="35000"/>
+            </a:srgbClr>
+          </a:solidFill>
+        </p:spPr>
+        <p:style>
+          <a:lnRef idx="1">
+            <a:schemeClr val="accent1"/>
+          </a:lnRef>
+          <a:fillRef idx="3">
+            <a:schemeClr val="accent1"/>
+          </a:fillRef>
+          <a:effectRef idx="2">
+            <a:schemeClr val="accent1"/>
+          </a:effectRef>
+          <a:fontRef idx="minor">
+            <a:schemeClr val="lt1"/>
+          </a:fontRef>
+        </p:style>
+        <p:txBody>
+          <a:bodyPr rtlCol="0" anchor="ctr"/>
+          <a:lstStyle/>
+          <a:p>
+            <a:pPr algn="ctr"/>
+            <a:endParaRPr lang="en-US"/>
+          </a:p>
+        </p:txBody>
+      </p:sp>
+      <p:sp>
+        <p:nvSpPr>
+          <p:cNvPr id="15" name="Rectangle 14"/>
+          <p:cNvSpPr/>
+          <p:nvPr/>
+        </p:nvSpPr>
+        <p:spPr>
+          <a:xfrm>
+            <a:off x="4696376" y="4745372"/>
+            <a:ext cx="810862" cy="564865"/>
+          </a:xfrm>
+          <a:custGeom>
+            <a:avLst/>
+            <a:gdLst>
+              <a:gd name="connsiteX0" fmla="*/ 0 w 810862"/>
+              <a:gd name="connsiteY0" fmla="*/ 0 h 488665"/>
+              <a:gd name="connsiteX1" fmla="*/ 810862 w 810862"/>
+              <a:gd name="connsiteY1" fmla="*/ 0 h 488665"/>
+              <a:gd name="connsiteX2" fmla="*/ 810862 w 810862"/>
+              <a:gd name="connsiteY2" fmla="*/ 488665 h 488665"/>
+              <a:gd name="connsiteX3" fmla="*/ 0 w 810862"/>
+              <a:gd name="connsiteY3" fmla="*/ 488665 h 488665"/>
+              <a:gd name="connsiteX4" fmla="*/ 0 w 810862"/>
+              <a:gd name="connsiteY4" fmla="*/ 0 h 488665"/>
+              <a:gd name="connsiteX0" fmla="*/ 38100 w 810862"/>
+              <a:gd name="connsiteY0" fmla="*/ 76200 h 488665"/>
+              <a:gd name="connsiteX1" fmla="*/ 810862 w 810862"/>
+              <a:gd name="connsiteY1" fmla="*/ 0 h 488665"/>
+              <a:gd name="connsiteX2" fmla="*/ 810862 w 810862"/>
+              <a:gd name="connsiteY2" fmla="*/ 488665 h 488665"/>
+              <a:gd name="connsiteX3" fmla="*/ 0 w 810862"/>
+              <a:gd name="connsiteY3" fmla="*/ 488665 h 488665"/>
+              <a:gd name="connsiteX4" fmla="*/ 38100 w 810862"/>
+              <a:gd name="connsiteY4" fmla="*/ 76200 h 488665"/>
+              <a:gd name="connsiteX0" fmla="*/ 38100 w 810862"/>
+              <a:gd name="connsiteY0" fmla="*/ 152400 h 564865"/>
+              <a:gd name="connsiteX1" fmla="*/ 810862 w 810862"/>
+              <a:gd name="connsiteY1" fmla="*/ 0 h 564865"/>
+              <a:gd name="connsiteX2" fmla="*/ 810862 w 810862"/>
+              <a:gd name="connsiteY2" fmla="*/ 564865 h 564865"/>
+              <a:gd name="connsiteX3" fmla="*/ 0 w 810862"/>
+              <a:gd name="connsiteY3" fmla="*/ 564865 h 564865"/>
+              <a:gd name="connsiteX4" fmla="*/ 38100 w 810862"/>
+              <a:gd name="connsiteY4" fmla="*/ 152400 h 564865"/>
+            </a:gdLst>
+            <a:ahLst/>
+            <a:cxnLst>
+              <a:cxn ang="0">
+                <a:pos x="connsiteX0" y="connsiteY0"/>
+              </a:cxn>
+              <a:cxn ang="0">
+                <a:pos x="connsiteX1" y="connsiteY1"/>
+              </a:cxn>
+              <a:cxn ang="0">
+                <a:pos x="connsiteX2" y="connsiteY2"/>
+              </a:cxn>
+              <a:cxn ang="0">
+                <a:pos x="connsiteX3" y="connsiteY3"/>
+              </a:cxn>
+              <a:cxn ang="0">
+                <a:pos x="connsiteX4" y="connsiteY4"/>
+              </a:cxn>
+            </a:cxnLst>
+            <a:rect l="l" t="t" r="r" b="b"/>
+            <a:pathLst>
+              <a:path w="810862" h="564865">
+                <a:moveTo>
+                  <a:pt x="38100" y="152400"/>
+                </a:moveTo>
+                <a:lnTo>
+                  <a:pt x="810862" y="0"/>
+                </a:lnTo>
+                <a:lnTo>
+                  <a:pt x="810862" y="564865"/>
+                </a:lnTo>
+                <a:lnTo>
+                  <a:pt x="0" y="564865"/>
+                </a:lnTo>
+                <a:lnTo>
+                  <a:pt x="38100" y="152400"/>
+                </a:lnTo>
+                <a:close/>
+              </a:path>
+            </a:pathLst>
+          </a:custGeom>
+          <a:solidFill>
+            <a:srgbClr val="FF0000">
+              <a:alpha val="35000"/>
+            </a:srgbClr>
+          </a:solidFill>
+        </p:spPr>
+        <p:style>
+          <a:lnRef idx="1">
+            <a:schemeClr val="accent1"/>
+          </a:lnRef>
+          <a:fillRef idx="3">
+            <a:schemeClr val="accent1"/>
+          </a:fillRef>
+          <a:effectRef idx="2">
+            <a:schemeClr val="accent1"/>
+          </a:effectRef>
+          <a:fontRef idx="minor">
+            <a:schemeClr val="lt1"/>
+          </a:fontRef>
+        </p:style>
+        <p:txBody>
+          <a:bodyPr rtlCol="0" anchor="ctr"/>
+          <a:lstStyle/>
+          <a:p>
+            <a:pPr algn="ctr"/>
+            <a:endParaRPr lang="en-US"/>
+          </a:p>
+        </p:txBody>
+      </p:sp>
+      <p:sp>
+        <p:nvSpPr>
+          <p:cNvPr id="16" name="Rectangle 15"/>
+          <p:cNvSpPr/>
+          <p:nvPr/>
+        </p:nvSpPr>
+        <p:spPr>
+          <a:xfrm>
+            <a:off x="5507238" y="4577239"/>
+            <a:ext cx="364962" cy="732998"/>
+          </a:xfrm>
+          <a:custGeom>
+            <a:avLst/>
+            <a:gdLst>
+              <a:gd name="connsiteX0" fmla="*/ 0 w 364962"/>
+              <a:gd name="connsiteY0" fmla="*/ 0 h 732998"/>
+              <a:gd name="connsiteX1" fmla="*/ 364962 w 364962"/>
+              <a:gd name="connsiteY1" fmla="*/ 0 h 732998"/>
+              <a:gd name="connsiteX2" fmla="*/ 364962 w 364962"/>
+              <a:gd name="connsiteY2" fmla="*/ 732998 h 732998"/>
+              <a:gd name="connsiteX3" fmla="*/ 0 w 364962"/>
+              <a:gd name="connsiteY3" fmla="*/ 732998 h 732998"/>
+              <a:gd name="connsiteX4" fmla="*/ 0 w 364962"/>
+              <a:gd name="connsiteY4" fmla="*/ 0 h 732998"/>
+              <a:gd name="connsiteX0" fmla="*/ 12700 w 364962"/>
+              <a:gd name="connsiteY0" fmla="*/ 101600 h 732998"/>
+              <a:gd name="connsiteX1" fmla="*/ 364962 w 364962"/>
+              <a:gd name="connsiteY1" fmla="*/ 0 h 732998"/>
+              <a:gd name="connsiteX2" fmla="*/ 364962 w 364962"/>
+              <a:gd name="connsiteY2" fmla="*/ 732998 h 732998"/>
+              <a:gd name="connsiteX3" fmla="*/ 0 w 364962"/>
+              <a:gd name="connsiteY3" fmla="*/ 732998 h 732998"/>
+              <a:gd name="connsiteX4" fmla="*/ 12700 w 364962"/>
+              <a:gd name="connsiteY4" fmla="*/ 101600 h 732998"/>
+            </a:gdLst>
+            <a:ahLst/>
+            <a:cxnLst>
+              <a:cxn ang="0">
+                <a:pos x="connsiteX0" y="connsiteY0"/>
+              </a:cxn>
+              <a:cxn ang="0">
+                <a:pos x="connsiteX1" y="connsiteY1"/>
+              </a:cxn>
+              <a:cxn ang="0">
+                <a:pos x="connsiteX2" y="connsiteY2"/>
+              </a:cxn>
+              <a:cxn ang="0">
+                <a:pos x="connsiteX3" y="connsiteY3"/>
+              </a:cxn>
+              <a:cxn ang="0">
+                <a:pos x="connsiteX4" y="connsiteY4"/>
+              </a:cxn>
+            </a:cxnLst>
+            <a:rect l="l" t="t" r="r" b="b"/>
+            <a:pathLst>
+              <a:path w="364962" h="732998">
+                <a:moveTo>
+                  <a:pt x="12700" y="101600"/>
+                </a:moveTo>
+                <a:lnTo>
+                  <a:pt x="364962" y="0"/>
+                </a:lnTo>
+                <a:lnTo>
+                  <a:pt x="364962" y="732998"/>
+                </a:lnTo>
+                <a:lnTo>
+                  <a:pt x="0" y="732998"/>
+                </a:lnTo>
+                <a:lnTo>
+                  <a:pt x="12700" y="101600"/>
+                </a:lnTo>
+                <a:close/>
+              </a:path>
+            </a:pathLst>
+          </a:custGeom>
+          <a:solidFill>
+            <a:srgbClr val="FF0000">
+              <a:alpha val="35000"/>
+            </a:srgbClr>
+          </a:solidFill>
+        </p:spPr>
+        <p:style>
+          <a:lnRef idx="1">
+            <a:schemeClr val="accent1"/>
+          </a:lnRef>
+          <a:fillRef idx="3">
+            <a:schemeClr val="accent1"/>
+          </a:fillRef>
+          <a:effectRef idx="2">
+            <a:schemeClr val="accent1"/>
+          </a:effectRef>
+          <a:fontRef idx="minor">
+            <a:schemeClr val="lt1"/>
+          </a:fontRef>
+        </p:style>
+        <p:txBody>
+          <a:bodyPr rtlCol="0" anchor="ctr"/>
+          <a:lstStyle/>
+          <a:p>
+            <a:pPr algn="ctr"/>
+            <a:endParaRPr lang="en-US"/>
+          </a:p>
+        </p:txBody>
+      </p:sp>
+      <p:sp>
+        <p:nvSpPr>
+          <p:cNvPr id="17" name="Rectangle 16"/>
+          <p:cNvSpPr/>
+          <p:nvPr/>
+        </p:nvSpPr>
+        <p:spPr>
+          <a:xfrm>
+            <a:off x="1567767" y="4422761"/>
+            <a:ext cx="486008" cy="887476"/>
+          </a:xfrm>
+          <a:custGeom>
+            <a:avLst/>
+            <a:gdLst>
+              <a:gd name="connsiteX0" fmla="*/ 0 w 486008"/>
+              <a:gd name="connsiteY0" fmla="*/ 0 h 760476"/>
+              <a:gd name="connsiteX1" fmla="*/ 486008 w 486008"/>
+              <a:gd name="connsiteY1" fmla="*/ 0 h 760476"/>
+              <a:gd name="connsiteX2" fmla="*/ 486008 w 486008"/>
+              <a:gd name="connsiteY2" fmla="*/ 760476 h 760476"/>
+              <a:gd name="connsiteX3" fmla="*/ 0 w 486008"/>
+              <a:gd name="connsiteY3" fmla="*/ 760476 h 760476"/>
+              <a:gd name="connsiteX4" fmla="*/ 0 w 486008"/>
+              <a:gd name="connsiteY4" fmla="*/ 0 h 760476"/>
+              <a:gd name="connsiteX0" fmla="*/ 0 w 486008"/>
+              <a:gd name="connsiteY0" fmla="*/ 0 h 887476"/>
+              <a:gd name="connsiteX1" fmla="*/ 486008 w 486008"/>
+              <a:gd name="connsiteY1" fmla="*/ 127000 h 887476"/>
+              <a:gd name="connsiteX2" fmla="*/ 486008 w 486008"/>
+              <a:gd name="connsiteY2" fmla="*/ 887476 h 887476"/>
+              <a:gd name="connsiteX3" fmla="*/ 0 w 486008"/>
+              <a:gd name="connsiteY3" fmla="*/ 887476 h 887476"/>
+              <a:gd name="connsiteX4" fmla="*/ 0 w 486008"/>
+              <a:gd name="connsiteY4" fmla="*/ 0 h 887476"/>
+            </a:gdLst>
+            <a:ahLst/>
+            <a:cxnLst>
+              <a:cxn ang="0">
+                <a:pos x="connsiteX0" y="connsiteY0"/>
+              </a:cxn>
+              <a:cxn ang="0">
+                <a:pos x="connsiteX1" y="connsiteY1"/>
+              </a:cxn>
+              <a:cxn ang="0">
+                <a:pos x="connsiteX2" y="connsiteY2"/>
+              </a:cxn>
+              <a:cxn ang="0">
+                <a:pos x="connsiteX3" y="connsiteY3"/>
+              </a:cxn>
+              <a:cxn ang="0">
+                <a:pos x="connsiteX4" y="connsiteY4"/>
+              </a:cxn>
+            </a:cxnLst>
+            <a:rect l="l" t="t" r="r" b="b"/>
+            <a:pathLst>
+              <a:path w="486008" h="887476">
+                <a:moveTo>
+                  <a:pt x="0" y="0"/>
+                </a:moveTo>
+                <a:lnTo>
+                  <a:pt x="486008" y="127000"/>
+                </a:lnTo>
+                <a:lnTo>
+                  <a:pt x="486008" y="887476"/>
+                </a:lnTo>
+                <a:lnTo>
+                  <a:pt x="0" y="887476"/>
+                </a:lnTo>
+                <a:lnTo>
+                  <a:pt x="0" y="0"/>
+                </a:lnTo>
+                <a:close/>
+              </a:path>
+            </a:pathLst>
+          </a:custGeom>
+          <a:solidFill>
+            <a:srgbClr val="FF0000">
+              <a:alpha val="35000"/>
+            </a:srgbClr>
+          </a:solidFill>
+        </p:spPr>
+        <p:style>
+          <a:lnRef idx="1">
+            <a:schemeClr val="accent1"/>
+          </a:lnRef>
+          <a:fillRef idx="3">
+            <a:schemeClr val="accent1"/>
+          </a:fillRef>
+          <a:effectRef idx="2">
+            <a:schemeClr val="accent1"/>
+          </a:effectRef>
+          <a:fontRef idx="minor">
+            <a:schemeClr val="lt1"/>
+          </a:fontRef>
+        </p:style>
+        <p:txBody>
+          <a:bodyPr rtlCol="0" anchor="ctr"/>
+          <a:lstStyle/>
+          <a:p>
+            <a:pPr algn="ctr"/>
+            <a:endParaRPr lang="en-US"/>
+          </a:p>
+        </p:txBody>
+      </p:sp>
+      <p:sp>
+        <p:nvSpPr>
+          <p:cNvPr id="18" name="TextBox 17"/>
+          <p:cNvSpPr txBox="1"/>
+          <p:nvPr/>
+        </p:nvSpPr>
+        <p:spPr>
+          <a:xfrm>
+            <a:off x="1050403" y="5644766"/>
+            <a:ext cx="1877437" cy="369332"/>
+          </a:xfrm>
+          <a:prstGeom prst="rect">
+            <a:avLst/>
+          </a:prstGeom>
+          <a:noFill/>
+        </p:spPr>
+        <p:txBody>
+          <a:bodyPr wrap="none" rtlCol="0">
+            <a:spAutoFit/>
+          </a:bodyPr>
+          <a:lstStyle/>
+          <a:p>
+            <a:r>
+              <a:rPr lang="en-US" b="1" dirty="0" smtClean="0"/>
+              <a:t>Porous structures</a:t>
+            </a:r>
+            <a:endParaRPr lang="en-US" b="1" dirty="0"/>
+          </a:p>
+        </p:txBody>
+      </p:sp>
+    </p:spTree>
+    <p:extLst>
+      <p:ext uri="{BB962C8B-B14F-4D97-AF65-F5344CB8AC3E}">
+        <p14:creationId xmlns:p14="http://schemas.microsoft.com/office/powerpoint/2010/main" val="2881738231"/>
+      </p:ext>
+    </p:extLst>
+  </p:cSld>
+  <p:clrMapOvr>
+    <a:masterClrMapping/>
+  </p:clrMapOvr>
+</p:sld>
+</file>
+
+<file path=ppt/slides/slide15.xml><?xml version="1.0" encoding="utf-8"?>
+<p:sld xmlns:a="http://schemas.openxmlformats.org/drawingml/2006/main" xmlns:r="http://schemas.openxmlformats.org/officeDocument/2006/relationships" xmlns:p="http://schemas.openxmlformats.org/presentationml/2006/main">
+  <p:cSld>
+    <p:spTree>
+      <p:nvGrpSpPr>
+        <p:cNvPr id="1" name=""/>
+        <p:cNvGrpSpPr/>
+        <p:nvPr/>
+      </p:nvGrpSpPr>
+      <p:grpSpPr>
+        <a:xfrm>
+          <a:off x="0" y="0"/>
+          <a:ext cx="0" cy="0"/>
+          <a:chOff x="0" y="0"/>
+          <a:chExt cx="0" cy="0"/>
+        </a:xfrm>
+      </p:grpSpPr>
+      <p:pic>
+        <p:nvPicPr>
+          <p:cNvPr id="4" name="Picture 3" descr="Galveston_case.pdf"/>
+          <p:cNvPicPr>
+            <a:picLocks noChangeAspect="1"/>
+          </p:cNvPicPr>
+          <p:nvPr/>
+        </p:nvPicPr>
+        <p:blipFill>
+          <a:blip r:embed="rId2">
+            <a:extLst>
+              <a:ext uri="{28A0092B-C50C-407E-A947-70E740481C1C}">
+                <a14:useLocalDpi xmlns:a14="http://schemas.microsoft.com/office/drawing/2010/main" val="0"/>
+              </a:ext>
+            </a:extLst>
+          </a:blip>
+          <a:stretch>
+            <a:fillRect/>
+          </a:stretch>
+        </p:blipFill>
+        <p:spPr>
+          <a:xfrm>
+            <a:off x="675680" y="972155"/>
+            <a:ext cx="7974025" cy="5143010"/>
+          </a:xfrm>
+          <a:prstGeom prst="rect">
+            <a:avLst/>
+          </a:prstGeom>
+        </p:spPr>
+      </p:pic>
+      <p:sp>
+        <p:nvSpPr>
+          <p:cNvPr id="5" name="Freeform 4"/>
+          <p:cNvSpPr/>
+          <p:nvPr/>
+        </p:nvSpPr>
+        <p:spPr>
+          <a:xfrm>
+            <a:off x="1552089" y="4453094"/>
+            <a:ext cx="1677511" cy="577957"/>
+          </a:xfrm>
+          <a:custGeom>
+            <a:avLst/>
+            <a:gdLst>
+              <a:gd name="connsiteX0" fmla="*/ 0 w 1677511"/>
+              <a:gd name="connsiteY0" fmla="*/ 0 h 548797"/>
+              <a:gd name="connsiteX1" fmla="*/ 1677511 w 1677511"/>
+              <a:gd name="connsiteY1" fmla="*/ 0 h 548797"/>
+              <a:gd name="connsiteX2" fmla="*/ 1677511 w 1677511"/>
+              <a:gd name="connsiteY2" fmla="*/ 548797 h 548797"/>
+              <a:gd name="connsiteX3" fmla="*/ 987693 w 1677511"/>
+              <a:gd name="connsiteY3" fmla="*/ 501757 h 548797"/>
+              <a:gd name="connsiteX4" fmla="*/ 987693 w 1677511"/>
+              <a:gd name="connsiteY4" fmla="*/ 235199 h 548797"/>
+              <a:gd name="connsiteX5" fmla="*/ 501686 w 1677511"/>
+              <a:gd name="connsiteY5" fmla="*/ 219519 h 548797"/>
+              <a:gd name="connsiteX6" fmla="*/ 501686 w 1677511"/>
+              <a:gd name="connsiteY6" fmla="*/ 78400 h 548797"/>
+              <a:gd name="connsiteX7" fmla="*/ 0 w 1677511"/>
+              <a:gd name="connsiteY7" fmla="*/ 78400 h 548797"/>
+              <a:gd name="connsiteX8" fmla="*/ 0 w 1677511"/>
+              <a:gd name="connsiteY8" fmla="*/ 0 h 548797"/>
+              <a:gd name="connsiteX0" fmla="*/ 0 w 1677511"/>
+              <a:gd name="connsiteY0" fmla="*/ 0 h 548797"/>
+              <a:gd name="connsiteX1" fmla="*/ 1677511 w 1677511"/>
+              <a:gd name="connsiteY1" fmla="*/ 0 h 548797"/>
+              <a:gd name="connsiteX2" fmla="*/ 1677511 w 1677511"/>
+              <a:gd name="connsiteY2" fmla="*/ 548797 h 548797"/>
+              <a:gd name="connsiteX3" fmla="*/ 987693 w 1677511"/>
+              <a:gd name="connsiteY3" fmla="*/ 501757 h 548797"/>
+              <a:gd name="connsiteX4" fmla="*/ 987693 w 1677511"/>
+              <a:gd name="connsiteY4" fmla="*/ 235199 h 548797"/>
+              <a:gd name="connsiteX5" fmla="*/ 679486 w 1677511"/>
+              <a:gd name="connsiteY5" fmla="*/ 181419 h 548797"/>
+              <a:gd name="connsiteX6" fmla="*/ 501686 w 1677511"/>
+              <a:gd name="connsiteY6" fmla="*/ 78400 h 548797"/>
+              <a:gd name="connsiteX7" fmla="*/ 0 w 1677511"/>
+              <a:gd name="connsiteY7" fmla="*/ 78400 h 548797"/>
+              <a:gd name="connsiteX8" fmla="*/ 0 w 1677511"/>
+              <a:gd name="connsiteY8" fmla="*/ 0 h 548797"/>
+              <a:gd name="connsiteX0" fmla="*/ 0 w 1677511"/>
+              <a:gd name="connsiteY0" fmla="*/ 0 h 577957"/>
+              <a:gd name="connsiteX1" fmla="*/ 1677511 w 1677511"/>
+              <a:gd name="connsiteY1" fmla="*/ 0 h 577957"/>
+              <a:gd name="connsiteX2" fmla="*/ 1677511 w 1677511"/>
+              <a:gd name="connsiteY2" fmla="*/ 548797 h 577957"/>
+              <a:gd name="connsiteX3" fmla="*/ 1152793 w 1677511"/>
+              <a:gd name="connsiteY3" fmla="*/ 577957 h 577957"/>
+              <a:gd name="connsiteX4" fmla="*/ 987693 w 1677511"/>
+              <a:gd name="connsiteY4" fmla="*/ 235199 h 577957"/>
+              <a:gd name="connsiteX5" fmla="*/ 679486 w 1677511"/>
+              <a:gd name="connsiteY5" fmla="*/ 181419 h 577957"/>
+              <a:gd name="connsiteX6" fmla="*/ 501686 w 1677511"/>
+              <a:gd name="connsiteY6" fmla="*/ 78400 h 577957"/>
+              <a:gd name="connsiteX7" fmla="*/ 0 w 1677511"/>
+              <a:gd name="connsiteY7" fmla="*/ 78400 h 577957"/>
+              <a:gd name="connsiteX8" fmla="*/ 0 w 1677511"/>
+              <a:gd name="connsiteY8" fmla="*/ 0 h 577957"/>
+            </a:gdLst>
+            <a:ahLst/>
+            <a:cxnLst>
+              <a:cxn ang="0">
+                <a:pos x="connsiteX0" y="connsiteY0"/>
+              </a:cxn>
+              <a:cxn ang="0">
+                <a:pos x="connsiteX1" y="connsiteY1"/>
+              </a:cxn>
+              <a:cxn ang="0">
+                <a:pos x="connsiteX2" y="connsiteY2"/>
+              </a:cxn>
+              <a:cxn ang="0">
+                <a:pos x="connsiteX3" y="connsiteY3"/>
+              </a:cxn>
+              <a:cxn ang="0">
+                <a:pos x="connsiteX4" y="connsiteY4"/>
+              </a:cxn>
+              <a:cxn ang="0">
+                <a:pos x="connsiteX5" y="connsiteY5"/>
+              </a:cxn>
+              <a:cxn ang="0">
+                <a:pos x="connsiteX6" y="connsiteY6"/>
+              </a:cxn>
+              <a:cxn ang="0">
+                <a:pos x="connsiteX7" y="connsiteY7"/>
+              </a:cxn>
+              <a:cxn ang="0">
+                <a:pos x="connsiteX8" y="connsiteY8"/>
+              </a:cxn>
+            </a:cxnLst>
+            <a:rect l="l" t="t" r="r" b="b"/>
+            <a:pathLst>
+              <a:path w="1677511" h="577957">
+                <a:moveTo>
+                  <a:pt x="0" y="0"/>
+                </a:moveTo>
+                <a:lnTo>
+                  <a:pt x="1677511" y="0"/>
+                </a:lnTo>
+                <a:lnTo>
+                  <a:pt x="1677511" y="548797"/>
+                </a:lnTo>
+                <a:lnTo>
+                  <a:pt x="1152793" y="577957"/>
+                </a:lnTo>
+                <a:lnTo>
+                  <a:pt x="987693" y="235199"/>
+                </a:lnTo>
+                <a:lnTo>
+                  <a:pt x="679486" y="181419"/>
+                </a:lnTo>
+                <a:lnTo>
+                  <a:pt x="501686" y="78400"/>
+                </a:lnTo>
+                <a:lnTo>
+                  <a:pt x="0" y="78400"/>
+                </a:lnTo>
+                <a:lnTo>
+                  <a:pt x="0" y="0"/>
+                </a:lnTo>
+                <a:close/>
+              </a:path>
+            </a:pathLst>
+          </a:custGeom>
+        </p:spPr>
+        <p:style>
+          <a:lnRef idx="1">
+            <a:schemeClr val="accent1"/>
+          </a:lnRef>
+          <a:fillRef idx="3">
+            <a:schemeClr val="accent1"/>
+          </a:fillRef>
+          <a:effectRef idx="2">
+            <a:schemeClr val="accent1"/>
+          </a:effectRef>
+          <a:fontRef idx="minor">
+            <a:schemeClr val="lt1"/>
+          </a:fontRef>
+        </p:style>
+        <p:txBody>
+          <a:bodyPr rtlCol="0" anchor="ctr"/>
+          <a:lstStyle/>
+          <a:p>
+            <a:pPr algn="ctr"/>
+            <a:endParaRPr lang="en-US"/>
+          </a:p>
+        </p:txBody>
+      </p:sp>
+      <p:sp>
+        <p:nvSpPr>
+          <p:cNvPr id="6" name="Freeform 5"/>
+          <p:cNvSpPr/>
+          <p:nvPr/>
+        </p:nvSpPr>
+        <p:spPr>
+          <a:xfrm>
+            <a:off x="3260955" y="4453094"/>
+            <a:ext cx="2633848" cy="862395"/>
+          </a:xfrm>
+          <a:custGeom>
+            <a:avLst/>
+            <a:gdLst>
+              <a:gd name="connsiteX0" fmla="*/ 0 w 2633848"/>
+              <a:gd name="connsiteY0" fmla="*/ 689916 h 878075"/>
+              <a:gd name="connsiteX1" fmla="*/ 674140 w 2633848"/>
+              <a:gd name="connsiteY1" fmla="*/ 705596 h 878075"/>
+              <a:gd name="connsiteX2" fmla="*/ 674140 w 2633848"/>
+              <a:gd name="connsiteY2" fmla="*/ 0 h 878075"/>
+              <a:gd name="connsiteX3" fmla="*/ 2633848 w 2633848"/>
+              <a:gd name="connsiteY3" fmla="*/ 15680 h 878075"/>
+              <a:gd name="connsiteX4" fmla="*/ 2633848 w 2633848"/>
+              <a:gd name="connsiteY4" fmla="*/ 15680 h 878075"/>
+              <a:gd name="connsiteX5" fmla="*/ 2618171 w 2633848"/>
+              <a:gd name="connsiteY5" fmla="*/ 172479 h 878075"/>
+              <a:gd name="connsiteX6" fmla="*/ 2226229 w 2633848"/>
+              <a:gd name="connsiteY6" fmla="*/ 141119 h 878075"/>
+              <a:gd name="connsiteX7" fmla="*/ 2226229 w 2633848"/>
+              <a:gd name="connsiteY7" fmla="*/ 391998 h 878075"/>
+              <a:gd name="connsiteX8" fmla="*/ 1410990 w 2633848"/>
+              <a:gd name="connsiteY8" fmla="*/ 391998 h 878075"/>
+              <a:gd name="connsiteX9" fmla="*/ 1395312 w 2633848"/>
+              <a:gd name="connsiteY9" fmla="*/ 548797 h 878075"/>
+              <a:gd name="connsiteX10" fmla="*/ 1019048 w 2633848"/>
+              <a:gd name="connsiteY10" fmla="*/ 548797 h 878075"/>
+              <a:gd name="connsiteX11" fmla="*/ 1019048 w 2633848"/>
+              <a:gd name="connsiteY11" fmla="*/ 878075 h 878075"/>
+              <a:gd name="connsiteX12" fmla="*/ 0 w 2633848"/>
+              <a:gd name="connsiteY12" fmla="*/ 878075 h 878075"/>
+              <a:gd name="connsiteX13" fmla="*/ 0 w 2633848"/>
+              <a:gd name="connsiteY13" fmla="*/ 689916 h 878075"/>
+              <a:gd name="connsiteX0" fmla="*/ 0 w 2633848"/>
+              <a:gd name="connsiteY0" fmla="*/ 674236 h 862395"/>
+              <a:gd name="connsiteX1" fmla="*/ 674140 w 2633848"/>
+              <a:gd name="connsiteY1" fmla="*/ 689916 h 862395"/>
+              <a:gd name="connsiteX2" fmla="*/ 763040 w 2633848"/>
+              <a:gd name="connsiteY2" fmla="*/ 85920 h 862395"/>
+              <a:gd name="connsiteX3" fmla="*/ 2633848 w 2633848"/>
+              <a:gd name="connsiteY3" fmla="*/ 0 h 862395"/>
+              <a:gd name="connsiteX4" fmla="*/ 2633848 w 2633848"/>
+              <a:gd name="connsiteY4" fmla="*/ 0 h 862395"/>
+              <a:gd name="connsiteX5" fmla="*/ 2618171 w 2633848"/>
+              <a:gd name="connsiteY5" fmla="*/ 156799 h 862395"/>
+              <a:gd name="connsiteX6" fmla="*/ 2226229 w 2633848"/>
+              <a:gd name="connsiteY6" fmla="*/ 125439 h 862395"/>
+              <a:gd name="connsiteX7" fmla="*/ 2226229 w 2633848"/>
+              <a:gd name="connsiteY7" fmla="*/ 376318 h 862395"/>
+              <a:gd name="connsiteX8" fmla="*/ 1410990 w 2633848"/>
+              <a:gd name="connsiteY8" fmla="*/ 376318 h 862395"/>
+              <a:gd name="connsiteX9" fmla="*/ 1395312 w 2633848"/>
+              <a:gd name="connsiteY9" fmla="*/ 533117 h 862395"/>
+              <a:gd name="connsiteX10" fmla="*/ 1019048 w 2633848"/>
+              <a:gd name="connsiteY10" fmla="*/ 533117 h 862395"/>
+              <a:gd name="connsiteX11" fmla="*/ 1019048 w 2633848"/>
+              <a:gd name="connsiteY11" fmla="*/ 862395 h 862395"/>
+              <a:gd name="connsiteX12" fmla="*/ 0 w 2633848"/>
+              <a:gd name="connsiteY12" fmla="*/ 862395 h 862395"/>
+              <a:gd name="connsiteX13" fmla="*/ 0 w 2633848"/>
+              <a:gd name="connsiteY13" fmla="*/ 674236 h 862395"/>
+              <a:gd name="connsiteX0" fmla="*/ 0 w 2633848"/>
+              <a:gd name="connsiteY0" fmla="*/ 674236 h 862395"/>
+              <a:gd name="connsiteX1" fmla="*/ 674140 w 2633848"/>
+              <a:gd name="connsiteY1" fmla="*/ 689916 h 862395"/>
+              <a:gd name="connsiteX2" fmla="*/ 674140 w 2633848"/>
+              <a:gd name="connsiteY2" fmla="*/ 35120 h 862395"/>
+              <a:gd name="connsiteX3" fmla="*/ 2633848 w 2633848"/>
+              <a:gd name="connsiteY3" fmla="*/ 0 h 862395"/>
+              <a:gd name="connsiteX4" fmla="*/ 2633848 w 2633848"/>
+              <a:gd name="connsiteY4" fmla="*/ 0 h 862395"/>
+              <a:gd name="connsiteX5" fmla="*/ 2618171 w 2633848"/>
+              <a:gd name="connsiteY5" fmla="*/ 156799 h 862395"/>
+              <a:gd name="connsiteX6" fmla="*/ 2226229 w 2633848"/>
+              <a:gd name="connsiteY6" fmla="*/ 125439 h 862395"/>
+              <a:gd name="connsiteX7" fmla="*/ 2226229 w 2633848"/>
+              <a:gd name="connsiteY7" fmla="*/ 376318 h 862395"/>
+              <a:gd name="connsiteX8" fmla="*/ 1410990 w 2633848"/>
+              <a:gd name="connsiteY8" fmla="*/ 376318 h 862395"/>
+              <a:gd name="connsiteX9" fmla="*/ 1395312 w 2633848"/>
+              <a:gd name="connsiteY9" fmla="*/ 533117 h 862395"/>
+              <a:gd name="connsiteX10" fmla="*/ 1019048 w 2633848"/>
+              <a:gd name="connsiteY10" fmla="*/ 533117 h 862395"/>
+              <a:gd name="connsiteX11" fmla="*/ 1019048 w 2633848"/>
+              <a:gd name="connsiteY11" fmla="*/ 862395 h 862395"/>
+              <a:gd name="connsiteX12" fmla="*/ 0 w 2633848"/>
+              <a:gd name="connsiteY12" fmla="*/ 862395 h 862395"/>
+              <a:gd name="connsiteX13" fmla="*/ 0 w 2633848"/>
+              <a:gd name="connsiteY13" fmla="*/ 674236 h 862395"/>
+              <a:gd name="connsiteX0" fmla="*/ 0 w 2633848"/>
+              <a:gd name="connsiteY0" fmla="*/ 674236 h 862395"/>
+              <a:gd name="connsiteX1" fmla="*/ 674140 w 2633848"/>
+              <a:gd name="connsiteY1" fmla="*/ 689916 h 862395"/>
+              <a:gd name="connsiteX2" fmla="*/ 674140 w 2633848"/>
+              <a:gd name="connsiteY2" fmla="*/ 35120 h 862395"/>
+              <a:gd name="connsiteX3" fmla="*/ 2633848 w 2633848"/>
+              <a:gd name="connsiteY3" fmla="*/ 0 h 862395"/>
+              <a:gd name="connsiteX4" fmla="*/ 2633848 w 2633848"/>
+              <a:gd name="connsiteY4" fmla="*/ 0 h 862395"/>
+              <a:gd name="connsiteX5" fmla="*/ 2618171 w 2633848"/>
+              <a:gd name="connsiteY5" fmla="*/ 156799 h 862395"/>
+              <a:gd name="connsiteX6" fmla="*/ 2226229 w 2633848"/>
+              <a:gd name="connsiteY6" fmla="*/ 125439 h 862395"/>
+              <a:gd name="connsiteX7" fmla="*/ 2226229 w 2633848"/>
+              <a:gd name="connsiteY7" fmla="*/ 376318 h 862395"/>
+              <a:gd name="connsiteX8" fmla="*/ 1410990 w 2633848"/>
+              <a:gd name="connsiteY8" fmla="*/ 376318 h 862395"/>
+              <a:gd name="connsiteX9" fmla="*/ 1319112 w 2633848"/>
+              <a:gd name="connsiteY9" fmla="*/ 469617 h 862395"/>
+              <a:gd name="connsiteX10" fmla="*/ 1019048 w 2633848"/>
+              <a:gd name="connsiteY10" fmla="*/ 533117 h 862395"/>
+              <a:gd name="connsiteX11" fmla="*/ 1019048 w 2633848"/>
+              <a:gd name="connsiteY11" fmla="*/ 862395 h 862395"/>
+              <a:gd name="connsiteX12" fmla="*/ 0 w 2633848"/>
+              <a:gd name="connsiteY12" fmla="*/ 862395 h 862395"/>
+              <a:gd name="connsiteX13" fmla="*/ 0 w 2633848"/>
+              <a:gd name="connsiteY13" fmla="*/ 674236 h 862395"/>
+              <a:gd name="connsiteX0" fmla="*/ 0 w 2633848"/>
+              <a:gd name="connsiteY0" fmla="*/ 674236 h 862395"/>
+              <a:gd name="connsiteX1" fmla="*/ 674140 w 2633848"/>
+              <a:gd name="connsiteY1" fmla="*/ 689916 h 862395"/>
+              <a:gd name="connsiteX2" fmla="*/ 674140 w 2633848"/>
+              <a:gd name="connsiteY2" fmla="*/ 35120 h 862395"/>
+              <a:gd name="connsiteX3" fmla="*/ 2633848 w 2633848"/>
+              <a:gd name="connsiteY3" fmla="*/ 0 h 862395"/>
+              <a:gd name="connsiteX4" fmla="*/ 2633848 w 2633848"/>
+              <a:gd name="connsiteY4" fmla="*/ 0 h 862395"/>
+              <a:gd name="connsiteX5" fmla="*/ 2618171 w 2633848"/>
+              <a:gd name="connsiteY5" fmla="*/ 156799 h 862395"/>
+              <a:gd name="connsiteX6" fmla="*/ 2226229 w 2633848"/>
+              <a:gd name="connsiteY6" fmla="*/ 125439 h 862395"/>
+              <a:gd name="connsiteX7" fmla="*/ 2035729 w 2633848"/>
+              <a:gd name="connsiteY7" fmla="*/ 312818 h 862395"/>
+              <a:gd name="connsiteX8" fmla="*/ 1410990 w 2633848"/>
+              <a:gd name="connsiteY8" fmla="*/ 376318 h 862395"/>
+              <a:gd name="connsiteX9" fmla="*/ 1319112 w 2633848"/>
+              <a:gd name="connsiteY9" fmla="*/ 469617 h 862395"/>
+              <a:gd name="connsiteX10" fmla="*/ 1019048 w 2633848"/>
+              <a:gd name="connsiteY10" fmla="*/ 533117 h 862395"/>
+              <a:gd name="connsiteX11" fmla="*/ 1019048 w 2633848"/>
+              <a:gd name="connsiteY11" fmla="*/ 862395 h 862395"/>
+              <a:gd name="connsiteX12" fmla="*/ 0 w 2633848"/>
+              <a:gd name="connsiteY12" fmla="*/ 862395 h 862395"/>
+              <a:gd name="connsiteX13" fmla="*/ 0 w 2633848"/>
+              <a:gd name="connsiteY13" fmla="*/ 674236 h 862395"/>
+              <a:gd name="connsiteX0" fmla="*/ 0 w 2633848"/>
+              <a:gd name="connsiteY0" fmla="*/ 674236 h 862395"/>
+              <a:gd name="connsiteX1" fmla="*/ 674140 w 2633848"/>
+              <a:gd name="connsiteY1" fmla="*/ 689916 h 862395"/>
+              <a:gd name="connsiteX2" fmla="*/ 674140 w 2633848"/>
+              <a:gd name="connsiteY2" fmla="*/ 35120 h 862395"/>
+              <a:gd name="connsiteX3" fmla="*/ 2633848 w 2633848"/>
+              <a:gd name="connsiteY3" fmla="*/ 0 h 862395"/>
+              <a:gd name="connsiteX4" fmla="*/ 2633848 w 2633848"/>
+              <a:gd name="connsiteY4" fmla="*/ 0 h 862395"/>
+              <a:gd name="connsiteX5" fmla="*/ 2618171 w 2633848"/>
+              <a:gd name="connsiteY5" fmla="*/ 156799 h 862395"/>
+              <a:gd name="connsiteX6" fmla="*/ 2238929 w 2633848"/>
+              <a:gd name="connsiteY6" fmla="*/ 201639 h 862395"/>
+              <a:gd name="connsiteX7" fmla="*/ 2035729 w 2633848"/>
+              <a:gd name="connsiteY7" fmla="*/ 312818 h 862395"/>
+              <a:gd name="connsiteX8" fmla="*/ 1410990 w 2633848"/>
+              <a:gd name="connsiteY8" fmla="*/ 376318 h 862395"/>
+              <a:gd name="connsiteX9" fmla="*/ 1319112 w 2633848"/>
+              <a:gd name="connsiteY9" fmla="*/ 469617 h 862395"/>
+              <a:gd name="connsiteX10" fmla="*/ 1019048 w 2633848"/>
+              <a:gd name="connsiteY10" fmla="*/ 533117 h 862395"/>
+              <a:gd name="connsiteX11" fmla="*/ 1019048 w 2633848"/>
+              <a:gd name="connsiteY11" fmla="*/ 862395 h 862395"/>
+              <a:gd name="connsiteX12" fmla="*/ 0 w 2633848"/>
+              <a:gd name="connsiteY12" fmla="*/ 862395 h 862395"/>
+              <a:gd name="connsiteX13" fmla="*/ 0 w 2633848"/>
+              <a:gd name="connsiteY13" fmla="*/ 674236 h 862395"/>
+              <a:gd name="connsiteX0" fmla="*/ 0 w 2633848"/>
+              <a:gd name="connsiteY0" fmla="*/ 674236 h 862395"/>
+              <a:gd name="connsiteX1" fmla="*/ 674140 w 2633848"/>
+              <a:gd name="connsiteY1" fmla="*/ 689916 h 862395"/>
+              <a:gd name="connsiteX2" fmla="*/ 674140 w 2633848"/>
+              <a:gd name="connsiteY2" fmla="*/ 35120 h 862395"/>
+              <a:gd name="connsiteX3" fmla="*/ 2633848 w 2633848"/>
+              <a:gd name="connsiteY3" fmla="*/ 0 h 862395"/>
+              <a:gd name="connsiteX4" fmla="*/ 2633848 w 2633848"/>
+              <a:gd name="connsiteY4" fmla="*/ 0 h 862395"/>
+              <a:gd name="connsiteX5" fmla="*/ 2618171 w 2633848"/>
+              <a:gd name="connsiteY5" fmla="*/ 156799 h 862395"/>
+              <a:gd name="connsiteX6" fmla="*/ 2238929 w 2633848"/>
+              <a:gd name="connsiteY6" fmla="*/ 201639 h 862395"/>
+              <a:gd name="connsiteX7" fmla="*/ 2035729 w 2633848"/>
+              <a:gd name="connsiteY7" fmla="*/ 312818 h 862395"/>
+              <a:gd name="connsiteX8" fmla="*/ 1639590 w 2633848"/>
+              <a:gd name="connsiteY8" fmla="*/ 414418 h 862395"/>
+              <a:gd name="connsiteX9" fmla="*/ 1319112 w 2633848"/>
+              <a:gd name="connsiteY9" fmla="*/ 469617 h 862395"/>
+              <a:gd name="connsiteX10" fmla="*/ 1019048 w 2633848"/>
+              <a:gd name="connsiteY10" fmla="*/ 533117 h 862395"/>
+              <a:gd name="connsiteX11" fmla="*/ 1019048 w 2633848"/>
+              <a:gd name="connsiteY11" fmla="*/ 862395 h 862395"/>
+              <a:gd name="connsiteX12" fmla="*/ 0 w 2633848"/>
+              <a:gd name="connsiteY12" fmla="*/ 862395 h 862395"/>
+              <a:gd name="connsiteX13" fmla="*/ 0 w 2633848"/>
+              <a:gd name="connsiteY13" fmla="*/ 674236 h 862395"/>
+            </a:gdLst>
+            <a:ahLst/>
+            <a:cxnLst>
+              <a:cxn ang="0">
+                <a:pos x="connsiteX0" y="connsiteY0"/>
+              </a:cxn>
+              <a:cxn ang="0">
+                <a:pos x="connsiteX1" y="connsiteY1"/>
+              </a:cxn>
+              <a:cxn ang="0">
+                <a:pos x="connsiteX2" y="connsiteY2"/>
+              </a:cxn>
+              <a:cxn ang="0">
+                <a:pos x="connsiteX3" y="connsiteY3"/>
+              </a:cxn>
+              <a:cxn ang="0">
+                <a:pos x="connsiteX4" y="connsiteY4"/>
+              </a:cxn>
+              <a:cxn ang="0">
+                <a:pos x="connsiteX5" y="connsiteY5"/>
+              </a:cxn>
+              <a:cxn ang="0">
+                <a:pos x="connsiteX6" y="connsiteY6"/>
+              </a:cxn>
+              <a:cxn ang="0">
+                <a:pos x="connsiteX7" y="connsiteY7"/>
+              </a:cxn>
+              <a:cxn ang="0">
+                <a:pos x="connsiteX8" y="connsiteY8"/>
+              </a:cxn>
+              <a:cxn ang="0">
+                <a:pos x="connsiteX9" y="connsiteY9"/>
+              </a:cxn>
+              <a:cxn ang="0">
+                <a:pos x="connsiteX10" y="connsiteY10"/>
+              </a:cxn>
+              <a:cxn ang="0">
+                <a:pos x="connsiteX11" y="connsiteY11"/>
+              </a:cxn>
+              <a:cxn ang="0">
+                <a:pos x="connsiteX12" y="connsiteY12"/>
+              </a:cxn>
+              <a:cxn ang="0">
+                <a:pos x="connsiteX13" y="connsiteY13"/>
+              </a:cxn>
+            </a:cxnLst>
+            <a:rect l="l" t="t" r="r" b="b"/>
+            <a:pathLst>
+              <a:path w="2633848" h="862395">
+                <a:moveTo>
+                  <a:pt x="0" y="674236"/>
+                </a:moveTo>
+                <a:lnTo>
+                  <a:pt x="674140" y="689916"/>
+                </a:lnTo>
+                <a:lnTo>
+                  <a:pt x="674140" y="35120"/>
+                </a:lnTo>
+                <a:lnTo>
+                  <a:pt x="2633848" y="0"/>
+                </a:lnTo>
+                <a:lnTo>
+                  <a:pt x="2633848" y="0"/>
+                </a:lnTo>
+                <a:lnTo>
+                  <a:pt x="2618171" y="156799"/>
+                </a:lnTo>
+                <a:lnTo>
+                  <a:pt x="2238929" y="201639"/>
+                </a:lnTo>
+                <a:lnTo>
+                  <a:pt x="2035729" y="312818"/>
+                </a:lnTo>
+                <a:lnTo>
+                  <a:pt x="1639590" y="414418"/>
+                </a:lnTo>
+                <a:lnTo>
+                  <a:pt x="1319112" y="469617"/>
+                </a:lnTo>
+                <a:lnTo>
+                  <a:pt x="1019048" y="533117"/>
+                </a:lnTo>
+                <a:lnTo>
+                  <a:pt x="1019048" y="862395"/>
+                </a:lnTo>
+                <a:lnTo>
+                  <a:pt x="0" y="862395"/>
+                </a:lnTo>
+                <a:lnTo>
+                  <a:pt x="0" y="674236"/>
+                </a:lnTo>
+                <a:close/>
+              </a:path>
+            </a:pathLst>
+          </a:custGeom>
+        </p:spPr>
+        <p:style>
+          <a:lnRef idx="1">
+            <a:schemeClr val="accent1"/>
+          </a:lnRef>
+          <a:fillRef idx="3">
+            <a:schemeClr val="accent1"/>
+          </a:fillRef>
+          <a:effectRef idx="2">
+            <a:schemeClr val="accent1"/>
+          </a:effectRef>
+          <a:fontRef idx="minor">
+            <a:schemeClr val="lt1"/>
+          </a:fontRef>
+        </p:style>
+        <p:txBody>
+          <a:bodyPr rtlCol="0" anchor="ctr"/>
+          <a:lstStyle/>
+          <a:p>
+            <a:pPr algn="ctr"/>
+            <a:endParaRPr lang="en-US"/>
+          </a:p>
+        </p:txBody>
+      </p:sp>
+      <p:sp>
+        <p:nvSpPr>
+          <p:cNvPr id="7" name="Freeform 6"/>
+          <p:cNvSpPr/>
+          <p:nvPr/>
+        </p:nvSpPr>
+        <p:spPr>
+          <a:xfrm>
+            <a:off x="3213922" y="3778858"/>
+            <a:ext cx="1959709" cy="1348472"/>
+          </a:xfrm>
+          <a:custGeom>
+            <a:avLst/>
+            <a:gdLst>
+              <a:gd name="connsiteX0" fmla="*/ 0 w 1959709"/>
+              <a:gd name="connsiteY0" fmla="*/ 1348472 h 1348472"/>
+              <a:gd name="connsiteX1" fmla="*/ 15678 w 1959709"/>
+              <a:gd name="connsiteY1" fmla="*/ 0 h 1348472"/>
+              <a:gd name="connsiteX2" fmla="*/ 1959709 w 1959709"/>
+              <a:gd name="connsiteY2" fmla="*/ 15680 h 1348472"/>
+              <a:gd name="connsiteX3" fmla="*/ 1944031 w 1959709"/>
+              <a:gd name="connsiteY3" fmla="*/ 705596 h 1348472"/>
+              <a:gd name="connsiteX4" fmla="*/ 611429 w 1959709"/>
+              <a:gd name="connsiteY4" fmla="*/ 674236 h 1348472"/>
+              <a:gd name="connsiteX5" fmla="*/ 642784 w 1959709"/>
+              <a:gd name="connsiteY5" fmla="*/ 1332792 h 1348472"/>
+              <a:gd name="connsiteX6" fmla="*/ 0 w 1959709"/>
+              <a:gd name="connsiteY6" fmla="*/ 1348472 h 1348472"/>
+              <a:gd name="connsiteX0" fmla="*/ 0 w 1959709"/>
+              <a:gd name="connsiteY0" fmla="*/ 1348472 h 1348472"/>
+              <a:gd name="connsiteX1" fmla="*/ 15678 w 1959709"/>
+              <a:gd name="connsiteY1" fmla="*/ 0 h 1348472"/>
+              <a:gd name="connsiteX2" fmla="*/ 1959709 w 1959709"/>
+              <a:gd name="connsiteY2" fmla="*/ 15680 h 1348472"/>
+              <a:gd name="connsiteX3" fmla="*/ 1944031 w 1959709"/>
+              <a:gd name="connsiteY3" fmla="*/ 705596 h 1348472"/>
+              <a:gd name="connsiteX4" fmla="*/ 736851 w 1959709"/>
+              <a:gd name="connsiteY4" fmla="*/ 736956 h 1348472"/>
+              <a:gd name="connsiteX5" fmla="*/ 642784 w 1959709"/>
+              <a:gd name="connsiteY5" fmla="*/ 1332792 h 1348472"/>
+              <a:gd name="connsiteX6" fmla="*/ 0 w 1959709"/>
+              <a:gd name="connsiteY6" fmla="*/ 1348472 h 1348472"/>
+              <a:gd name="connsiteX0" fmla="*/ 0 w 1959709"/>
+              <a:gd name="connsiteY0" fmla="*/ 1348472 h 1348472"/>
+              <a:gd name="connsiteX1" fmla="*/ 15678 w 1959709"/>
+              <a:gd name="connsiteY1" fmla="*/ 0 h 1348472"/>
+              <a:gd name="connsiteX2" fmla="*/ 1959709 w 1959709"/>
+              <a:gd name="connsiteY2" fmla="*/ 15680 h 1348472"/>
+              <a:gd name="connsiteX3" fmla="*/ 1944031 w 1959709"/>
+              <a:gd name="connsiteY3" fmla="*/ 705596 h 1348472"/>
+              <a:gd name="connsiteX4" fmla="*/ 736851 w 1959709"/>
+              <a:gd name="connsiteY4" fmla="*/ 736956 h 1348472"/>
+              <a:gd name="connsiteX5" fmla="*/ 752527 w 1959709"/>
+              <a:gd name="connsiteY5" fmla="*/ 1348472 h 1348472"/>
+              <a:gd name="connsiteX6" fmla="*/ 0 w 1959709"/>
+              <a:gd name="connsiteY6" fmla="*/ 1348472 h 1348472"/>
+              <a:gd name="connsiteX0" fmla="*/ 0 w 1959709"/>
+              <a:gd name="connsiteY0" fmla="*/ 1348472 h 1348472"/>
+              <a:gd name="connsiteX1" fmla="*/ 15678 w 1959709"/>
+              <a:gd name="connsiteY1" fmla="*/ 0 h 1348472"/>
+              <a:gd name="connsiteX2" fmla="*/ 1959709 w 1959709"/>
+              <a:gd name="connsiteY2" fmla="*/ 15680 h 1348472"/>
+              <a:gd name="connsiteX3" fmla="*/ 1944031 w 1959709"/>
+              <a:gd name="connsiteY3" fmla="*/ 705596 h 1348472"/>
+              <a:gd name="connsiteX4" fmla="*/ 736851 w 1959709"/>
+              <a:gd name="connsiteY4" fmla="*/ 736956 h 1348472"/>
+              <a:gd name="connsiteX5" fmla="*/ 736849 w 1959709"/>
+              <a:gd name="connsiteY5" fmla="*/ 1348472 h 1348472"/>
+              <a:gd name="connsiteX6" fmla="*/ 0 w 1959709"/>
+              <a:gd name="connsiteY6" fmla="*/ 1348472 h 1348472"/>
+              <a:gd name="connsiteX0" fmla="*/ 0 w 1959709"/>
+              <a:gd name="connsiteY0" fmla="*/ 1348472 h 1348472"/>
+              <a:gd name="connsiteX1" fmla="*/ 15678 w 1959709"/>
+              <a:gd name="connsiteY1" fmla="*/ 0 h 1348472"/>
+              <a:gd name="connsiteX2" fmla="*/ 1959709 w 1959709"/>
+              <a:gd name="connsiteY2" fmla="*/ 15680 h 1348472"/>
+              <a:gd name="connsiteX3" fmla="*/ 1944031 w 1959709"/>
+              <a:gd name="connsiteY3" fmla="*/ 768316 h 1348472"/>
+              <a:gd name="connsiteX4" fmla="*/ 736851 w 1959709"/>
+              <a:gd name="connsiteY4" fmla="*/ 736956 h 1348472"/>
+              <a:gd name="connsiteX5" fmla="*/ 736849 w 1959709"/>
+              <a:gd name="connsiteY5" fmla="*/ 1348472 h 1348472"/>
+              <a:gd name="connsiteX6" fmla="*/ 0 w 1959709"/>
+              <a:gd name="connsiteY6" fmla="*/ 1348472 h 1348472"/>
+              <a:gd name="connsiteX0" fmla="*/ 0 w 1959709"/>
+              <a:gd name="connsiteY0" fmla="*/ 1348472 h 1348472"/>
+              <a:gd name="connsiteX1" fmla="*/ 15678 w 1959709"/>
+              <a:gd name="connsiteY1" fmla="*/ 0 h 1348472"/>
+              <a:gd name="connsiteX2" fmla="*/ 1959709 w 1959709"/>
+              <a:gd name="connsiteY2" fmla="*/ 15680 h 1348472"/>
+              <a:gd name="connsiteX3" fmla="*/ 1944031 w 1959709"/>
+              <a:gd name="connsiteY3" fmla="*/ 705597 h 1348472"/>
+              <a:gd name="connsiteX4" fmla="*/ 736851 w 1959709"/>
+              <a:gd name="connsiteY4" fmla="*/ 736956 h 1348472"/>
+              <a:gd name="connsiteX5" fmla="*/ 736849 w 1959709"/>
+              <a:gd name="connsiteY5" fmla="*/ 1348472 h 1348472"/>
+              <a:gd name="connsiteX6" fmla="*/ 0 w 1959709"/>
+              <a:gd name="connsiteY6" fmla="*/ 1348472 h 1348472"/>
+              <a:gd name="connsiteX0" fmla="*/ 0 w 1959709"/>
+              <a:gd name="connsiteY0" fmla="*/ 1348472 h 1348472"/>
+              <a:gd name="connsiteX1" fmla="*/ 15678 w 1959709"/>
+              <a:gd name="connsiteY1" fmla="*/ 0 h 1348472"/>
+              <a:gd name="connsiteX2" fmla="*/ 1959709 w 1959709"/>
+              <a:gd name="connsiteY2" fmla="*/ 15680 h 1348472"/>
+              <a:gd name="connsiteX3" fmla="*/ 1944031 w 1959709"/>
+              <a:gd name="connsiteY3" fmla="*/ 752637 h 1348472"/>
+              <a:gd name="connsiteX4" fmla="*/ 736851 w 1959709"/>
+              <a:gd name="connsiteY4" fmla="*/ 736956 h 1348472"/>
+              <a:gd name="connsiteX5" fmla="*/ 736849 w 1959709"/>
+              <a:gd name="connsiteY5" fmla="*/ 1348472 h 1348472"/>
+              <a:gd name="connsiteX6" fmla="*/ 0 w 1959709"/>
+              <a:gd name="connsiteY6" fmla="*/ 1348472 h 1348472"/>
+            </a:gdLst>
+            <a:ahLst/>
+            <a:cxnLst>
+              <a:cxn ang="0">
+                <a:pos x="connsiteX0" y="connsiteY0"/>
+              </a:cxn>
+              <a:cxn ang="0">
+                <a:pos x="connsiteX1" y="connsiteY1"/>
+              </a:cxn>
+              <a:cxn ang="0">
+                <a:pos x="connsiteX2" y="connsiteY2"/>
+              </a:cxn>
+              <a:cxn ang="0">
+                <a:pos x="connsiteX3" y="connsiteY3"/>
+              </a:cxn>
+              <a:cxn ang="0">
+                <a:pos x="connsiteX4" y="connsiteY4"/>
+              </a:cxn>
+              <a:cxn ang="0">
+                <a:pos x="connsiteX5" y="connsiteY5"/>
+              </a:cxn>
+              <a:cxn ang="0">
+                <a:pos x="connsiteX6" y="connsiteY6"/>
+              </a:cxn>
+            </a:cxnLst>
+            <a:rect l="l" t="t" r="r" b="b"/>
+            <a:pathLst>
+              <a:path w="1959709" h="1348472">
+                <a:moveTo>
+                  <a:pt x="0" y="1348472"/>
+                </a:moveTo>
+                <a:lnTo>
+                  <a:pt x="15678" y="0"/>
+                </a:lnTo>
+                <a:lnTo>
+                  <a:pt x="1959709" y="15680"/>
+                </a:lnTo>
+                <a:lnTo>
+                  <a:pt x="1944031" y="752637"/>
+                </a:lnTo>
+                <a:lnTo>
+                  <a:pt x="736851" y="736956"/>
+                </a:lnTo>
+                <a:cubicBezTo>
+                  <a:pt x="736850" y="940795"/>
+                  <a:pt x="736850" y="1144633"/>
+                  <a:pt x="736849" y="1348472"/>
+                </a:cubicBezTo>
+                <a:lnTo>
+                  <a:pt x="0" y="1348472"/>
+                </a:lnTo>
+                <a:close/>
+              </a:path>
+            </a:pathLst>
+          </a:custGeom>
+          <a:solidFill>
+            <a:schemeClr val="tx1">
+              <a:lumMod val="65000"/>
+              <a:lumOff val="35000"/>
+            </a:schemeClr>
+          </a:solidFill>
+        </p:spPr>
+        <p:style>
+          <a:lnRef idx="1">
+            <a:schemeClr val="accent1"/>
+          </a:lnRef>
+          <a:fillRef idx="3">
+            <a:schemeClr val="accent1"/>
+          </a:fillRef>
+          <a:effectRef idx="2">
+            <a:schemeClr val="accent1"/>
+          </a:effectRef>
+          <a:fontRef idx="minor">
+            <a:schemeClr val="lt1"/>
+          </a:fontRef>
+        </p:style>
+        <p:txBody>
+          <a:bodyPr rtlCol="0" anchor="ctr"/>
+          <a:lstStyle/>
+          <a:p>
+            <a:pPr algn="ctr"/>
+            <a:endParaRPr lang="en-US"/>
+          </a:p>
+        </p:txBody>
+      </p:sp>
+      <p:sp>
+        <p:nvSpPr>
+          <p:cNvPr id="8" name="Freeform 7"/>
+          <p:cNvSpPr/>
+          <p:nvPr/>
+        </p:nvSpPr>
+        <p:spPr>
+          <a:xfrm>
+            <a:off x="3355021" y="1307392"/>
+            <a:ext cx="1363957" cy="2518506"/>
+          </a:xfrm>
+          <a:custGeom>
+            <a:avLst/>
+            <a:gdLst>
+              <a:gd name="connsiteX0" fmla="*/ 0 w 1363957"/>
+              <a:gd name="connsiteY0" fmla="*/ 2493106 h 2493106"/>
+              <a:gd name="connsiteX1" fmla="*/ 0 w 1363957"/>
+              <a:gd name="connsiteY1" fmla="*/ 2163828 h 2493106"/>
+              <a:gd name="connsiteX2" fmla="*/ 172454 w 1363957"/>
+              <a:gd name="connsiteY2" fmla="*/ 2179508 h 2493106"/>
+              <a:gd name="connsiteX3" fmla="*/ 203810 w 1363957"/>
+              <a:gd name="connsiteY3" fmla="*/ 1975669 h 2493106"/>
+              <a:gd name="connsiteX4" fmla="*/ 360586 w 1363957"/>
+              <a:gd name="connsiteY4" fmla="*/ 1975669 h 2493106"/>
+              <a:gd name="connsiteX5" fmla="*/ 360586 w 1363957"/>
+              <a:gd name="connsiteY5" fmla="*/ 1771830 h 2493106"/>
+              <a:gd name="connsiteX6" fmla="*/ 580074 w 1363957"/>
+              <a:gd name="connsiteY6" fmla="*/ 1787510 h 2493106"/>
+              <a:gd name="connsiteX7" fmla="*/ 564396 w 1363957"/>
+              <a:gd name="connsiteY7" fmla="*/ 1364152 h 2493106"/>
+              <a:gd name="connsiteX8" fmla="*/ 736850 w 1363957"/>
+              <a:gd name="connsiteY8" fmla="*/ 1395512 h 2493106"/>
+              <a:gd name="connsiteX9" fmla="*/ 752528 w 1363957"/>
+              <a:gd name="connsiteY9" fmla="*/ 391998 h 2493106"/>
+              <a:gd name="connsiteX10" fmla="*/ 595751 w 1363957"/>
+              <a:gd name="connsiteY10" fmla="*/ 360638 h 2493106"/>
+              <a:gd name="connsiteX11" fmla="*/ 627107 w 1363957"/>
+              <a:gd name="connsiteY11" fmla="*/ 15680 h 2493106"/>
+              <a:gd name="connsiteX12" fmla="*/ 1348279 w 1363957"/>
+              <a:gd name="connsiteY12" fmla="*/ 0 h 2493106"/>
+              <a:gd name="connsiteX13" fmla="*/ 1363957 w 1363957"/>
+              <a:gd name="connsiteY13" fmla="*/ 2477426 h 2493106"/>
+              <a:gd name="connsiteX14" fmla="*/ 0 w 1363957"/>
+              <a:gd name="connsiteY14" fmla="*/ 2493106 h 2493106"/>
+              <a:gd name="connsiteX0" fmla="*/ 0 w 1363957"/>
+              <a:gd name="connsiteY0" fmla="*/ 2493106 h 2493106"/>
+              <a:gd name="connsiteX1" fmla="*/ 0 w 1363957"/>
+              <a:gd name="connsiteY1" fmla="*/ 2163828 h 2493106"/>
+              <a:gd name="connsiteX2" fmla="*/ 172454 w 1363957"/>
+              <a:gd name="connsiteY2" fmla="*/ 2179508 h 2493106"/>
+              <a:gd name="connsiteX3" fmla="*/ 203810 w 1363957"/>
+              <a:gd name="connsiteY3" fmla="*/ 1975669 h 2493106"/>
+              <a:gd name="connsiteX4" fmla="*/ 360586 w 1363957"/>
+              <a:gd name="connsiteY4" fmla="*/ 1975669 h 2493106"/>
+              <a:gd name="connsiteX5" fmla="*/ 360586 w 1363957"/>
+              <a:gd name="connsiteY5" fmla="*/ 1771830 h 2493106"/>
+              <a:gd name="connsiteX6" fmla="*/ 580074 w 1363957"/>
+              <a:gd name="connsiteY6" fmla="*/ 1787510 h 2493106"/>
+              <a:gd name="connsiteX7" fmla="*/ 564396 w 1363957"/>
+              <a:gd name="connsiteY7" fmla="*/ 1364152 h 2493106"/>
+              <a:gd name="connsiteX8" fmla="*/ 736850 w 1363957"/>
+              <a:gd name="connsiteY8" fmla="*/ 1395512 h 2493106"/>
+              <a:gd name="connsiteX9" fmla="*/ 752528 w 1363957"/>
+              <a:gd name="connsiteY9" fmla="*/ 329278 h 2493106"/>
+              <a:gd name="connsiteX10" fmla="*/ 595751 w 1363957"/>
+              <a:gd name="connsiteY10" fmla="*/ 360638 h 2493106"/>
+              <a:gd name="connsiteX11" fmla="*/ 627107 w 1363957"/>
+              <a:gd name="connsiteY11" fmla="*/ 15680 h 2493106"/>
+              <a:gd name="connsiteX12" fmla="*/ 1348279 w 1363957"/>
+              <a:gd name="connsiteY12" fmla="*/ 0 h 2493106"/>
+              <a:gd name="connsiteX13" fmla="*/ 1363957 w 1363957"/>
+              <a:gd name="connsiteY13" fmla="*/ 2477426 h 2493106"/>
+              <a:gd name="connsiteX14" fmla="*/ 0 w 1363957"/>
+              <a:gd name="connsiteY14" fmla="*/ 2493106 h 2493106"/>
+              <a:gd name="connsiteX0" fmla="*/ 0 w 1363957"/>
+              <a:gd name="connsiteY0" fmla="*/ 2508786 h 2508786"/>
+              <a:gd name="connsiteX1" fmla="*/ 0 w 1363957"/>
+              <a:gd name="connsiteY1" fmla="*/ 2179508 h 2508786"/>
+              <a:gd name="connsiteX2" fmla="*/ 172454 w 1363957"/>
+              <a:gd name="connsiteY2" fmla="*/ 2195188 h 2508786"/>
+              <a:gd name="connsiteX3" fmla="*/ 203810 w 1363957"/>
+              <a:gd name="connsiteY3" fmla="*/ 1991349 h 2508786"/>
+              <a:gd name="connsiteX4" fmla="*/ 360586 w 1363957"/>
+              <a:gd name="connsiteY4" fmla="*/ 1991349 h 2508786"/>
+              <a:gd name="connsiteX5" fmla="*/ 360586 w 1363957"/>
+              <a:gd name="connsiteY5" fmla="*/ 1787510 h 2508786"/>
+              <a:gd name="connsiteX6" fmla="*/ 580074 w 1363957"/>
+              <a:gd name="connsiteY6" fmla="*/ 1803190 h 2508786"/>
+              <a:gd name="connsiteX7" fmla="*/ 564396 w 1363957"/>
+              <a:gd name="connsiteY7" fmla="*/ 1379832 h 2508786"/>
+              <a:gd name="connsiteX8" fmla="*/ 736850 w 1363957"/>
+              <a:gd name="connsiteY8" fmla="*/ 1411192 h 2508786"/>
+              <a:gd name="connsiteX9" fmla="*/ 752528 w 1363957"/>
+              <a:gd name="connsiteY9" fmla="*/ 344958 h 2508786"/>
+              <a:gd name="connsiteX10" fmla="*/ 595751 w 1363957"/>
+              <a:gd name="connsiteY10" fmla="*/ 376318 h 2508786"/>
+              <a:gd name="connsiteX11" fmla="*/ 580074 w 1363957"/>
+              <a:gd name="connsiteY11" fmla="*/ 0 h 2508786"/>
+              <a:gd name="connsiteX12" fmla="*/ 1348279 w 1363957"/>
+              <a:gd name="connsiteY12" fmla="*/ 15680 h 2508786"/>
+              <a:gd name="connsiteX13" fmla="*/ 1363957 w 1363957"/>
+              <a:gd name="connsiteY13" fmla="*/ 2493106 h 2508786"/>
+              <a:gd name="connsiteX14" fmla="*/ 0 w 1363957"/>
+              <a:gd name="connsiteY14" fmla="*/ 2508786 h 2508786"/>
+              <a:gd name="connsiteX0" fmla="*/ 0 w 1363957"/>
+              <a:gd name="connsiteY0" fmla="*/ 2508786 h 2508786"/>
+              <a:gd name="connsiteX1" fmla="*/ 0 w 1363957"/>
+              <a:gd name="connsiteY1" fmla="*/ 2226548 h 2508786"/>
+              <a:gd name="connsiteX2" fmla="*/ 172454 w 1363957"/>
+              <a:gd name="connsiteY2" fmla="*/ 2195188 h 2508786"/>
+              <a:gd name="connsiteX3" fmla="*/ 203810 w 1363957"/>
+              <a:gd name="connsiteY3" fmla="*/ 1991349 h 2508786"/>
+              <a:gd name="connsiteX4" fmla="*/ 360586 w 1363957"/>
+              <a:gd name="connsiteY4" fmla="*/ 1991349 h 2508786"/>
+              <a:gd name="connsiteX5" fmla="*/ 360586 w 1363957"/>
+              <a:gd name="connsiteY5" fmla="*/ 1787510 h 2508786"/>
+              <a:gd name="connsiteX6" fmla="*/ 580074 w 1363957"/>
+              <a:gd name="connsiteY6" fmla="*/ 1803190 h 2508786"/>
+              <a:gd name="connsiteX7" fmla="*/ 564396 w 1363957"/>
+              <a:gd name="connsiteY7" fmla="*/ 1379832 h 2508786"/>
+              <a:gd name="connsiteX8" fmla="*/ 736850 w 1363957"/>
+              <a:gd name="connsiteY8" fmla="*/ 1411192 h 2508786"/>
+              <a:gd name="connsiteX9" fmla="*/ 752528 w 1363957"/>
+              <a:gd name="connsiteY9" fmla="*/ 344958 h 2508786"/>
+              <a:gd name="connsiteX10" fmla="*/ 595751 w 1363957"/>
+              <a:gd name="connsiteY10" fmla="*/ 376318 h 2508786"/>
+              <a:gd name="connsiteX11" fmla="*/ 580074 w 1363957"/>
+              <a:gd name="connsiteY11" fmla="*/ 0 h 2508786"/>
+              <a:gd name="connsiteX12" fmla="*/ 1348279 w 1363957"/>
+              <a:gd name="connsiteY12" fmla="*/ 15680 h 2508786"/>
+              <a:gd name="connsiteX13" fmla="*/ 1363957 w 1363957"/>
+              <a:gd name="connsiteY13" fmla="*/ 2493106 h 2508786"/>
+              <a:gd name="connsiteX14" fmla="*/ 0 w 1363957"/>
+              <a:gd name="connsiteY14" fmla="*/ 2508786 h 2508786"/>
+              <a:gd name="connsiteX0" fmla="*/ 0 w 1363957"/>
+              <a:gd name="connsiteY0" fmla="*/ 2508786 h 2508786"/>
+              <a:gd name="connsiteX1" fmla="*/ 0 w 1363957"/>
+              <a:gd name="connsiteY1" fmla="*/ 2210869 h 2508786"/>
+              <a:gd name="connsiteX2" fmla="*/ 172454 w 1363957"/>
+              <a:gd name="connsiteY2" fmla="*/ 2195188 h 2508786"/>
+              <a:gd name="connsiteX3" fmla="*/ 203810 w 1363957"/>
+              <a:gd name="connsiteY3" fmla="*/ 1991349 h 2508786"/>
+              <a:gd name="connsiteX4" fmla="*/ 360586 w 1363957"/>
+              <a:gd name="connsiteY4" fmla="*/ 1991349 h 2508786"/>
+              <a:gd name="connsiteX5" fmla="*/ 360586 w 1363957"/>
+              <a:gd name="connsiteY5" fmla="*/ 1787510 h 2508786"/>
+              <a:gd name="connsiteX6" fmla="*/ 580074 w 1363957"/>
+              <a:gd name="connsiteY6" fmla="*/ 1803190 h 2508786"/>
+              <a:gd name="connsiteX7" fmla="*/ 564396 w 1363957"/>
+              <a:gd name="connsiteY7" fmla="*/ 1379832 h 2508786"/>
+              <a:gd name="connsiteX8" fmla="*/ 736850 w 1363957"/>
+              <a:gd name="connsiteY8" fmla="*/ 1411192 h 2508786"/>
+              <a:gd name="connsiteX9" fmla="*/ 752528 w 1363957"/>
+              <a:gd name="connsiteY9" fmla="*/ 344958 h 2508786"/>
+              <a:gd name="connsiteX10" fmla="*/ 595751 w 1363957"/>
+              <a:gd name="connsiteY10" fmla="*/ 376318 h 2508786"/>
+              <a:gd name="connsiteX11" fmla="*/ 580074 w 1363957"/>
+              <a:gd name="connsiteY11" fmla="*/ 0 h 2508786"/>
+              <a:gd name="connsiteX12" fmla="*/ 1348279 w 1363957"/>
+              <a:gd name="connsiteY12" fmla="*/ 15680 h 2508786"/>
+              <a:gd name="connsiteX13" fmla="*/ 1363957 w 1363957"/>
+              <a:gd name="connsiteY13" fmla="*/ 2493106 h 2508786"/>
+              <a:gd name="connsiteX14" fmla="*/ 0 w 1363957"/>
+              <a:gd name="connsiteY14" fmla="*/ 2508786 h 2508786"/>
+              <a:gd name="connsiteX0" fmla="*/ 0 w 1363957"/>
+              <a:gd name="connsiteY0" fmla="*/ 2508786 h 2508786"/>
+              <a:gd name="connsiteX1" fmla="*/ 0 w 1363957"/>
+              <a:gd name="connsiteY1" fmla="*/ 2210869 h 2508786"/>
+              <a:gd name="connsiteX2" fmla="*/ 172454 w 1363957"/>
+              <a:gd name="connsiteY2" fmla="*/ 2195188 h 2508786"/>
+              <a:gd name="connsiteX3" fmla="*/ 203810 w 1363957"/>
+              <a:gd name="connsiteY3" fmla="*/ 1991349 h 2508786"/>
+              <a:gd name="connsiteX4" fmla="*/ 360586 w 1363957"/>
+              <a:gd name="connsiteY4" fmla="*/ 1991349 h 2508786"/>
+              <a:gd name="connsiteX5" fmla="*/ 360586 w 1363957"/>
+              <a:gd name="connsiteY5" fmla="*/ 1787510 h 2508786"/>
+              <a:gd name="connsiteX6" fmla="*/ 580074 w 1363957"/>
+              <a:gd name="connsiteY6" fmla="*/ 1803190 h 2508786"/>
+              <a:gd name="connsiteX7" fmla="*/ 564396 w 1363957"/>
+              <a:gd name="connsiteY7" fmla="*/ 1379832 h 2508786"/>
+              <a:gd name="connsiteX8" fmla="*/ 736850 w 1363957"/>
+              <a:gd name="connsiteY8" fmla="*/ 1360392 h 2508786"/>
+              <a:gd name="connsiteX9" fmla="*/ 752528 w 1363957"/>
+              <a:gd name="connsiteY9" fmla="*/ 344958 h 2508786"/>
+              <a:gd name="connsiteX10" fmla="*/ 595751 w 1363957"/>
+              <a:gd name="connsiteY10" fmla="*/ 376318 h 2508786"/>
+              <a:gd name="connsiteX11" fmla="*/ 580074 w 1363957"/>
+              <a:gd name="connsiteY11" fmla="*/ 0 h 2508786"/>
+              <a:gd name="connsiteX12" fmla="*/ 1348279 w 1363957"/>
+              <a:gd name="connsiteY12" fmla="*/ 15680 h 2508786"/>
+              <a:gd name="connsiteX13" fmla="*/ 1363957 w 1363957"/>
+              <a:gd name="connsiteY13" fmla="*/ 2493106 h 2508786"/>
+              <a:gd name="connsiteX14" fmla="*/ 0 w 1363957"/>
+              <a:gd name="connsiteY14" fmla="*/ 2508786 h 2508786"/>
+              <a:gd name="connsiteX0" fmla="*/ 0 w 1363957"/>
+              <a:gd name="connsiteY0" fmla="*/ 2508786 h 2508786"/>
+              <a:gd name="connsiteX1" fmla="*/ 0 w 1363957"/>
+              <a:gd name="connsiteY1" fmla="*/ 2210869 h 2508786"/>
+              <a:gd name="connsiteX2" fmla="*/ 206321 w 1363957"/>
+              <a:gd name="connsiteY2" fmla="*/ 2203655 h 2508786"/>
+              <a:gd name="connsiteX3" fmla="*/ 203810 w 1363957"/>
+              <a:gd name="connsiteY3" fmla="*/ 1991349 h 2508786"/>
+              <a:gd name="connsiteX4" fmla="*/ 360586 w 1363957"/>
+              <a:gd name="connsiteY4" fmla="*/ 1991349 h 2508786"/>
+              <a:gd name="connsiteX5" fmla="*/ 360586 w 1363957"/>
+              <a:gd name="connsiteY5" fmla="*/ 1787510 h 2508786"/>
+              <a:gd name="connsiteX6" fmla="*/ 580074 w 1363957"/>
+              <a:gd name="connsiteY6" fmla="*/ 1803190 h 2508786"/>
+              <a:gd name="connsiteX7" fmla="*/ 564396 w 1363957"/>
+              <a:gd name="connsiteY7" fmla="*/ 1379832 h 2508786"/>
+              <a:gd name="connsiteX8" fmla="*/ 736850 w 1363957"/>
+              <a:gd name="connsiteY8" fmla="*/ 1360392 h 2508786"/>
+              <a:gd name="connsiteX9" fmla="*/ 752528 w 1363957"/>
+              <a:gd name="connsiteY9" fmla="*/ 344958 h 2508786"/>
+              <a:gd name="connsiteX10" fmla="*/ 595751 w 1363957"/>
+              <a:gd name="connsiteY10" fmla="*/ 376318 h 2508786"/>
+              <a:gd name="connsiteX11" fmla="*/ 580074 w 1363957"/>
+              <a:gd name="connsiteY11" fmla="*/ 0 h 2508786"/>
+              <a:gd name="connsiteX12" fmla="*/ 1348279 w 1363957"/>
+              <a:gd name="connsiteY12" fmla="*/ 15680 h 2508786"/>
+              <a:gd name="connsiteX13" fmla="*/ 1363957 w 1363957"/>
+              <a:gd name="connsiteY13" fmla="*/ 2493106 h 2508786"/>
+              <a:gd name="connsiteX14" fmla="*/ 0 w 1363957"/>
+              <a:gd name="connsiteY14" fmla="*/ 2508786 h 2508786"/>
+              <a:gd name="connsiteX0" fmla="*/ 0 w 1363957"/>
+              <a:gd name="connsiteY0" fmla="*/ 2508786 h 2508786"/>
+              <a:gd name="connsiteX1" fmla="*/ 0 w 1363957"/>
+              <a:gd name="connsiteY1" fmla="*/ 2210869 h 2508786"/>
+              <a:gd name="connsiteX2" fmla="*/ 206321 w 1363957"/>
+              <a:gd name="connsiteY2" fmla="*/ 2203655 h 2508786"/>
+              <a:gd name="connsiteX3" fmla="*/ 203810 w 1363957"/>
+              <a:gd name="connsiteY3" fmla="*/ 1991349 h 2508786"/>
+              <a:gd name="connsiteX4" fmla="*/ 360586 w 1363957"/>
+              <a:gd name="connsiteY4" fmla="*/ 1991349 h 2508786"/>
+              <a:gd name="connsiteX5" fmla="*/ 360586 w 1363957"/>
+              <a:gd name="connsiteY5" fmla="*/ 1787510 h 2508786"/>
+              <a:gd name="connsiteX6" fmla="*/ 580074 w 1363957"/>
+              <a:gd name="connsiteY6" fmla="*/ 1803190 h 2508786"/>
+              <a:gd name="connsiteX7" fmla="*/ 564396 w 1363957"/>
+              <a:gd name="connsiteY7" fmla="*/ 1379832 h 2508786"/>
+              <a:gd name="connsiteX8" fmla="*/ 736850 w 1363957"/>
+              <a:gd name="connsiteY8" fmla="*/ 1360392 h 2508786"/>
+              <a:gd name="connsiteX9" fmla="*/ 752528 w 1363957"/>
+              <a:gd name="connsiteY9" fmla="*/ 387291 h 2508786"/>
+              <a:gd name="connsiteX10" fmla="*/ 595751 w 1363957"/>
+              <a:gd name="connsiteY10" fmla="*/ 376318 h 2508786"/>
+              <a:gd name="connsiteX11" fmla="*/ 580074 w 1363957"/>
+              <a:gd name="connsiteY11" fmla="*/ 0 h 2508786"/>
+              <a:gd name="connsiteX12" fmla="*/ 1348279 w 1363957"/>
+              <a:gd name="connsiteY12" fmla="*/ 15680 h 2508786"/>
+              <a:gd name="connsiteX13" fmla="*/ 1363957 w 1363957"/>
+              <a:gd name="connsiteY13" fmla="*/ 2493106 h 2508786"/>
+              <a:gd name="connsiteX14" fmla="*/ 0 w 1363957"/>
+              <a:gd name="connsiteY14" fmla="*/ 2508786 h 2508786"/>
+              <a:gd name="connsiteX0" fmla="*/ 0 w 1363957"/>
+              <a:gd name="connsiteY0" fmla="*/ 2508786 h 2508786"/>
+              <a:gd name="connsiteX1" fmla="*/ 0 w 1363957"/>
+              <a:gd name="connsiteY1" fmla="*/ 2210869 h 2508786"/>
+              <a:gd name="connsiteX2" fmla="*/ 206321 w 1363957"/>
+              <a:gd name="connsiteY2" fmla="*/ 2203655 h 2508786"/>
+              <a:gd name="connsiteX3" fmla="*/ 203810 w 1363957"/>
+              <a:gd name="connsiteY3" fmla="*/ 1991349 h 2508786"/>
+              <a:gd name="connsiteX4" fmla="*/ 360586 w 1363957"/>
+              <a:gd name="connsiteY4" fmla="*/ 1991349 h 2508786"/>
+              <a:gd name="connsiteX5" fmla="*/ 360586 w 1363957"/>
+              <a:gd name="connsiteY5" fmla="*/ 1787510 h 2508786"/>
+              <a:gd name="connsiteX6" fmla="*/ 580074 w 1363957"/>
+              <a:gd name="connsiteY6" fmla="*/ 1803190 h 2508786"/>
+              <a:gd name="connsiteX7" fmla="*/ 564396 w 1363957"/>
+              <a:gd name="connsiteY7" fmla="*/ 1379832 h 2508786"/>
+              <a:gd name="connsiteX8" fmla="*/ 736850 w 1363957"/>
+              <a:gd name="connsiteY8" fmla="*/ 1360392 h 2508786"/>
+              <a:gd name="connsiteX9" fmla="*/ 760994 w 1363957"/>
+              <a:gd name="connsiteY9" fmla="*/ 378825 h 2508786"/>
+              <a:gd name="connsiteX10" fmla="*/ 595751 w 1363957"/>
+              <a:gd name="connsiteY10" fmla="*/ 376318 h 2508786"/>
+              <a:gd name="connsiteX11" fmla="*/ 580074 w 1363957"/>
+              <a:gd name="connsiteY11" fmla="*/ 0 h 2508786"/>
+              <a:gd name="connsiteX12" fmla="*/ 1348279 w 1363957"/>
+              <a:gd name="connsiteY12" fmla="*/ 15680 h 2508786"/>
+              <a:gd name="connsiteX13" fmla="*/ 1363957 w 1363957"/>
+              <a:gd name="connsiteY13" fmla="*/ 2493106 h 2508786"/>
+              <a:gd name="connsiteX14" fmla="*/ 0 w 1363957"/>
+              <a:gd name="connsiteY14" fmla="*/ 2508786 h 2508786"/>
+              <a:gd name="connsiteX0" fmla="*/ 0 w 1363957"/>
+              <a:gd name="connsiteY0" fmla="*/ 2493106 h 2493106"/>
+              <a:gd name="connsiteX1" fmla="*/ 0 w 1363957"/>
+              <a:gd name="connsiteY1" fmla="*/ 2195189 h 2493106"/>
+              <a:gd name="connsiteX2" fmla="*/ 206321 w 1363957"/>
+              <a:gd name="connsiteY2" fmla="*/ 2187975 h 2493106"/>
+              <a:gd name="connsiteX3" fmla="*/ 203810 w 1363957"/>
+              <a:gd name="connsiteY3" fmla="*/ 1975669 h 2493106"/>
+              <a:gd name="connsiteX4" fmla="*/ 360586 w 1363957"/>
+              <a:gd name="connsiteY4" fmla="*/ 1975669 h 2493106"/>
+              <a:gd name="connsiteX5" fmla="*/ 360586 w 1363957"/>
+              <a:gd name="connsiteY5" fmla="*/ 1771830 h 2493106"/>
+              <a:gd name="connsiteX6" fmla="*/ 580074 w 1363957"/>
+              <a:gd name="connsiteY6" fmla="*/ 1787510 h 2493106"/>
+              <a:gd name="connsiteX7" fmla="*/ 564396 w 1363957"/>
+              <a:gd name="connsiteY7" fmla="*/ 1364152 h 2493106"/>
+              <a:gd name="connsiteX8" fmla="*/ 736850 w 1363957"/>
+              <a:gd name="connsiteY8" fmla="*/ 1344712 h 2493106"/>
+              <a:gd name="connsiteX9" fmla="*/ 760994 w 1363957"/>
+              <a:gd name="connsiteY9" fmla="*/ 363145 h 2493106"/>
+              <a:gd name="connsiteX10" fmla="*/ 595751 w 1363957"/>
+              <a:gd name="connsiteY10" fmla="*/ 360638 h 2493106"/>
+              <a:gd name="connsiteX11" fmla="*/ 580074 w 1363957"/>
+              <a:gd name="connsiteY11" fmla="*/ 18186 h 2493106"/>
+              <a:gd name="connsiteX12" fmla="*/ 1348279 w 1363957"/>
+              <a:gd name="connsiteY12" fmla="*/ 0 h 2493106"/>
+              <a:gd name="connsiteX13" fmla="*/ 1363957 w 1363957"/>
+              <a:gd name="connsiteY13" fmla="*/ 2477426 h 2493106"/>
+              <a:gd name="connsiteX14" fmla="*/ 0 w 1363957"/>
+              <a:gd name="connsiteY14" fmla="*/ 2493106 h 2493106"/>
+              <a:gd name="connsiteX0" fmla="*/ 0 w 1363957"/>
+              <a:gd name="connsiteY0" fmla="*/ 2508786 h 2508786"/>
+              <a:gd name="connsiteX1" fmla="*/ 0 w 1363957"/>
+              <a:gd name="connsiteY1" fmla="*/ 2210869 h 2508786"/>
+              <a:gd name="connsiteX2" fmla="*/ 206321 w 1363957"/>
+              <a:gd name="connsiteY2" fmla="*/ 2203655 h 2508786"/>
+              <a:gd name="connsiteX3" fmla="*/ 203810 w 1363957"/>
+              <a:gd name="connsiteY3" fmla="*/ 1991349 h 2508786"/>
+              <a:gd name="connsiteX4" fmla="*/ 360586 w 1363957"/>
+              <a:gd name="connsiteY4" fmla="*/ 1991349 h 2508786"/>
+              <a:gd name="connsiteX5" fmla="*/ 360586 w 1363957"/>
+              <a:gd name="connsiteY5" fmla="*/ 1787510 h 2508786"/>
+              <a:gd name="connsiteX6" fmla="*/ 580074 w 1363957"/>
+              <a:gd name="connsiteY6" fmla="*/ 1803190 h 2508786"/>
+              <a:gd name="connsiteX7" fmla="*/ 564396 w 1363957"/>
+              <a:gd name="connsiteY7" fmla="*/ 1379832 h 2508786"/>
+              <a:gd name="connsiteX8" fmla="*/ 736850 w 1363957"/>
+              <a:gd name="connsiteY8" fmla="*/ 1360392 h 2508786"/>
+              <a:gd name="connsiteX9" fmla="*/ 760994 w 1363957"/>
+              <a:gd name="connsiteY9" fmla="*/ 378825 h 2508786"/>
+              <a:gd name="connsiteX10" fmla="*/ 595751 w 1363957"/>
+              <a:gd name="connsiteY10" fmla="*/ 376318 h 2508786"/>
+              <a:gd name="connsiteX11" fmla="*/ 580074 w 1363957"/>
+              <a:gd name="connsiteY11" fmla="*/ 0 h 2508786"/>
+              <a:gd name="connsiteX12" fmla="*/ 1348279 w 1363957"/>
+              <a:gd name="connsiteY12" fmla="*/ 15680 h 2508786"/>
+              <a:gd name="connsiteX13" fmla="*/ 1363957 w 1363957"/>
+              <a:gd name="connsiteY13" fmla="*/ 2493106 h 2508786"/>
+              <a:gd name="connsiteX14" fmla="*/ 0 w 1363957"/>
+              <a:gd name="connsiteY14" fmla="*/ 2508786 h 2508786"/>
+              <a:gd name="connsiteX0" fmla="*/ 0 w 1363957"/>
+              <a:gd name="connsiteY0" fmla="*/ 2518506 h 2518506"/>
+              <a:gd name="connsiteX1" fmla="*/ 0 w 1363957"/>
+              <a:gd name="connsiteY1" fmla="*/ 2220589 h 2518506"/>
+              <a:gd name="connsiteX2" fmla="*/ 206321 w 1363957"/>
+              <a:gd name="connsiteY2" fmla="*/ 2213375 h 2518506"/>
+              <a:gd name="connsiteX3" fmla="*/ 203810 w 1363957"/>
+              <a:gd name="connsiteY3" fmla="*/ 2001069 h 2518506"/>
+              <a:gd name="connsiteX4" fmla="*/ 360586 w 1363957"/>
+              <a:gd name="connsiteY4" fmla="*/ 2001069 h 2518506"/>
+              <a:gd name="connsiteX5" fmla="*/ 360586 w 1363957"/>
+              <a:gd name="connsiteY5" fmla="*/ 1797230 h 2518506"/>
+              <a:gd name="connsiteX6" fmla="*/ 580074 w 1363957"/>
+              <a:gd name="connsiteY6" fmla="*/ 1812910 h 2518506"/>
+              <a:gd name="connsiteX7" fmla="*/ 564396 w 1363957"/>
+              <a:gd name="connsiteY7" fmla="*/ 1389552 h 2518506"/>
+              <a:gd name="connsiteX8" fmla="*/ 736850 w 1363957"/>
+              <a:gd name="connsiteY8" fmla="*/ 1370112 h 2518506"/>
+              <a:gd name="connsiteX9" fmla="*/ 760994 w 1363957"/>
+              <a:gd name="connsiteY9" fmla="*/ 388545 h 2518506"/>
+              <a:gd name="connsiteX10" fmla="*/ 595751 w 1363957"/>
+              <a:gd name="connsiteY10" fmla="*/ 386038 h 2518506"/>
+              <a:gd name="connsiteX11" fmla="*/ 580074 w 1363957"/>
+              <a:gd name="connsiteY11" fmla="*/ 9720 h 2518506"/>
+              <a:gd name="connsiteX12" fmla="*/ 1348279 w 1363957"/>
+              <a:gd name="connsiteY12" fmla="*/ 0 h 2518506"/>
+              <a:gd name="connsiteX13" fmla="*/ 1363957 w 1363957"/>
+              <a:gd name="connsiteY13" fmla="*/ 2502826 h 2518506"/>
+              <a:gd name="connsiteX14" fmla="*/ 0 w 1363957"/>
+              <a:gd name="connsiteY14" fmla="*/ 2518506 h 2518506"/>
+              <a:gd name="connsiteX0" fmla="*/ 0 w 1363957"/>
+              <a:gd name="connsiteY0" fmla="*/ 2518506 h 2518506"/>
+              <a:gd name="connsiteX1" fmla="*/ 0 w 1363957"/>
+              <a:gd name="connsiteY1" fmla="*/ 2220589 h 2518506"/>
+              <a:gd name="connsiteX2" fmla="*/ 206321 w 1363957"/>
+              <a:gd name="connsiteY2" fmla="*/ 2213375 h 2518506"/>
+              <a:gd name="connsiteX3" fmla="*/ 203810 w 1363957"/>
+              <a:gd name="connsiteY3" fmla="*/ 2001069 h 2518506"/>
+              <a:gd name="connsiteX4" fmla="*/ 360586 w 1363957"/>
+              <a:gd name="connsiteY4" fmla="*/ 2001069 h 2518506"/>
+              <a:gd name="connsiteX5" fmla="*/ 360586 w 1363957"/>
+              <a:gd name="connsiteY5" fmla="*/ 1797230 h 2518506"/>
+              <a:gd name="connsiteX6" fmla="*/ 580074 w 1363957"/>
+              <a:gd name="connsiteY6" fmla="*/ 1812910 h 2518506"/>
+              <a:gd name="connsiteX7" fmla="*/ 564396 w 1363957"/>
+              <a:gd name="connsiteY7" fmla="*/ 1389552 h 2518506"/>
+              <a:gd name="connsiteX8" fmla="*/ 736850 w 1363957"/>
+              <a:gd name="connsiteY8" fmla="*/ 1243112 h 2518506"/>
+              <a:gd name="connsiteX9" fmla="*/ 760994 w 1363957"/>
+              <a:gd name="connsiteY9" fmla="*/ 388545 h 2518506"/>
+              <a:gd name="connsiteX10" fmla="*/ 595751 w 1363957"/>
+              <a:gd name="connsiteY10" fmla="*/ 386038 h 2518506"/>
+              <a:gd name="connsiteX11" fmla="*/ 580074 w 1363957"/>
+              <a:gd name="connsiteY11" fmla="*/ 9720 h 2518506"/>
+              <a:gd name="connsiteX12" fmla="*/ 1348279 w 1363957"/>
+              <a:gd name="connsiteY12" fmla="*/ 0 h 2518506"/>
+              <a:gd name="connsiteX13" fmla="*/ 1363957 w 1363957"/>
+              <a:gd name="connsiteY13" fmla="*/ 2502826 h 2518506"/>
+              <a:gd name="connsiteX14" fmla="*/ 0 w 1363957"/>
+              <a:gd name="connsiteY14" fmla="*/ 2518506 h 2518506"/>
+              <a:gd name="connsiteX0" fmla="*/ 0 w 1363957"/>
+              <a:gd name="connsiteY0" fmla="*/ 2518506 h 2518506"/>
+              <a:gd name="connsiteX1" fmla="*/ 0 w 1363957"/>
+              <a:gd name="connsiteY1" fmla="*/ 2220589 h 2518506"/>
+              <a:gd name="connsiteX2" fmla="*/ 206321 w 1363957"/>
+              <a:gd name="connsiteY2" fmla="*/ 2213375 h 2518506"/>
+              <a:gd name="connsiteX3" fmla="*/ 203810 w 1363957"/>
+              <a:gd name="connsiteY3" fmla="*/ 2001069 h 2518506"/>
+              <a:gd name="connsiteX4" fmla="*/ 360586 w 1363957"/>
+              <a:gd name="connsiteY4" fmla="*/ 2001069 h 2518506"/>
+              <a:gd name="connsiteX5" fmla="*/ 360586 w 1363957"/>
+              <a:gd name="connsiteY5" fmla="*/ 1797230 h 2518506"/>
+              <a:gd name="connsiteX6" fmla="*/ 567374 w 1363957"/>
+              <a:gd name="connsiteY6" fmla="*/ 1647810 h 2518506"/>
+              <a:gd name="connsiteX7" fmla="*/ 564396 w 1363957"/>
+              <a:gd name="connsiteY7" fmla="*/ 1389552 h 2518506"/>
+              <a:gd name="connsiteX8" fmla="*/ 736850 w 1363957"/>
+              <a:gd name="connsiteY8" fmla="*/ 1243112 h 2518506"/>
+              <a:gd name="connsiteX9" fmla="*/ 760994 w 1363957"/>
+              <a:gd name="connsiteY9" fmla="*/ 388545 h 2518506"/>
+              <a:gd name="connsiteX10" fmla="*/ 595751 w 1363957"/>
+              <a:gd name="connsiteY10" fmla="*/ 386038 h 2518506"/>
+              <a:gd name="connsiteX11" fmla="*/ 580074 w 1363957"/>
+              <a:gd name="connsiteY11" fmla="*/ 9720 h 2518506"/>
+              <a:gd name="connsiteX12" fmla="*/ 1348279 w 1363957"/>
+              <a:gd name="connsiteY12" fmla="*/ 0 h 2518506"/>
+              <a:gd name="connsiteX13" fmla="*/ 1363957 w 1363957"/>
+              <a:gd name="connsiteY13" fmla="*/ 2502826 h 2518506"/>
+              <a:gd name="connsiteX14" fmla="*/ 0 w 1363957"/>
+              <a:gd name="connsiteY14" fmla="*/ 2518506 h 2518506"/>
+              <a:gd name="connsiteX0" fmla="*/ 0 w 1363957"/>
+              <a:gd name="connsiteY0" fmla="*/ 2518506 h 2518506"/>
+              <a:gd name="connsiteX1" fmla="*/ 0 w 1363957"/>
+              <a:gd name="connsiteY1" fmla="*/ 2220589 h 2518506"/>
+              <a:gd name="connsiteX2" fmla="*/ 206321 w 1363957"/>
+              <a:gd name="connsiteY2" fmla="*/ 2213375 h 2518506"/>
+              <a:gd name="connsiteX3" fmla="*/ 203810 w 1363957"/>
+              <a:gd name="connsiteY3" fmla="*/ 2001069 h 2518506"/>
+              <a:gd name="connsiteX4" fmla="*/ 322486 w 1363957"/>
+              <a:gd name="connsiteY4" fmla="*/ 1950269 h 2518506"/>
+              <a:gd name="connsiteX5" fmla="*/ 360586 w 1363957"/>
+              <a:gd name="connsiteY5" fmla="*/ 1797230 h 2518506"/>
+              <a:gd name="connsiteX6" fmla="*/ 567374 w 1363957"/>
+              <a:gd name="connsiteY6" fmla="*/ 1647810 h 2518506"/>
+              <a:gd name="connsiteX7" fmla="*/ 564396 w 1363957"/>
+              <a:gd name="connsiteY7" fmla="*/ 1389552 h 2518506"/>
+              <a:gd name="connsiteX8" fmla="*/ 736850 w 1363957"/>
+              <a:gd name="connsiteY8" fmla="*/ 1243112 h 2518506"/>
+              <a:gd name="connsiteX9" fmla="*/ 760994 w 1363957"/>
+              <a:gd name="connsiteY9" fmla="*/ 388545 h 2518506"/>
+              <a:gd name="connsiteX10" fmla="*/ 595751 w 1363957"/>
+              <a:gd name="connsiteY10" fmla="*/ 386038 h 2518506"/>
+              <a:gd name="connsiteX11" fmla="*/ 580074 w 1363957"/>
+              <a:gd name="connsiteY11" fmla="*/ 9720 h 2518506"/>
+              <a:gd name="connsiteX12" fmla="*/ 1348279 w 1363957"/>
+              <a:gd name="connsiteY12" fmla="*/ 0 h 2518506"/>
+              <a:gd name="connsiteX13" fmla="*/ 1363957 w 1363957"/>
+              <a:gd name="connsiteY13" fmla="*/ 2502826 h 2518506"/>
+              <a:gd name="connsiteX14" fmla="*/ 0 w 1363957"/>
+              <a:gd name="connsiteY14" fmla="*/ 2518506 h 2518506"/>
+              <a:gd name="connsiteX0" fmla="*/ 0 w 1363957"/>
+              <a:gd name="connsiteY0" fmla="*/ 2518506 h 2518506"/>
+              <a:gd name="connsiteX1" fmla="*/ 0 w 1363957"/>
+              <a:gd name="connsiteY1" fmla="*/ 2220589 h 2518506"/>
+              <a:gd name="connsiteX2" fmla="*/ 193621 w 1363957"/>
+              <a:gd name="connsiteY2" fmla="*/ 2124475 h 2518506"/>
+              <a:gd name="connsiteX3" fmla="*/ 203810 w 1363957"/>
+              <a:gd name="connsiteY3" fmla="*/ 2001069 h 2518506"/>
+              <a:gd name="connsiteX4" fmla="*/ 322486 w 1363957"/>
+              <a:gd name="connsiteY4" fmla="*/ 1950269 h 2518506"/>
+              <a:gd name="connsiteX5" fmla="*/ 360586 w 1363957"/>
+              <a:gd name="connsiteY5" fmla="*/ 1797230 h 2518506"/>
+              <a:gd name="connsiteX6" fmla="*/ 567374 w 1363957"/>
+              <a:gd name="connsiteY6" fmla="*/ 1647810 h 2518506"/>
+              <a:gd name="connsiteX7" fmla="*/ 564396 w 1363957"/>
+              <a:gd name="connsiteY7" fmla="*/ 1389552 h 2518506"/>
+              <a:gd name="connsiteX8" fmla="*/ 736850 w 1363957"/>
+              <a:gd name="connsiteY8" fmla="*/ 1243112 h 2518506"/>
+              <a:gd name="connsiteX9" fmla="*/ 760994 w 1363957"/>
+              <a:gd name="connsiteY9" fmla="*/ 388545 h 2518506"/>
+              <a:gd name="connsiteX10" fmla="*/ 595751 w 1363957"/>
+              <a:gd name="connsiteY10" fmla="*/ 386038 h 2518506"/>
+              <a:gd name="connsiteX11" fmla="*/ 580074 w 1363957"/>
+              <a:gd name="connsiteY11" fmla="*/ 9720 h 2518506"/>
+              <a:gd name="connsiteX12" fmla="*/ 1348279 w 1363957"/>
+              <a:gd name="connsiteY12" fmla="*/ 0 h 2518506"/>
+              <a:gd name="connsiteX13" fmla="*/ 1363957 w 1363957"/>
+              <a:gd name="connsiteY13" fmla="*/ 2502826 h 2518506"/>
+              <a:gd name="connsiteX14" fmla="*/ 0 w 1363957"/>
+              <a:gd name="connsiteY14" fmla="*/ 2518506 h 2518506"/>
+              <a:gd name="connsiteX0" fmla="*/ 0 w 1363957"/>
+              <a:gd name="connsiteY0" fmla="*/ 2518506 h 2518506"/>
+              <a:gd name="connsiteX1" fmla="*/ 0 w 1363957"/>
+              <a:gd name="connsiteY1" fmla="*/ 2220589 h 2518506"/>
+              <a:gd name="connsiteX2" fmla="*/ 193621 w 1363957"/>
+              <a:gd name="connsiteY2" fmla="*/ 2124475 h 2518506"/>
+              <a:gd name="connsiteX3" fmla="*/ 203810 w 1363957"/>
+              <a:gd name="connsiteY3" fmla="*/ 2001069 h 2518506"/>
+              <a:gd name="connsiteX4" fmla="*/ 322486 w 1363957"/>
+              <a:gd name="connsiteY4" fmla="*/ 1950269 h 2518506"/>
+              <a:gd name="connsiteX5" fmla="*/ 360586 w 1363957"/>
+              <a:gd name="connsiteY5" fmla="*/ 1797230 h 2518506"/>
+              <a:gd name="connsiteX6" fmla="*/ 567374 w 1363957"/>
+              <a:gd name="connsiteY6" fmla="*/ 1647810 h 2518506"/>
+              <a:gd name="connsiteX7" fmla="*/ 564396 w 1363957"/>
+              <a:gd name="connsiteY7" fmla="*/ 1389552 h 2518506"/>
+              <a:gd name="connsiteX8" fmla="*/ 736850 w 1363957"/>
+              <a:gd name="connsiteY8" fmla="*/ 1243112 h 2518506"/>
+              <a:gd name="connsiteX9" fmla="*/ 735594 w 1363957"/>
+              <a:gd name="connsiteY9" fmla="*/ 528245 h 2518506"/>
+              <a:gd name="connsiteX10" fmla="*/ 595751 w 1363957"/>
+              <a:gd name="connsiteY10" fmla="*/ 386038 h 2518506"/>
+              <a:gd name="connsiteX11" fmla="*/ 580074 w 1363957"/>
+              <a:gd name="connsiteY11" fmla="*/ 9720 h 2518506"/>
+              <a:gd name="connsiteX12" fmla="*/ 1348279 w 1363957"/>
+              <a:gd name="connsiteY12" fmla="*/ 0 h 2518506"/>
+              <a:gd name="connsiteX13" fmla="*/ 1363957 w 1363957"/>
+              <a:gd name="connsiteY13" fmla="*/ 2502826 h 2518506"/>
+              <a:gd name="connsiteX14" fmla="*/ 0 w 1363957"/>
+              <a:gd name="connsiteY14" fmla="*/ 2518506 h 2518506"/>
+              <a:gd name="connsiteX0" fmla="*/ 0 w 1363957"/>
+              <a:gd name="connsiteY0" fmla="*/ 2518506 h 2518506"/>
+              <a:gd name="connsiteX1" fmla="*/ 0 w 1363957"/>
+              <a:gd name="connsiteY1" fmla="*/ 2220589 h 2518506"/>
+              <a:gd name="connsiteX2" fmla="*/ 193621 w 1363957"/>
+              <a:gd name="connsiteY2" fmla="*/ 2124475 h 2518506"/>
+              <a:gd name="connsiteX3" fmla="*/ 203810 w 1363957"/>
+              <a:gd name="connsiteY3" fmla="*/ 2001069 h 2518506"/>
+              <a:gd name="connsiteX4" fmla="*/ 322486 w 1363957"/>
+              <a:gd name="connsiteY4" fmla="*/ 1950269 h 2518506"/>
+              <a:gd name="connsiteX5" fmla="*/ 360586 w 1363957"/>
+              <a:gd name="connsiteY5" fmla="*/ 1797230 h 2518506"/>
+              <a:gd name="connsiteX6" fmla="*/ 567374 w 1363957"/>
+              <a:gd name="connsiteY6" fmla="*/ 1647810 h 2518506"/>
+              <a:gd name="connsiteX7" fmla="*/ 615196 w 1363957"/>
+              <a:gd name="connsiteY7" fmla="*/ 1414952 h 2518506"/>
+              <a:gd name="connsiteX8" fmla="*/ 736850 w 1363957"/>
+              <a:gd name="connsiteY8" fmla="*/ 1243112 h 2518506"/>
+              <a:gd name="connsiteX9" fmla="*/ 735594 w 1363957"/>
+              <a:gd name="connsiteY9" fmla="*/ 528245 h 2518506"/>
+              <a:gd name="connsiteX10" fmla="*/ 595751 w 1363957"/>
+              <a:gd name="connsiteY10" fmla="*/ 386038 h 2518506"/>
+              <a:gd name="connsiteX11" fmla="*/ 580074 w 1363957"/>
+              <a:gd name="connsiteY11" fmla="*/ 9720 h 2518506"/>
+              <a:gd name="connsiteX12" fmla="*/ 1348279 w 1363957"/>
+              <a:gd name="connsiteY12" fmla="*/ 0 h 2518506"/>
+              <a:gd name="connsiteX13" fmla="*/ 1363957 w 1363957"/>
+              <a:gd name="connsiteY13" fmla="*/ 2502826 h 2518506"/>
+              <a:gd name="connsiteX14" fmla="*/ 0 w 1363957"/>
+              <a:gd name="connsiteY14" fmla="*/ 2518506 h 2518506"/>
+              <a:gd name="connsiteX0" fmla="*/ 0 w 1363957"/>
+              <a:gd name="connsiteY0" fmla="*/ 2518506 h 2518506"/>
+              <a:gd name="connsiteX1" fmla="*/ 0 w 1363957"/>
+              <a:gd name="connsiteY1" fmla="*/ 2220589 h 2518506"/>
+              <a:gd name="connsiteX2" fmla="*/ 193621 w 1363957"/>
+              <a:gd name="connsiteY2" fmla="*/ 2124475 h 2518506"/>
+              <a:gd name="connsiteX3" fmla="*/ 203810 w 1363957"/>
+              <a:gd name="connsiteY3" fmla="*/ 2001069 h 2518506"/>
+              <a:gd name="connsiteX4" fmla="*/ 322486 w 1363957"/>
+              <a:gd name="connsiteY4" fmla="*/ 1950269 h 2518506"/>
+              <a:gd name="connsiteX5" fmla="*/ 360586 w 1363957"/>
+              <a:gd name="connsiteY5" fmla="*/ 1797230 h 2518506"/>
+              <a:gd name="connsiteX6" fmla="*/ 516574 w 1363957"/>
+              <a:gd name="connsiteY6" fmla="*/ 1609710 h 2518506"/>
+              <a:gd name="connsiteX7" fmla="*/ 615196 w 1363957"/>
+              <a:gd name="connsiteY7" fmla="*/ 1414952 h 2518506"/>
+              <a:gd name="connsiteX8" fmla="*/ 736850 w 1363957"/>
+              <a:gd name="connsiteY8" fmla="*/ 1243112 h 2518506"/>
+              <a:gd name="connsiteX9" fmla="*/ 735594 w 1363957"/>
+              <a:gd name="connsiteY9" fmla="*/ 528245 h 2518506"/>
+              <a:gd name="connsiteX10" fmla="*/ 595751 w 1363957"/>
+              <a:gd name="connsiteY10" fmla="*/ 386038 h 2518506"/>
+              <a:gd name="connsiteX11" fmla="*/ 580074 w 1363957"/>
+              <a:gd name="connsiteY11" fmla="*/ 9720 h 2518506"/>
+              <a:gd name="connsiteX12" fmla="*/ 1348279 w 1363957"/>
+              <a:gd name="connsiteY12" fmla="*/ 0 h 2518506"/>
+              <a:gd name="connsiteX13" fmla="*/ 1363957 w 1363957"/>
+              <a:gd name="connsiteY13" fmla="*/ 2502826 h 2518506"/>
+              <a:gd name="connsiteX14" fmla="*/ 0 w 1363957"/>
+              <a:gd name="connsiteY14" fmla="*/ 2518506 h 2518506"/>
+              <a:gd name="connsiteX0" fmla="*/ 0 w 1363957"/>
+              <a:gd name="connsiteY0" fmla="*/ 2518506 h 2518506"/>
+              <a:gd name="connsiteX1" fmla="*/ 0 w 1363957"/>
+              <a:gd name="connsiteY1" fmla="*/ 2220589 h 2518506"/>
+              <a:gd name="connsiteX2" fmla="*/ 193621 w 1363957"/>
+              <a:gd name="connsiteY2" fmla="*/ 2124475 h 2518506"/>
+              <a:gd name="connsiteX3" fmla="*/ 241910 w 1363957"/>
+              <a:gd name="connsiteY3" fmla="*/ 2039169 h 2518506"/>
+              <a:gd name="connsiteX4" fmla="*/ 322486 w 1363957"/>
+              <a:gd name="connsiteY4" fmla="*/ 1950269 h 2518506"/>
+              <a:gd name="connsiteX5" fmla="*/ 360586 w 1363957"/>
+              <a:gd name="connsiteY5" fmla="*/ 1797230 h 2518506"/>
+              <a:gd name="connsiteX6" fmla="*/ 516574 w 1363957"/>
+              <a:gd name="connsiteY6" fmla="*/ 1609710 h 2518506"/>
+              <a:gd name="connsiteX7" fmla="*/ 615196 w 1363957"/>
+              <a:gd name="connsiteY7" fmla="*/ 1414952 h 2518506"/>
+              <a:gd name="connsiteX8" fmla="*/ 736850 w 1363957"/>
+              <a:gd name="connsiteY8" fmla="*/ 1243112 h 2518506"/>
+              <a:gd name="connsiteX9" fmla="*/ 735594 w 1363957"/>
+              <a:gd name="connsiteY9" fmla="*/ 528245 h 2518506"/>
+              <a:gd name="connsiteX10" fmla="*/ 595751 w 1363957"/>
+              <a:gd name="connsiteY10" fmla="*/ 386038 h 2518506"/>
+              <a:gd name="connsiteX11" fmla="*/ 580074 w 1363957"/>
+              <a:gd name="connsiteY11" fmla="*/ 9720 h 2518506"/>
+              <a:gd name="connsiteX12" fmla="*/ 1348279 w 1363957"/>
+              <a:gd name="connsiteY12" fmla="*/ 0 h 2518506"/>
+              <a:gd name="connsiteX13" fmla="*/ 1363957 w 1363957"/>
+              <a:gd name="connsiteY13" fmla="*/ 2502826 h 2518506"/>
+              <a:gd name="connsiteX14" fmla="*/ 0 w 1363957"/>
+              <a:gd name="connsiteY14" fmla="*/ 2518506 h 2518506"/>
+            </a:gdLst>
+            <a:ahLst/>
+            <a:cxnLst>
+              <a:cxn ang="0">
+                <a:pos x="connsiteX0" y="connsiteY0"/>
+              </a:cxn>
+              <a:cxn ang="0">
+                <a:pos x="connsiteX1" y="connsiteY1"/>
+              </a:cxn>
+              <a:cxn ang="0">
+                <a:pos x="connsiteX2" y="connsiteY2"/>
+              </a:cxn>
+              <a:cxn ang="0">
+                <a:pos x="connsiteX3" y="connsiteY3"/>
+              </a:cxn>
+              <a:cxn ang="0">
+                <a:pos x="connsiteX4" y="connsiteY4"/>
+              </a:cxn>
+              <a:cxn ang="0">
+                <a:pos x="connsiteX5" y="connsiteY5"/>
+              </a:cxn>
+              <a:cxn ang="0">
+                <a:pos x="connsiteX6" y="connsiteY6"/>
+              </a:cxn>
+              <a:cxn ang="0">
+                <a:pos x="connsiteX7" y="connsiteY7"/>
+              </a:cxn>
+              <a:cxn ang="0">
+                <a:pos x="connsiteX8" y="connsiteY8"/>
+              </a:cxn>
+              <a:cxn ang="0">
+                <a:pos x="connsiteX9" y="connsiteY9"/>
+              </a:cxn>
+              <a:cxn ang="0">
+                <a:pos x="connsiteX10" y="connsiteY10"/>
+              </a:cxn>
+              <a:cxn ang="0">
+                <a:pos x="connsiteX11" y="connsiteY11"/>
+              </a:cxn>
+              <a:cxn ang="0">
+                <a:pos x="connsiteX12" y="connsiteY12"/>
+              </a:cxn>
+              <a:cxn ang="0">
+                <a:pos x="connsiteX13" y="connsiteY13"/>
+              </a:cxn>
+              <a:cxn ang="0">
+                <a:pos x="connsiteX14" y="connsiteY14"/>
+              </a:cxn>
+            </a:cxnLst>
+            <a:rect l="l" t="t" r="r" b="b"/>
+            <a:pathLst>
+              <a:path w="1363957" h="2518506">
+                <a:moveTo>
+                  <a:pt x="0" y="2518506"/>
+                </a:moveTo>
+                <a:lnTo>
+                  <a:pt x="0" y="2220589"/>
+                </a:lnTo>
+                <a:lnTo>
+                  <a:pt x="193621" y="2124475"/>
+                </a:lnTo>
+                <a:lnTo>
+                  <a:pt x="241910" y="2039169"/>
+                </a:lnTo>
+                <a:lnTo>
+                  <a:pt x="322486" y="1950269"/>
+                </a:lnTo>
+                <a:lnTo>
+                  <a:pt x="360586" y="1797230"/>
+                </a:lnTo>
+                <a:lnTo>
+                  <a:pt x="516574" y="1609710"/>
+                </a:lnTo>
+                <a:cubicBezTo>
+                  <a:pt x="515581" y="1523624"/>
+                  <a:pt x="616189" y="1501038"/>
+                  <a:pt x="615196" y="1414952"/>
+                </a:cubicBezTo>
+                <a:lnTo>
+                  <a:pt x="736850" y="1243112"/>
+                </a:lnTo>
+                <a:cubicBezTo>
+                  <a:pt x="736431" y="1004823"/>
+                  <a:pt x="736013" y="766534"/>
+                  <a:pt x="735594" y="528245"/>
+                </a:cubicBezTo>
+                <a:lnTo>
+                  <a:pt x="595751" y="386038"/>
+                </a:lnTo>
+                <a:lnTo>
+                  <a:pt x="580074" y="9720"/>
+                </a:lnTo>
+                <a:lnTo>
+                  <a:pt x="1348279" y="0"/>
+                </a:lnTo>
+                <a:lnTo>
+                  <a:pt x="1363957" y="2502826"/>
+                </a:lnTo>
+                <a:lnTo>
+                  <a:pt x="0" y="2518506"/>
+                </a:lnTo>
+                <a:close/>
+              </a:path>
+            </a:pathLst>
+          </a:custGeom>
+          <a:solidFill>
+            <a:srgbClr val="595959"/>
+          </a:solidFill>
+          <a:ln>
+            <a:solidFill>
+              <a:srgbClr val="000000"/>
+            </a:solidFill>
+          </a:ln>
+        </p:spPr>
+        <p:style>
+          <a:lnRef idx="1">
+            <a:schemeClr val="accent1"/>
+          </a:lnRef>
+          <a:fillRef idx="3">
+            <a:schemeClr val="accent1"/>
+          </a:fillRef>
+          <a:effectRef idx="2">
+            <a:schemeClr val="accent1"/>
+          </a:effectRef>
+          <a:fontRef idx="minor">
+            <a:schemeClr val="lt1"/>
+          </a:fontRef>
+        </p:style>
+        <p:txBody>
+          <a:bodyPr rtlCol="0" anchor="ctr"/>
+          <a:lstStyle/>
+          <a:p>
+            <a:pPr algn="ctr"/>
+            <a:endParaRPr lang="en-US"/>
+          </a:p>
+        </p:txBody>
+      </p:sp>
+      <p:sp>
+        <p:nvSpPr>
+          <p:cNvPr id="9" name="TextBox 8"/>
+          <p:cNvSpPr txBox="1"/>
+          <p:nvPr/>
+        </p:nvSpPr>
+        <p:spPr>
+          <a:xfrm>
+            <a:off x="1155700" y="3505200"/>
+            <a:ext cx="1570788" cy="369332"/>
+          </a:xfrm>
+          <a:prstGeom prst="rect">
+            <a:avLst/>
+          </a:prstGeom>
+          <a:noFill/>
+        </p:spPr>
+        <p:txBody>
+          <a:bodyPr wrap="none" rtlCol="0">
+            <a:spAutoFit/>
+          </a:bodyPr>
+          <a:lstStyle/>
+          <a:p>
+            <a:r>
+              <a:rPr lang="en-US" b="1" dirty="0" smtClean="0"/>
+              <a:t>Final structure</a:t>
+            </a:r>
+            <a:endParaRPr lang="en-US" b="1" dirty="0"/>
+          </a:p>
+        </p:txBody>
+      </p:sp>
+    </p:spTree>
+    <p:extLst>
+      <p:ext uri="{BB962C8B-B14F-4D97-AF65-F5344CB8AC3E}">
+        <p14:creationId xmlns:p14="http://schemas.microsoft.com/office/powerpoint/2010/main" val="547682896"/>
+      </p:ext>
+    </p:extLst>
+  </p:cSld>
+  <p:clrMapOvr>
+    <a:masterClrMapping/>
+  </p:clrMapOvr>
+</p:sld>
+</file>
+
+<file path=ppt/slides/slide2.xml><?xml version="1.0" encoding="utf-8"?>
+<p:sld xmlns:a="http://schemas.openxmlformats.org/drawingml/2006/main" xmlns:r="http://schemas.openxmlformats.org/officeDocument/2006/relationships" xmlns:p="http://schemas.openxmlformats.org/presentationml/2006/main">
+  <p:cSld>
+    <p:spTree>
+      <p:nvGrpSpPr>
+        <p:cNvPr id="1" name=""/>
+        <p:cNvGrpSpPr/>
+        <p:nvPr/>
+      </p:nvGrpSpPr>
+      <p:grpSpPr>
+        <a:xfrm>
+          <a:off x="0" y="0"/>
+          <a:ext cx="0" cy="0"/>
+          <a:chOff x="0" y="0"/>
+          <a:chExt cx="0" cy="0"/>
+        </a:xfrm>
+      </p:grpSpPr>
+      <p:sp>
+        <p:nvSpPr>
+          <p:cNvPr id="4" name="Rectangle 3"/>
+          <p:cNvSpPr/>
+          <p:nvPr/>
+        </p:nvSpPr>
+        <p:spPr>
+          <a:xfrm>
+            <a:off x="5067300" y="1511300"/>
+            <a:ext cx="1600200" cy="914400"/>
+          </a:xfrm>
+          <a:prstGeom prst="rect">
+            <a:avLst/>
+          </a:prstGeom>
+          <a:solidFill>
+            <a:schemeClr val="bg1">
+              <a:lumMod val="50000"/>
+            </a:schemeClr>
+          </a:solidFill>
+        </p:spPr>
+        <p:style>
+          <a:lnRef idx="1">
+            <a:schemeClr val="accent1"/>
+          </a:lnRef>
+          <a:fillRef idx="3">
+            <a:schemeClr val="accent1"/>
+          </a:fillRef>
+          <a:effectRef idx="2">
+            <a:schemeClr val="accent1"/>
+          </a:effectRef>
+          <a:fontRef idx="minor">
+            <a:schemeClr val="lt1"/>
+          </a:fontRef>
+        </p:style>
+        <p:txBody>
+          <a:bodyPr rtlCol="0" anchor="ctr"/>
+          <a:lstStyle/>
+          <a:p>
+            <a:pPr algn="ctr"/>
+            <a:r>
+              <a:rPr lang="en-US" b="1" dirty="0" smtClean="0"/>
+              <a:t>Unix/Linux</a:t>
+            </a:r>
+            <a:endParaRPr lang="en-US" b="1" dirty="0"/>
+          </a:p>
+        </p:txBody>
+      </p:sp>
+      <p:sp>
+        <p:nvSpPr>
+          <p:cNvPr id="5" name="Oval 4"/>
+          <p:cNvSpPr/>
+          <p:nvPr/>
+        </p:nvSpPr>
+        <p:spPr>
+          <a:xfrm>
+            <a:off x="5067300" y="2298700"/>
+            <a:ext cx="1460500" cy="1206500"/>
+          </a:xfrm>
+          <a:prstGeom prst="ellipse">
+            <a:avLst/>
+          </a:prstGeom>
+          <a:solidFill>
+            <a:srgbClr val="008000">
+              <a:alpha val="48000"/>
+            </a:srgbClr>
+          </a:solidFill>
+        </p:spPr>
+        <p:style>
+          <a:lnRef idx="1">
+            <a:schemeClr val="accent1"/>
+          </a:lnRef>
+          <a:fillRef idx="3">
+            <a:schemeClr val="accent1"/>
+          </a:fillRef>
+          <a:effectRef idx="2">
+            <a:schemeClr val="accent1"/>
+          </a:effectRef>
+          <a:fontRef idx="minor">
+            <a:schemeClr val="lt1"/>
+          </a:fontRef>
+        </p:style>
+        <p:txBody>
+          <a:bodyPr rtlCol="0" anchor="ctr"/>
+          <a:lstStyle/>
+          <a:p>
+            <a:pPr algn="ctr"/>
+            <a:r>
+              <a:rPr lang="en-US" dirty="0" smtClean="0"/>
+              <a:t>Compiler</a:t>
+            </a:r>
+            <a:endParaRPr lang="en-US" dirty="0"/>
+          </a:p>
+        </p:txBody>
+      </p:sp>
+      <p:sp>
+        <p:nvSpPr>
+          <p:cNvPr id="6" name="Diamond 5"/>
+          <p:cNvSpPr/>
+          <p:nvPr/>
+        </p:nvSpPr>
+        <p:spPr>
+          <a:xfrm>
+            <a:off x="4953000" y="3136900"/>
+            <a:ext cx="1778000" cy="1612900"/>
+          </a:xfrm>
+          <a:prstGeom prst="diamond">
+            <a:avLst/>
+          </a:prstGeom>
+          <a:solidFill>
+            <a:schemeClr val="accent2">
+              <a:alpha val="60000"/>
+            </a:schemeClr>
+          </a:solidFill>
+        </p:spPr>
+        <p:style>
+          <a:lnRef idx="1">
+            <a:schemeClr val="accent1"/>
+          </a:lnRef>
+          <a:fillRef idx="3">
+            <a:schemeClr val="accent1"/>
+          </a:fillRef>
+          <a:effectRef idx="2">
+            <a:schemeClr val="accent1"/>
+          </a:effectRef>
+          <a:fontRef idx="minor">
+            <a:schemeClr val="lt1"/>
+          </a:fontRef>
+        </p:style>
+        <p:txBody>
+          <a:bodyPr rtlCol="0" anchor="ctr"/>
+          <a:lstStyle/>
+          <a:p>
+            <a:pPr algn="ctr"/>
+            <a:r>
+              <a:rPr lang="en-US" b="1" dirty="0" smtClean="0"/>
+              <a:t>Make</a:t>
+            </a:r>
+            <a:endParaRPr lang="en-US" b="1" dirty="0"/>
+          </a:p>
+        </p:txBody>
+      </p:sp>
+    </p:spTree>
+    <p:extLst>
+      <p:ext uri="{BB962C8B-B14F-4D97-AF65-F5344CB8AC3E}">
+        <p14:creationId xmlns:p14="http://schemas.microsoft.com/office/powerpoint/2010/main" val="1241286585"/>
+      </p:ext>
+    </p:extLst>
+  </p:cSld>
+  <p:clrMapOvr>
+    <a:masterClrMapping/>
+  </p:clrMapOvr>
+</p:sld>
+</file>
+
+<file path=ppt/slides/slide3.xml><?xml version="1.0" encoding="utf-8"?>
+<p:sld xmlns:a="http://schemas.openxmlformats.org/drawingml/2006/main" xmlns:r="http://schemas.openxmlformats.org/officeDocument/2006/relationships" xmlns:p="http://schemas.openxmlformats.org/presentationml/2006/main">
+  <p:cSld>
+    <p:spTree>
+      <p:nvGrpSpPr>
+        <p:cNvPr id="1" name=""/>
+        <p:cNvGrpSpPr/>
+        <p:nvPr/>
+      </p:nvGrpSpPr>
+      <p:grpSpPr>
+        <a:xfrm>
+          <a:off x="0" y="0"/>
+          <a:ext cx="0" cy="0"/>
+          <a:chOff x="0" y="0"/>
+          <a:chExt cx="0" cy="0"/>
+        </a:xfrm>
+      </p:grpSpPr>
+      <p:sp>
+        <p:nvSpPr>
+          <p:cNvPr id="4" name="Rectangle 3"/>
+          <p:cNvSpPr/>
+          <p:nvPr/>
+        </p:nvSpPr>
+        <p:spPr>
+          <a:xfrm>
+            <a:off x="1302431" y="1993900"/>
+            <a:ext cx="6165169" cy="1447800"/>
+          </a:xfrm>
+          <a:prstGeom prst="rect">
+            <a:avLst/>
+          </a:prstGeom>
+        </p:spPr>
+        <p:style>
+          <a:lnRef idx="1">
+            <a:schemeClr val="accent1"/>
+          </a:lnRef>
+          <a:fillRef idx="3">
+            <a:schemeClr val="accent1"/>
+          </a:fillRef>
+          <a:effectRef idx="2">
+            <a:schemeClr val="accent1"/>
+          </a:effectRef>
+          <a:fontRef idx="minor">
+            <a:schemeClr val="lt1"/>
+          </a:fontRef>
+        </p:style>
+        <p:txBody>
+          <a:bodyPr rtlCol="0" anchor="ctr"/>
+          <a:lstStyle/>
+          <a:p>
+            <a:pPr algn="ctr"/>
+            <a:endParaRPr lang="en-US"/>
+          </a:p>
+        </p:txBody>
+      </p:sp>
+      <p:cxnSp>
+        <p:nvCxnSpPr>
+          <p:cNvPr id="6" name="Straight Connector 5"/>
+          <p:cNvCxnSpPr/>
+          <p:nvPr/>
+        </p:nvCxnSpPr>
+        <p:spPr>
+          <a:xfrm>
+            <a:off x="1600200" y="1816100"/>
+            <a:ext cx="304800" cy="0"/>
+          </a:xfrm>
+          <a:prstGeom prst="line">
+            <a:avLst/>
+          </a:prstGeom>
+        </p:spPr>
+        <p:style>
+          <a:lnRef idx="2">
+            <a:schemeClr val="accent1"/>
+          </a:lnRef>
+          <a:fillRef idx="0">
+            <a:schemeClr val="accent1"/>
+          </a:fillRef>
+          <a:effectRef idx="1">
+            <a:schemeClr val="accent1"/>
+          </a:effectRef>
+          <a:fontRef idx="minor">
+            <a:schemeClr val="tx1"/>
+          </a:fontRef>
+        </p:style>
+      </p:cxnSp>
+      <p:cxnSp>
+        <p:nvCxnSpPr>
+          <p:cNvPr id="8" name="Straight Connector 7"/>
+          <p:cNvCxnSpPr/>
+          <p:nvPr/>
+        </p:nvCxnSpPr>
+        <p:spPr>
+          <a:xfrm>
+            <a:off x="1651001" y="1892300"/>
+            <a:ext cx="195070" cy="0"/>
+          </a:xfrm>
+          <a:prstGeom prst="line">
+            <a:avLst/>
+          </a:prstGeom>
+        </p:spPr>
+        <p:style>
+          <a:lnRef idx="2">
+            <a:schemeClr val="accent1"/>
+          </a:lnRef>
+          <a:fillRef idx="0">
+            <a:schemeClr val="accent1"/>
+          </a:fillRef>
+          <a:effectRef idx="1">
+            <a:schemeClr val="accent1"/>
+          </a:effectRef>
+          <a:fontRef idx="minor">
+            <a:schemeClr val="tx1"/>
+          </a:fontRef>
+        </p:style>
+      </p:cxnSp>
+      <p:cxnSp>
+        <p:nvCxnSpPr>
+          <p:cNvPr id="9" name="Straight Connector 8"/>
+          <p:cNvCxnSpPr/>
+          <p:nvPr/>
+        </p:nvCxnSpPr>
+        <p:spPr>
+          <a:xfrm>
+            <a:off x="1676402" y="1955800"/>
+            <a:ext cx="149349" cy="0"/>
+          </a:xfrm>
+          <a:prstGeom prst="line">
+            <a:avLst/>
+          </a:prstGeom>
+        </p:spPr>
+        <p:style>
+          <a:lnRef idx="2">
+            <a:schemeClr val="accent1"/>
+          </a:lnRef>
+          <a:fillRef idx="0">
+            <a:schemeClr val="accent1"/>
+          </a:fillRef>
+          <a:effectRef idx="1">
+            <a:schemeClr val="accent1"/>
+          </a:effectRef>
+          <a:fontRef idx="minor">
+            <a:schemeClr val="tx1"/>
+          </a:fontRef>
+        </p:style>
+      </p:cxnSp>
+      <p:sp>
+        <p:nvSpPr>
+          <p:cNvPr id="10" name="Rectangle 9"/>
+          <p:cNvSpPr/>
+          <p:nvPr/>
+        </p:nvSpPr>
+        <p:spPr>
+          <a:xfrm>
+            <a:off x="1927351" y="2730500"/>
+            <a:ext cx="485649" cy="292100"/>
+          </a:xfrm>
+          <a:prstGeom prst="rect">
+            <a:avLst/>
+          </a:prstGeom>
+          <a:solidFill>
+            <a:srgbClr val="FF0000"/>
+          </a:solidFill>
+        </p:spPr>
+        <p:style>
+          <a:lnRef idx="1">
+            <a:schemeClr val="accent1"/>
+          </a:lnRef>
+          <a:fillRef idx="3">
+            <a:schemeClr val="accent1"/>
+          </a:fillRef>
+          <a:effectRef idx="2">
+            <a:schemeClr val="accent1"/>
+          </a:effectRef>
+          <a:fontRef idx="minor">
+            <a:schemeClr val="lt1"/>
+          </a:fontRef>
+        </p:style>
+        <p:txBody>
+          <a:bodyPr rtlCol="0" anchor="ctr"/>
+          <a:lstStyle/>
+          <a:p>
+            <a:pPr algn="ctr"/>
+            <a:endParaRPr lang="en-US"/>
+          </a:p>
+        </p:txBody>
+      </p:sp>
+      <p:cxnSp>
+        <p:nvCxnSpPr>
+          <p:cNvPr id="12" name="Straight Arrow Connector 11"/>
+          <p:cNvCxnSpPr/>
+          <p:nvPr/>
+        </p:nvCxnSpPr>
+        <p:spPr>
+          <a:xfrm>
+            <a:off x="1155700" y="3022600"/>
+            <a:ext cx="0" cy="419100"/>
+          </a:xfrm>
+          <a:prstGeom prst="straightConnector1">
+            <a:avLst/>
+          </a:prstGeom>
+          <a:ln>
+            <a:headEnd type="arrow"/>
+            <a:tailEnd type="arrow"/>
+          </a:ln>
+        </p:spPr>
+        <p:style>
+          <a:lnRef idx="2">
+            <a:schemeClr val="accent1"/>
+          </a:lnRef>
+          <a:fillRef idx="0">
+            <a:schemeClr val="accent1"/>
+          </a:fillRef>
+          <a:effectRef idx="1">
+            <a:schemeClr val="accent1"/>
+          </a:effectRef>
+          <a:fontRef idx="minor">
+            <a:schemeClr val="tx1"/>
+          </a:fontRef>
+        </p:style>
+      </p:cxnSp>
+      <p:cxnSp>
+        <p:nvCxnSpPr>
+          <p:cNvPr id="14" name="Straight Arrow Connector 13"/>
+          <p:cNvCxnSpPr/>
+          <p:nvPr/>
+        </p:nvCxnSpPr>
+        <p:spPr>
+          <a:xfrm>
+            <a:off x="1302431" y="3606800"/>
+            <a:ext cx="624920" cy="0"/>
+          </a:xfrm>
+          <a:prstGeom prst="straightConnector1">
+            <a:avLst/>
+          </a:prstGeom>
+          <a:ln>
+            <a:headEnd type="arrow"/>
+            <a:tailEnd type="arrow"/>
+          </a:ln>
+        </p:spPr>
+        <p:style>
+          <a:lnRef idx="2">
+            <a:schemeClr val="accent1"/>
+          </a:lnRef>
+          <a:fillRef idx="0">
+            <a:schemeClr val="accent1"/>
+          </a:fillRef>
+          <a:effectRef idx="1">
+            <a:schemeClr val="accent1"/>
+          </a:effectRef>
+          <a:fontRef idx="minor">
+            <a:schemeClr val="tx1"/>
+          </a:fontRef>
+        </p:style>
+      </p:cxnSp>
+      <p:sp>
+        <p:nvSpPr>
+          <p:cNvPr id="15" name="TextBox 14"/>
+          <p:cNvSpPr txBox="1"/>
+          <p:nvPr/>
+        </p:nvSpPr>
+        <p:spPr>
+          <a:xfrm>
+            <a:off x="749300" y="3086100"/>
+            <a:ext cx="441146" cy="307777"/>
+          </a:xfrm>
+          <a:prstGeom prst="rect">
+            <a:avLst/>
+          </a:prstGeom>
+          <a:noFill/>
+        </p:spPr>
+        <p:txBody>
+          <a:bodyPr wrap="none" rtlCol="0">
+            <a:spAutoFit/>
+          </a:bodyPr>
+          <a:lstStyle/>
+          <a:p>
+            <a:r>
+              <a:rPr lang="en-US" sz="1400" dirty="0" smtClean="0"/>
+              <a:t>h/4</a:t>
+            </a:r>
+            <a:endParaRPr lang="en-US" sz="1400" dirty="0"/>
+          </a:p>
+        </p:txBody>
+      </p:sp>
+      <p:sp>
+        <p:nvSpPr>
+          <p:cNvPr id="16" name="TextBox 15"/>
+          <p:cNvSpPr txBox="1"/>
+          <p:nvPr/>
+        </p:nvSpPr>
+        <p:spPr>
+          <a:xfrm>
+            <a:off x="1866900" y="3632200"/>
+            <a:ext cx="600896" cy="307777"/>
+          </a:xfrm>
+          <a:prstGeom prst="rect">
+            <a:avLst/>
+          </a:prstGeom>
+          <a:noFill/>
+        </p:spPr>
+        <p:txBody>
+          <a:bodyPr wrap="none" rtlCol="0">
+            <a:spAutoFit/>
+          </a:bodyPr>
+          <a:lstStyle/>
+          <a:p>
+            <a:r>
+              <a:rPr lang="en-US" sz="1400" dirty="0" smtClean="0"/>
+              <a:t>~L/20</a:t>
+            </a:r>
+            <a:endParaRPr lang="en-US" sz="1400" dirty="0"/>
+          </a:p>
+        </p:txBody>
+      </p:sp>
+      <p:cxnSp>
+        <p:nvCxnSpPr>
+          <p:cNvPr id="17" name="Straight Arrow Connector 16"/>
+          <p:cNvCxnSpPr/>
+          <p:nvPr/>
+        </p:nvCxnSpPr>
+        <p:spPr>
+          <a:xfrm>
+            <a:off x="1978151" y="3606800"/>
+            <a:ext cx="428751" cy="12700"/>
+          </a:xfrm>
+          <a:prstGeom prst="straightConnector1">
+            <a:avLst/>
+          </a:prstGeom>
+          <a:ln>
+            <a:headEnd type="arrow"/>
+            <a:tailEnd type="arrow"/>
+          </a:ln>
+        </p:spPr>
+        <p:style>
+          <a:lnRef idx="2">
+            <a:schemeClr val="accent1"/>
+          </a:lnRef>
+          <a:fillRef idx="0">
+            <a:schemeClr val="accent1"/>
+          </a:fillRef>
+          <a:effectRef idx="1">
+            <a:schemeClr val="accent1"/>
+          </a:effectRef>
+          <a:fontRef idx="minor">
+            <a:schemeClr val="tx1"/>
+          </a:fontRef>
+        </p:style>
+      </p:cxnSp>
+      <p:sp>
+        <p:nvSpPr>
+          <p:cNvPr id="19" name="TextBox 18"/>
+          <p:cNvSpPr txBox="1"/>
+          <p:nvPr/>
+        </p:nvSpPr>
+        <p:spPr>
+          <a:xfrm>
+            <a:off x="1371600" y="3685977"/>
+            <a:ext cx="509900" cy="307777"/>
+          </a:xfrm>
+          <a:prstGeom prst="rect">
+            <a:avLst/>
+          </a:prstGeom>
+          <a:noFill/>
+        </p:spPr>
+        <p:txBody>
+          <a:bodyPr wrap="none" rtlCol="0">
+            <a:spAutoFit/>
+          </a:bodyPr>
+          <a:lstStyle/>
+          <a:p>
+            <a:r>
+              <a:rPr lang="en-US" sz="1400" dirty="0" smtClean="0"/>
+              <a:t>~L/2</a:t>
+            </a:r>
+            <a:endParaRPr lang="en-US" sz="1400" dirty="0"/>
+          </a:p>
+        </p:txBody>
+      </p:sp>
+      <p:cxnSp>
+        <p:nvCxnSpPr>
+          <p:cNvPr id="22" name="Straight Connector 21"/>
+          <p:cNvCxnSpPr/>
+          <p:nvPr/>
+        </p:nvCxnSpPr>
+        <p:spPr>
+          <a:xfrm>
+            <a:off x="1952751" y="3086100"/>
+            <a:ext cx="0" cy="1041400"/>
+          </a:xfrm>
+          <a:prstGeom prst="line">
+            <a:avLst/>
+          </a:prstGeom>
+          <a:ln w="12700" cmpd="sng">
+            <a:prstDash val="dash"/>
+          </a:ln>
+        </p:spPr>
+        <p:style>
+          <a:lnRef idx="2">
+            <a:schemeClr val="accent1"/>
+          </a:lnRef>
+          <a:fillRef idx="0">
+            <a:schemeClr val="accent1"/>
+          </a:fillRef>
+          <a:effectRef idx="1">
+            <a:schemeClr val="accent1"/>
+          </a:effectRef>
+          <a:fontRef idx="minor">
+            <a:schemeClr val="tx1"/>
+          </a:fontRef>
+        </p:style>
+      </p:cxnSp>
+      <p:cxnSp>
+        <p:nvCxnSpPr>
+          <p:cNvPr id="24" name="Straight Connector 23"/>
+          <p:cNvCxnSpPr/>
+          <p:nvPr/>
+        </p:nvCxnSpPr>
+        <p:spPr>
+          <a:xfrm>
+            <a:off x="2394202" y="3086100"/>
+            <a:ext cx="0" cy="1041400"/>
+          </a:xfrm>
+          <a:prstGeom prst="line">
+            <a:avLst/>
+          </a:prstGeom>
+          <a:ln w="12700" cmpd="sng">
+            <a:prstDash val="dash"/>
+          </a:ln>
+        </p:spPr>
+        <p:style>
+          <a:lnRef idx="2">
+            <a:schemeClr val="accent1"/>
+          </a:lnRef>
+          <a:fillRef idx="0">
+            <a:schemeClr val="accent1"/>
+          </a:fillRef>
+          <a:effectRef idx="1">
+            <a:schemeClr val="accent1"/>
+          </a:effectRef>
+          <a:fontRef idx="minor">
+            <a:schemeClr val="tx1"/>
+          </a:fontRef>
+        </p:style>
+      </p:cxnSp>
+      <p:sp>
+        <p:nvSpPr>
+          <p:cNvPr id="25" name="TextBox 24"/>
+          <p:cNvSpPr txBox="1"/>
+          <p:nvPr/>
+        </p:nvSpPr>
+        <p:spPr>
+          <a:xfrm>
+            <a:off x="1216580" y="4127500"/>
+            <a:ext cx="806230" cy="276999"/>
+          </a:xfrm>
+          <a:prstGeom prst="rect">
+            <a:avLst/>
+          </a:prstGeom>
+          <a:noFill/>
+        </p:spPr>
+        <p:txBody>
+          <a:bodyPr wrap="none" rtlCol="0">
+            <a:spAutoFit/>
+          </a:bodyPr>
+          <a:lstStyle/>
+          <a:p>
+            <a:r>
+              <a:rPr lang="en-US" sz="1200" dirty="0" smtClean="0"/>
+              <a:t>ISOURCES</a:t>
+            </a:r>
+            <a:endParaRPr lang="en-US" sz="1200" dirty="0"/>
+          </a:p>
+        </p:txBody>
+      </p:sp>
+      <p:sp>
+        <p:nvSpPr>
+          <p:cNvPr id="26" name="TextBox 25"/>
+          <p:cNvSpPr txBox="1"/>
+          <p:nvPr/>
+        </p:nvSpPr>
+        <p:spPr>
+          <a:xfrm>
+            <a:off x="2187910" y="4127500"/>
+            <a:ext cx="810664" cy="276999"/>
+          </a:xfrm>
+          <a:prstGeom prst="rect">
+            <a:avLst/>
+          </a:prstGeom>
+          <a:noFill/>
+        </p:spPr>
+        <p:txBody>
+          <a:bodyPr wrap="none" rtlCol="0">
+            <a:spAutoFit/>
+          </a:bodyPr>
+          <a:lstStyle/>
+          <a:p>
+            <a:r>
+              <a:rPr lang="en-US" sz="1200" dirty="0" smtClean="0"/>
+              <a:t>ISOURCEE</a:t>
+            </a:r>
+            <a:endParaRPr lang="en-US" sz="1200" dirty="0"/>
+          </a:p>
+        </p:txBody>
+      </p:sp>
+      <p:cxnSp>
+        <p:nvCxnSpPr>
+          <p:cNvPr id="27" name="Straight Connector 26"/>
+          <p:cNvCxnSpPr>
+            <a:endCxn id="31" idx="3"/>
+          </p:cNvCxnSpPr>
+          <p:nvPr/>
+        </p:nvCxnSpPr>
+        <p:spPr>
+          <a:xfrm flipH="1" flipV="1">
+            <a:off x="1029805" y="2996000"/>
+            <a:ext cx="897548" cy="26600"/>
+          </a:xfrm>
+          <a:prstGeom prst="line">
+            <a:avLst/>
+          </a:prstGeom>
+          <a:ln w="12700" cmpd="sng">
+            <a:prstDash val="dash"/>
+          </a:ln>
+        </p:spPr>
+        <p:style>
+          <a:lnRef idx="2">
+            <a:schemeClr val="accent1"/>
+          </a:lnRef>
+          <a:fillRef idx="0">
+            <a:schemeClr val="accent1"/>
+          </a:fillRef>
+          <a:effectRef idx="1">
+            <a:schemeClr val="accent1"/>
+          </a:effectRef>
+          <a:fontRef idx="minor">
+            <a:schemeClr val="tx1"/>
+          </a:fontRef>
+        </p:style>
+      </p:cxnSp>
+      <p:cxnSp>
+        <p:nvCxnSpPr>
+          <p:cNvPr id="30" name="Straight Connector 29"/>
+          <p:cNvCxnSpPr>
+            <a:endCxn id="32" idx="3"/>
+          </p:cNvCxnSpPr>
+          <p:nvPr/>
+        </p:nvCxnSpPr>
+        <p:spPr>
+          <a:xfrm flipH="1" flipV="1">
+            <a:off x="1029805" y="2719001"/>
+            <a:ext cx="897548" cy="11500"/>
+          </a:xfrm>
+          <a:prstGeom prst="line">
+            <a:avLst/>
+          </a:prstGeom>
+          <a:ln w="12700" cmpd="sng">
+            <a:prstDash val="dash"/>
+          </a:ln>
+        </p:spPr>
+        <p:style>
+          <a:lnRef idx="2">
+            <a:schemeClr val="accent1"/>
+          </a:lnRef>
+          <a:fillRef idx="0">
+            <a:schemeClr val="accent1"/>
+          </a:fillRef>
+          <a:effectRef idx="1">
+            <a:schemeClr val="accent1"/>
+          </a:effectRef>
+          <a:fontRef idx="minor">
+            <a:schemeClr val="tx1"/>
+          </a:fontRef>
+        </p:style>
+      </p:cxnSp>
+      <p:sp>
+        <p:nvSpPr>
+          <p:cNvPr id="31" name="TextBox 30"/>
+          <p:cNvSpPr txBox="1"/>
+          <p:nvPr/>
+        </p:nvSpPr>
+        <p:spPr>
+          <a:xfrm>
+            <a:off x="213280" y="2857500"/>
+            <a:ext cx="816525" cy="276999"/>
+          </a:xfrm>
+          <a:prstGeom prst="rect">
+            <a:avLst/>
+          </a:prstGeom>
+          <a:noFill/>
+        </p:spPr>
+        <p:txBody>
+          <a:bodyPr wrap="none" rtlCol="0">
+            <a:spAutoFit/>
+          </a:bodyPr>
+          <a:lstStyle/>
+          <a:p>
+            <a:r>
+              <a:rPr lang="en-US" sz="1200" dirty="0"/>
+              <a:t>J</a:t>
+            </a:r>
+            <a:r>
+              <a:rPr lang="en-US" sz="1200" dirty="0" smtClean="0"/>
+              <a:t>SOURCES</a:t>
+            </a:r>
+            <a:endParaRPr lang="en-US" sz="1200" dirty="0"/>
+          </a:p>
+        </p:txBody>
+      </p:sp>
+      <p:sp>
+        <p:nvSpPr>
+          <p:cNvPr id="32" name="TextBox 31"/>
+          <p:cNvSpPr txBox="1"/>
+          <p:nvPr/>
+        </p:nvSpPr>
+        <p:spPr>
+          <a:xfrm>
+            <a:off x="213280" y="2580501"/>
+            <a:ext cx="816525" cy="276999"/>
+          </a:xfrm>
+          <a:prstGeom prst="rect">
+            <a:avLst/>
+          </a:prstGeom>
+          <a:noFill/>
+        </p:spPr>
+        <p:txBody>
+          <a:bodyPr wrap="none" rtlCol="0">
+            <a:spAutoFit/>
+          </a:bodyPr>
+          <a:lstStyle/>
+          <a:p>
+            <a:r>
+              <a:rPr lang="en-US" sz="1200" dirty="0"/>
+              <a:t>J</a:t>
+            </a:r>
+            <a:r>
+              <a:rPr lang="en-US" sz="1200" dirty="0" smtClean="0"/>
+              <a:t>SOURCES</a:t>
+            </a:r>
+            <a:endParaRPr lang="en-US" sz="1200" dirty="0"/>
+          </a:p>
+        </p:txBody>
+      </p:sp>
+      <p:sp>
+        <p:nvSpPr>
+          <p:cNvPr id="38" name="Freeform 37"/>
+          <p:cNvSpPr/>
+          <p:nvPr/>
+        </p:nvSpPr>
+        <p:spPr>
+          <a:xfrm>
+            <a:off x="2376274" y="1422400"/>
+            <a:ext cx="622300" cy="230116"/>
+          </a:xfrm>
+          <a:custGeom>
+            <a:avLst/>
+            <a:gdLst>
+              <a:gd name="connsiteX0" fmla="*/ 0 w 863600"/>
+              <a:gd name="connsiteY0" fmla="*/ 179316 h 269732"/>
+              <a:gd name="connsiteX1" fmla="*/ 254000 w 863600"/>
+              <a:gd name="connsiteY1" fmla="*/ 1516 h 269732"/>
+              <a:gd name="connsiteX2" fmla="*/ 584200 w 863600"/>
+              <a:gd name="connsiteY2" fmla="*/ 268216 h 269732"/>
+              <a:gd name="connsiteX3" fmla="*/ 863600 w 863600"/>
+              <a:gd name="connsiteY3" fmla="*/ 90416 h 269732"/>
+            </a:gdLst>
+            <a:ahLst/>
+            <a:cxnLst>
+              <a:cxn ang="0">
+                <a:pos x="connsiteX0" y="connsiteY0"/>
+              </a:cxn>
+              <a:cxn ang="0">
+                <a:pos x="connsiteX1" y="connsiteY1"/>
+              </a:cxn>
+              <a:cxn ang="0">
+                <a:pos x="connsiteX2" y="connsiteY2"/>
+              </a:cxn>
+              <a:cxn ang="0">
+                <a:pos x="connsiteX3" y="connsiteY3"/>
+              </a:cxn>
+            </a:cxnLst>
+            <a:rect l="l" t="t" r="r" b="b"/>
+            <a:pathLst>
+              <a:path w="863600" h="269732">
+                <a:moveTo>
+                  <a:pt x="0" y="179316"/>
+                </a:moveTo>
+                <a:cubicBezTo>
+                  <a:pt x="78316" y="83007"/>
+                  <a:pt x="156633" y="-13301"/>
+                  <a:pt x="254000" y="1516"/>
+                </a:cubicBezTo>
+                <a:cubicBezTo>
+                  <a:pt x="351367" y="16333"/>
+                  <a:pt x="482600" y="253399"/>
+                  <a:pt x="584200" y="268216"/>
+                </a:cubicBezTo>
+                <a:cubicBezTo>
+                  <a:pt x="685800" y="283033"/>
+                  <a:pt x="774700" y="186724"/>
+                  <a:pt x="863600" y="90416"/>
+                </a:cubicBezTo>
+              </a:path>
+            </a:pathLst>
+          </a:custGeom>
+        </p:spPr>
+        <p:style>
+          <a:lnRef idx="2">
+            <a:schemeClr val="accent1"/>
+          </a:lnRef>
+          <a:fillRef idx="0">
+            <a:schemeClr val="accent1"/>
+          </a:fillRef>
+          <a:effectRef idx="1">
+            <a:schemeClr val="accent1"/>
+          </a:effectRef>
+          <a:fontRef idx="minor">
+            <a:schemeClr val="tx1"/>
+          </a:fontRef>
+        </p:style>
+        <p:txBody>
+          <a:bodyPr rtlCol="0" anchor="ctr"/>
+          <a:lstStyle/>
+          <a:p>
+            <a:pPr algn="ctr"/>
+            <a:endParaRPr lang="en-US"/>
+          </a:p>
+        </p:txBody>
+      </p:sp>
+      <p:sp>
+        <p:nvSpPr>
+          <p:cNvPr id="39" name="Freeform 38"/>
+          <p:cNvSpPr/>
+          <p:nvPr/>
+        </p:nvSpPr>
+        <p:spPr>
+          <a:xfrm flipH="1">
+            <a:off x="1302431" y="1422400"/>
+            <a:ext cx="650320" cy="230116"/>
+          </a:xfrm>
+          <a:custGeom>
+            <a:avLst/>
+            <a:gdLst>
+              <a:gd name="connsiteX0" fmla="*/ 0 w 863600"/>
+              <a:gd name="connsiteY0" fmla="*/ 179316 h 269732"/>
+              <a:gd name="connsiteX1" fmla="*/ 254000 w 863600"/>
+              <a:gd name="connsiteY1" fmla="*/ 1516 h 269732"/>
+              <a:gd name="connsiteX2" fmla="*/ 584200 w 863600"/>
+              <a:gd name="connsiteY2" fmla="*/ 268216 h 269732"/>
+              <a:gd name="connsiteX3" fmla="*/ 863600 w 863600"/>
+              <a:gd name="connsiteY3" fmla="*/ 90416 h 269732"/>
+            </a:gdLst>
+            <a:ahLst/>
+            <a:cxnLst>
+              <a:cxn ang="0">
+                <a:pos x="connsiteX0" y="connsiteY0"/>
+              </a:cxn>
+              <a:cxn ang="0">
+                <a:pos x="connsiteX1" y="connsiteY1"/>
+              </a:cxn>
+              <a:cxn ang="0">
+                <a:pos x="connsiteX2" y="connsiteY2"/>
+              </a:cxn>
+              <a:cxn ang="0">
+                <a:pos x="connsiteX3" y="connsiteY3"/>
+              </a:cxn>
+            </a:cxnLst>
+            <a:rect l="l" t="t" r="r" b="b"/>
+            <a:pathLst>
+              <a:path w="863600" h="269732">
+                <a:moveTo>
+                  <a:pt x="0" y="179316"/>
+                </a:moveTo>
+                <a:cubicBezTo>
+                  <a:pt x="78316" y="83007"/>
+                  <a:pt x="156633" y="-13301"/>
+                  <a:pt x="254000" y="1516"/>
+                </a:cubicBezTo>
+                <a:cubicBezTo>
+                  <a:pt x="351367" y="16333"/>
+                  <a:pt x="482600" y="253399"/>
+                  <a:pt x="584200" y="268216"/>
+                </a:cubicBezTo>
+                <a:cubicBezTo>
+                  <a:pt x="685800" y="283033"/>
+                  <a:pt x="774700" y="186724"/>
+                  <a:pt x="863600" y="90416"/>
+                </a:cubicBezTo>
+              </a:path>
+            </a:pathLst>
+          </a:custGeom>
+        </p:spPr>
+        <p:style>
+          <a:lnRef idx="2">
+            <a:schemeClr val="accent1"/>
+          </a:lnRef>
+          <a:fillRef idx="0">
+            <a:schemeClr val="accent1"/>
+          </a:fillRef>
+          <a:effectRef idx="1">
+            <a:schemeClr val="accent1"/>
+          </a:effectRef>
+          <a:fontRef idx="minor">
+            <a:schemeClr val="tx1"/>
+          </a:fontRef>
+        </p:style>
+        <p:txBody>
+          <a:bodyPr rtlCol="0" anchor="ctr"/>
+          <a:lstStyle/>
+          <a:p>
+            <a:pPr algn="ctr"/>
+            <a:endParaRPr lang="en-US"/>
+          </a:p>
+        </p:txBody>
+      </p:sp>
+    </p:spTree>
+    <p:extLst>
+      <p:ext uri="{BB962C8B-B14F-4D97-AF65-F5344CB8AC3E}">
+        <p14:creationId xmlns:p14="http://schemas.microsoft.com/office/powerpoint/2010/main" val="2297710799"/>
+      </p:ext>
+    </p:extLst>
+  </p:cSld>
+  <p:clrMapOvr>
+    <a:masterClrMapping/>
+  </p:clrMapOvr>
+</p:sld>
+</file>
+
+<file path=ppt/slides/slide4.xml><?xml version="1.0" encoding="utf-8"?>
+<p:sld xmlns:a="http://schemas.openxmlformats.org/drawingml/2006/main" xmlns:r="http://schemas.openxmlformats.org/officeDocument/2006/relationships" xmlns:p="http://schemas.openxmlformats.org/presentationml/2006/main">
+  <p:cSld>
+    <p:spTree>
+      <p:nvGrpSpPr>
+        <p:cNvPr id="1" name=""/>
+        <p:cNvGrpSpPr/>
+        <p:nvPr/>
+      </p:nvGrpSpPr>
+      <p:grpSpPr>
+        <a:xfrm>
+          <a:off x="0" y="0"/>
+          <a:ext cx="0" cy="0"/>
+          <a:chOff x="0" y="0"/>
+          <a:chExt cx="0" cy="0"/>
+        </a:xfrm>
+      </p:grpSpPr>
+      <p:sp>
+        <p:nvSpPr>
+          <p:cNvPr id="4" name="Rectangle 3"/>
+          <p:cNvSpPr/>
+          <p:nvPr/>
+        </p:nvSpPr>
+        <p:spPr>
+          <a:xfrm>
+            <a:off x="658460" y="2179506"/>
+            <a:ext cx="8309165" cy="1144635"/>
+          </a:xfrm>
+          <a:prstGeom prst="rect">
+            <a:avLst/>
+          </a:prstGeom>
+          <a:noFill/>
+          <a:ln>
+            <a:solidFill>
+              <a:schemeClr val="tx1"/>
+            </a:solidFill>
+          </a:ln>
+        </p:spPr>
+        <p:style>
+          <a:lnRef idx="1">
+            <a:schemeClr val="accent1"/>
+          </a:lnRef>
+          <a:fillRef idx="3">
+            <a:schemeClr val="accent1"/>
+          </a:fillRef>
+          <a:effectRef idx="2">
+            <a:schemeClr val="accent1"/>
+          </a:effectRef>
+          <a:fontRef idx="minor">
+            <a:schemeClr val="lt1"/>
+          </a:fontRef>
+        </p:style>
+        <p:txBody>
+          <a:bodyPr rtlCol="0" anchor="ctr"/>
+          <a:lstStyle/>
+          <a:p>
+            <a:pPr algn="ctr"/>
+            <a:endParaRPr lang="en-US"/>
+          </a:p>
+        </p:txBody>
+      </p:sp>
+      <p:sp>
+        <p:nvSpPr>
+          <p:cNvPr id="5" name="TextBox 4"/>
+          <p:cNvSpPr txBox="1"/>
+          <p:nvPr/>
+        </p:nvSpPr>
+        <p:spPr>
+          <a:xfrm>
+            <a:off x="548720" y="3339819"/>
+            <a:ext cx="459669" cy="307777"/>
+          </a:xfrm>
+          <a:prstGeom prst="rect">
+            <a:avLst/>
+          </a:prstGeom>
+          <a:noFill/>
+        </p:spPr>
+        <p:txBody>
+          <a:bodyPr wrap="none" rtlCol="0">
+            <a:spAutoFit/>
+          </a:bodyPr>
+          <a:lstStyle/>
+          <a:p>
+            <a:r>
+              <a:rPr lang="en-US" sz="1400" dirty="0" smtClean="0"/>
+              <a:t>0 m</a:t>
+            </a:r>
+            <a:endParaRPr lang="en-US" sz="1400" dirty="0"/>
+          </a:p>
+        </p:txBody>
+      </p:sp>
+      <p:sp>
+        <p:nvSpPr>
+          <p:cNvPr id="6" name="TextBox 5"/>
+          <p:cNvSpPr txBox="1"/>
+          <p:nvPr/>
+        </p:nvSpPr>
+        <p:spPr>
+          <a:xfrm>
+            <a:off x="8497292" y="3376637"/>
+            <a:ext cx="641660" cy="307777"/>
+          </a:xfrm>
+          <a:prstGeom prst="rect">
+            <a:avLst/>
+          </a:prstGeom>
+          <a:noFill/>
+        </p:spPr>
+        <p:txBody>
+          <a:bodyPr wrap="none" rtlCol="0">
+            <a:spAutoFit/>
+          </a:bodyPr>
+          <a:lstStyle/>
+          <a:p>
+            <a:r>
+              <a:rPr lang="en-US" sz="1400" dirty="0" smtClean="0"/>
+              <a:t>800 m</a:t>
+            </a:r>
+            <a:endParaRPr lang="en-US" sz="1400" dirty="0"/>
+          </a:p>
+        </p:txBody>
+      </p:sp>
+      <p:cxnSp>
+        <p:nvCxnSpPr>
+          <p:cNvPr id="8" name="Straight Connector 7"/>
+          <p:cNvCxnSpPr/>
+          <p:nvPr/>
+        </p:nvCxnSpPr>
+        <p:spPr>
+          <a:xfrm>
+            <a:off x="4264325" y="2170706"/>
+            <a:ext cx="0" cy="1144635"/>
+          </a:xfrm>
+          <a:prstGeom prst="line">
+            <a:avLst/>
+          </a:prstGeom>
+        </p:spPr>
+        <p:style>
+          <a:lnRef idx="2">
+            <a:schemeClr val="accent1"/>
+          </a:lnRef>
+          <a:fillRef idx="0">
+            <a:schemeClr val="accent1"/>
+          </a:fillRef>
+          <a:effectRef idx="1">
+            <a:schemeClr val="accent1"/>
+          </a:effectRef>
+          <a:fontRef idx="minor">
+            <a:schemeClr val="tx1"/>
+          </a:fontRef>
+        </p:style>
+      </p:cxnSp>
+      <p:cxnSp>
+        <p:nvCxnSpPr>
+          <p:cNvPr id="9" name="Straight Connector 8"/>
+          <p:cNvCxnSpPr/>
+          <p:nvPr/>
+        </p:nvCxnSpPr>
+        <p:spPr>
+          <a:xfrm>
+            <a:off x="4495113" y="2159426"/>
+            <a:ext cx="0" cy="1144635"/>
+          </a:xfrm>
+          <a:prstGeom prst="line">
+            <a:avLst/>
+          </a:prstGeom>
+        </p:spPr>
+        <p:style>
+          <a:lnRef idx="2">
+            <a:schemeClr val="accent1"/>
+          </a:lnRef>
+          <a:fillRef idx="0">
+            <a:schemeClr val="accent1"/>
+          </a:fillRef>
+          <a:effectRef idx="1">
+            <a:schemeClr val="accent1"/>
+          </a:effectRef>
+          <a:fontRef idx="minor">
+            <a:schemeClr val="tx1"/>
+          </a:fontRef>
+        </p:style>
+      </p:cxnSp>
+      <p:cxnSp>
+        <p:nvCxnSpPr>
+          <p:cNvPr id="10" name="Straight Connector 9"/>
+          <p:cNvCxnSpPr/>
+          <p:nvPr/>
+        </p:nvCxnSpPr>
+        <p:spPr>
+          <a:xfrm>
+            <a:off x="4835647" y="2170706"/>
+            <a:ext cx="0" cy="1144635"/>
+          </a:xfrm>
+          <a:prstGeom prst="line">
+            <a:avLst/>
+          </a:prstGeom>
+        </p:spPr>
+        <p:style>
+          <a:lnRef idx="2">
+            <a:schemeClr val="accent1"/>
+          </a:lnRef>
+          <a:fillRef idx="0">
+            <a:schemeClr val="accent1"/>
+          </a:fillRef>
+          <a:effectRef idx="1">
+            <a:schemeClr val="accent1"/>
+          </a:effectRef>
+          <a:fontRef idx="minor">
+            <a:schemeClr val="tx1"/>
+          </a:fontRef>
+        </p:style>
+      </p:cxnSp>
+      <p:cxnSp>
+        <p:nvCxnSpPr>
+          <p:cNvPr id="11" name="Straight Connector 10"/>
+          <p:cNvCxnSpPr/>
+          <p:nvPr/>
+        </p:nvCxnSpPr>
+        <p:spPr>
+          <a:xfrm>
+            <a:off x="5270249" y="2181986"/>
+            <a:ext cx="0" cy="1144635"/>
+          </a:xfrm>
+          <a:prstGeom prst="line">
+            <a:avLst/>
+          </a:prstGeom>
+        </p:spPr>
+        <p:style>
+          <a:lnRef idx="2">
+            <a:schemeClr val="accent1"/>
+          </a:lnRef>
+          <a:fillRef idx="0">
+            <a:schemeClr val="accent1"/>
+          </a:fillRef>
+          <a:effectRef idx="1">
+            <a:schemeClr val="accent1"/>
+          </a:effectRef>
+          <a:fontRef idx="minor">
+            <a:schemeClr val="tx1"/>
+          </a:fontRef>
+        </p:style>
+      </p:cxnSp>
+      <p:cxnSp>
+        <p:nvCxnSpPr>
+          <p:cNvPr id="12" name="Straight Connector 11"/>
+          <p:cNvCxnSpPr/>
+          <p:nvPr/>
+        </p:nvCxnSpPr>
+        <p:spPr>
+          <a:xfrm>
+            <a:off x="5783243" y="2159426"/>
+            <a:ext cx="0" cy="1144635"/>
+          </a:xfrm>
+          <a:prstGeom prst="line">
+            <a:avLst/>
+          </a:prstGeom>
+        </p:spPr>
+        <p:style>
+          <a:lnRef idx="2">
+            <a:schemeClr val="accent1"/>
+          </a:lnRef>
+          <a:fillRef idx="0">
+            <a:schemeClr val="accent1"/>
+          </a:fillRef>
+          <a:effectRef idx="1">
+            <a:schemeClr val="accent1"/>
+          </a:effectRef>
+          <a:fontRef idx="minor">
+            <a:schemeClr val="tx1"/>
+          </a:fontRef>
+        </p:style>
+      </p:cxnSp>
+      <p:cxnSp>
+        <p:nvCxnSpPr>
+          <p:cNvPr id="13" name="Straight Connector 12"/>
+          <p:cNvCxnSpPr/>
+          <p:nvPr/>
+        </p:nvCxnSpPr>
+        <p:spPr>
+          <a:xfrm>
+            <a:off x="6374625" y="2170706"/>
+            <a:ext cx="0" cy="1144635"/>
+          </a:xfrm>
+          <a:prstGeom prst="line">
+            <a:avLst/>
+          </a:prstGeom>
+        </p:spPr>
+        <p:style>
+          <a:lnRef idx="2">
+            <a:schemeClr val="accent1"/>
+          </a:lnRef>
+          <a:fillRef idx="0">
+            <a:schemeClr val="accent1"/>
+          </a:fillRef>
+          <a:effectRef idx="1">
+            <a:schemeClr val="accent1"/>
+          </a:effectRef>
+          <a:fontRef idx="minor">
+            <a:schemeClr val="tx1"/>
+          </a:fontRef>
+        </p:style>
+      </p:cxnSp>
+      <p:cxnSp>
+        <p:nvCxnSpPr>
+          <p:cNvPr id="14" name="Straight Connector 13"/>
+          <p:cNvCxnSpPr/>
+          <p:nvPr/>
+        </p:nvCxnSpPr>
+        <p:spPr>
+          <a:xfrm>
+            <a:off x="7075757" y="2170706"/>
+            <a:ext cx="0" cy="1144635"/>
+          </a:xfrm>
+          <a:prstGeom prst="line">
+            <a:avLst/>
+          </a:prstGeom>
+        </p:spPr>
+        <p:style>
+          <a:lnRef idx="2">
+            <a:schemeClr val="accent1"/>
+          </a:lnRef>
+          <a:fillRef idx="0">
+            <a:schemeClr val="accent1"/>
+          </a:fillRef>
+          <a:effectRef idx="1">
+            <a:schemeClr val="accent1"/>
+          </a:effectRef>
+          <a:fontRef idx="minor">
+            <a:schemeClr val="tx1"/>
+          </a:fontRef>
+        </p:style>
+      </p:cxnSp>
+      <p:cxnSp>
+        <p:nvCxnSpPr>
+          <p:cNvPr id="15" name="Straight Connector 14"/>
+          <p:cNvCxnSpPr/>
+          <p:nvPr/>
+        </p:nvCxnSpPr>
+        <p:spPr>
+          <a:xfrm>
+            <a:off x="7886632" y="2159426"/>
+            <a:ext cx="0" cy="1144635"/>
+          </a:xfrm>
+          <a:prstGeom prst="line">
+            <a:avLst/>
+          </a:prstGeom>
+        </p:spPr>
+        <p:style>
+          <a:lnRef idx="2">
+            <a:schemeClr val="accent1"/>
+          </a:lnRef>
+          <a:fillRef idx="0">
+            <a:schemeClr val="accent1"/>
+          </a:fillRef>
+          <a:effectRef idx="1">
+            <a:schemeClr val="accent1"/>
+          </a:effectRef>
+          <a:fontRef idx="minor">
+            <a:schemeClr val="tx1"/>
+          </a:fontRef>
+        </p:style>
+      </p:cxnSp>
+      <p:cxnSp>
+        <p:nvCxnSpPr>
+          <p:cNvPr id="16" name="Straight Connector 15"/>
+          <p:cNvCxnSpPr/>
+          <p:nvPr/>
+        </p:nvCxnSpPr>
+        <p:spPr>
+          <a:xfrm>
+            <a:off x="3926340" y="2170706"/>
+            <a:ext cx="0" cy="1144635"/>
+          </a:xfrm>
+          <a:prstGeom prst="line">
+            <a:avLst/>
+          </a:prstGeom>
+        </p:spPr>
+        <p:style>
+          <a:lnRef idx="2">
+            <a:schemeClr val="accent1"/>
+          </a:lnRef>
+          <a:fillRef idx="0">
+            <a:schemeClr val="accent1"/>
+          </a:fillRef>
+          <a:effectRef idx="1">
+            <a:schemeClr val="accent1"/>
+          </a:effectRef>
+          <a:fontRef idx="minor">
+            <a:schemeClr val="tx1"/>
+          </a:fontRef>
+        </p:style>
+      </p:cxnSp>
+      <p:cxnSp>
+        <p:nvCxnSpPr>
+          <p:cNvPr id="17" name="Straight Connector 16"/>
+          <p:cNvCxnSpPr/>
+          <p:nvPr/>
+        </p:nvCxnSpPr>
+        <p:spPr>
+          <a:xfrm>
+            <a:off x="3733831" y="2177586"/>
+            <a:ext cx="0" cy="1144635"/>
+          </a:xfrm>
+          <a:prstGeom prst="line">
+            <a:avLst/>
+          </a:prstGeom>
+        </p:spPr>
+        <p:style>
+          <a:lnRef idx="2">
+            <a:schemeClr val="accent1"/>
+          </a:lnRef>
+          <a:fillRef idx="0">
+            <a:schemeClr val="accent1"/>
+          </a:fillRef>
+          <a:effectRef idx="1">
+            <a:schemeClr val="accent1"/>
+          </a:effectRef>
+          <a:fontRef idx="minor">
+            <a:schemeClr val="tx1"/>
+          </a:fontRef>
+        </p:style>
+      </p:cxnSp>
+      <p:cxnSp>
+        <p:nvCxnSpPr>
+          <p:cNvPr id="18" name="Straight Connector 17"/>
+          <p:cNvCxnSpPr/>
+          <p:nvPr/>
+        </p:nvCxnSpPr>
+        <p:spPr>
+          <a:xfrm>
+            <a:off x="3494290" y="2195746"/>
+            <a:ext cx="0" cy="1144635"/>
+          </a:xfrm>
+          <a:prstGeom prst="line">
+            <a:avLst/>
+          </a:prstGeom>
+        </p:spPr>
+        <p:style>
+          <a:lnRef idx="2">
+            <a:schemeClr val="accent1"/>
+          </a:lnRef>
+          <a:fillRef idx="0">
+            <a:schemeClr val="accent1"/>
+          </a:fillRef>
+          <a:effectRef idx="1">
+            <a:schemeClr val="accent1"/>
+          </a:effectRef>
+          <a:fontRef idx="minor">
+            <a:schemeClr val="tx1"/>
+          </a:fontRef>
+        </p:style>
+      </p:cxnSp>
+      <p:cxnSp>
+        <p:nvCxnSpPr>
+          <p:cNvPr id="19" name="Straight Connector 18"/>
+          <p:cNvCxnSpPr/>
+          <p:nvPr/>
+        </p:nvCxnSpPr>
+        <p:spPr>
+          <a:xfrm>
+            <a:off x="2706024" y="2195746"/>
+            <a:ext cx="0" cy="1144635"/>
+          </a:xfrm>
+          <a:prstGeom prst="line">
+            <a:avLst/>
+          </a:prstGeom>
+        </p:spPr>
+        <p:style>
+          <a:lnRef idx="2">
+            <a:schemeClr val="accent1"/>
+          </a:lnRef>
+          <a:fillRef idx="0">
+            <a:schemeClr val="accent1"/>
+          </a:fillRef>
+          <a:effectRef idx="1">
+            <a:schemeClr val="accent1"/>
+          </a:effectRef>
+          <a:fontRef idx="minor">
+            <a:schemeClr val="tx1"/>
+          </a:fontRef>
+        </p:style>
+      </p:cxnSp>
+      <p:cxnSp>
+        <p:nvCxnSpPr>
+          <p:cNvPr id="20" name="Straight Connector 19"/>
+          <p:cNvCxnSpPr/>
+          <p:nvPr/>
+        </p:nvCxnSpPr>
+        <p:spPr>
+          <a:xfrm>
+            <a:off x="2168610" y="2188866"/>
+            <a:ext cx="0" cy="1144635"/>
+          </a:xfrm>
+          <a:prstGeom prst="line">
+            <a:avLst/>
+          </a:prstGeom>
+        </p:spPr>
+        <p:style>
+          <a:lnRef idx="2">
+            <a:schemeClr val="accent1"/>
+          </a:lnRef>
+          <a:fillRef idx="0">
+            <a:schemeClr val="accent1"/>
+          </a:fillRef>
+          <a:effectRef idx="1">
+            <a:schemeClr val="accent1"/>
+          </a:effectRef>
+          <a:fontRef idx="minor">
+            <a:schemeClr val="tx1"/>
+          </a:fontRef>
+        </p:style>
+      </p:cxnSp>
+      <p:cxnSp>
+        <p:nvCxnSpPr>
+          <p:cNvPr id="21" name="Straight Connector 20"/>
+          <p:cNvCxnSpPr/>
+          <p:nvPr/>
+        </p:nvCxnSpPr>
+        <p:spPr>
+          <a:xfrm>
+            <a:off x="1537129" y="2195746"/>
+            <a:ext cx="0" cy="1144635"/>
+          </a:xfrm>
+          <a:prstGeom prst="line">
+            <a:avLst/>
+          </a:prstGeom>
+        </p:spPr>
+        <p:style>
+          <a:lnRef idx="2">
+            <a:schemeClr val="accent1"/>
+          </a:lnRef>
+          <a:fillRef idx="0">
+            <a:schemeClr val="accent1"/>
+          </a:fillRef>
+          <a:effectRef idx="1">
+            <a:schemeClr val="accent1"/>
+          </a:effectRef>
+          <a:fontRef idx="minor">
+            <a:schemeClr val="tx1"/>
+          </a:fontRef>
+        </p:style>
+      </p:cxnSp>
+      <p:cxnSp>
+        <p:nvCxnSpPr>
+          <p:cNvPr id="22" name="Straight Connector 21"/>
+          <p:cNvCxnSpPr/>
+          <p:nvPr/>
+        </p:nvCxnSpPr>
+        <p:spPr>
+          <a:xfrm>
+            <a:off x="3145005" y="2188866"/>
+            <a:ext cx="0" cy="1144635"/>
+          </a:xfrm>
+          <a:prstGeom prst="line">
+            <a:avLst/>
+          </a:prstGeom>
+        </p:spPr>
+        <p:style>
+          <a:lnRef idx="2">
+            <a:schemeClr val="accent1"/>
+          </a:lnRef>
+          <a:fillRef idx="0">
+            <a:schemeClr val="accent1"/>
+          </a:fillRef>
+          <a:effectRef idx="1">
+            <a:schemeClr val="accent1"/>
+          </a:effectRef>
+          <a:fontRef idx="minor">
+            <a:schemeClr val="tx1"/>
+          </a:fontRef>
+        </p:style>
+      </p:cxnSp>
+      <p:cxnSp>
+        <p:nvCxnSpPr>
+          <p:cNvPr id="23" name="Straight Connector 22"/>
+          <p:cNvCxnSpPr/>
+          <p:nvPr/>
+        </p:nvCxnSpPr>
+        <p:spPr>
+          <a:xfrm>
+            <a:off x="4103171" y="2188866"/>
+            <a:ext cx="0" cy="1144635"/>
+          </a:xfrm>
+          <a:prstGeom prst="line">
+            <a:avLst/>
+          </a:prstGeom>
+          <a:ln>
+            <a:solidFill>
+              <a:srgbClr val="FF0000"/>
+            </a:solidFill>
+          </a:ln>
+        </p:spPr>
+        <p:style>
+          <a:lnRef idx="2">
+            <a:schemeClr val="accent1"/>
+          </a:lnRef>
+          <a:fillRef idx="0">
+            <a:schemeClr val="accent1"/>
+          </a:fillRef>
+          <a:effectRef idx="1">
+            <a:schemeClr val="accent1"/>
+          </a:effectRef>
+          <a:fontRef idx="minor">
+            <a:schemeClr val="tx1"/>
+          </a:fontRef>
+        </p:style>
+      </p:cxnSp>
+      <p:sp>
+        <p:nvSpPr>
+          <p:cNvPr id="24" name="TextBox 23"/>
+          <p:cNvSpPr txBox="1"/>
+          <p:nvPr/>
+        </p:nvSpPr>
+        <p:spPr>
+          <a:xfrm>
+            <a:off x="3869382" y="3376637"/>
+            <a:ext cx="641660" cy="307777"/>
+          </a:xfrm>
+          <a:prstGeom prst="rect">
+            <a:avLst/>
+          </a:prstGeom>
+          <a:noFill/>
+        </p:spPr>
+        <p:txBody>
+          <a:bodyPr wrap="none" rtlCol="0">
+            <a:spAutoFit/>
+          </a:bodyPr>
+          <a:lstStyle/>
+          <a:p>
+            <a:r>
+              <a:rPr lang="en-US" sz="1400" dirty="0" smtClean="0"/>
+              <a:t>300 m</a:t>
+            </a:r>
+            <a:endParaRPr lang="en-US" sz="1400" dirty="0"/>
+          </a:p>
+        </p:txBody>
+      </p:sp>
+      <p:sp>
+        <p:nvSpPr>
+          <p:cNvPr id="25" name="TextBox 24"/>
+          <p:cNvSpPr txBox="1"/>
+          <p:nvPr/>
+        </p:nvSpPr>
+        <p:spPr>
+          <a:xfrm>
+            <a:off x="3733831" y="1804247"/>
+            <a:ext cx="774909" cy="307777"/>
+          </a:xfrm>
+          <a:prstGeom prst="rect">
+            <a:avLst/>
+          </a:prstGeom>
+          <a:noFill/>
+        </p:spPr>
+        <p:txBody>
+          <a:bodyPr wrap="none" rtlCol="0">
+            <a:spAutoFit/>
+          </a:bodyPr>
+          <a:lstStyle/>
+          <a:p>
+            <a:r>
+              <a:rPr lang="en-US" sz="1400" dirty="0" err="1" smtClean="0"/>
+              <a:t>dxmn</a:t>
+            </a:r>
+            <a:r>
+              <a:rPr lang="en-US" sz="1400" dirty="0" smtClean="0"/>
+              <a:t>=1</a:t>
+            </a:r>
+            <a:endParaRPr lang="en-US" sz="1400" dirty="0"/>
+          </a:p>
+        </p:txBody>
+      </p:sp>
+      <p:sp>
+        <p:nvSpPr>
+          <p:cNvPr id="26" name="TextBox 25"/>
+          <p:cNvSpPr txBox="1"/>
+          <p:nvPr/>
+        </p:nvSpPr>
+        <p:spPr>
+          <a:xfrm>
+            <a:off x="469221" y="3561885"/>
+            <a:ext cx="736099" cy="307777"/>
+          </a:xfrm>
+          <a:prstGeom prst="rect">
+            <a:avLst/>
+          </a:prstGeom>
+          <a:noFill/>
+        </p:spPr>
+        <p:txBody>
+          <a:bodyPr wrap="none" rtlCol="0">
+            <a:spAutoFit/>
+          </a:bodyPr>
+          <a:lstStyle/>
+          <a:p>
+            <a:r>
+              <a:rPr lang="en-US" sz="1400" dirty="0" smtClean="0"/>
+              <a:t>XL(1)=0</a:t>
+            </a:r>
+            <a:endParaRPr lang="en-US" sz="1400" dirty="0"/>
+          </a:p>
+        </p:txBody>
+      </p:sp>
+      <p:sp>
+        <p:nvSpPr>
+          <p:cNvPr id="27" name="TextBox 26"/>
+          <p:cNvSpPr txBox="1"/>
+          <p:nvPr/>
+        </p:nvSpPr>
+        <p:spPr>
+          <a:xfrm>
+            <a:off x="2978354" y="3964104"/>
+            <a:ext cx="2420367" cy="307777"/>
+          </a:xfrm>
+          <a:prstGeom prst="rect">
+            <a:avLst/>
+          </a:prstGeom>
+          <a:noFill/>
+        </p:spPr>
+        <p:txBody>
+          <a:bodyPr wrap="none" rtlCol="0">
+            <a:spAutoFit/>
+          </a:bodyPr>
+          <a:lstStyle/>
+          <a:p>
+            <a:r>
+              <a:rPr lang="en-US" sz="1400" b="1" dirty="0" smtClean="0"/>
+              <a:t>Example for grid in x direction</a:t>
+            </a:r>
+            <a:endParaRPr lang="en-US" sz="1400" b="1" dirty="0"/>
+          </a:p>
+        </p:txBody>
+      </p:sp>
+      <p:sp>
+        <p:nvSpPr>
+          <p:cNvPr id="28" name="TextBox 27"/>
+          <p:cNvSpPr txBox="1"/>
+          <p:nvPr/>
+        </p:nvSpPr>
+        <p:spPr>
+          <a:xfrm>
+            <a:off x="8175863" y="3584876"/>
+            <a:ext cx="915635" cy="307777"/>
+          </a:xfrm>
+          <a:prstGeom prst="rect">
+            <a:avLst/>
+          </a:prstGeom>
+          <a:noFill/>
+        </p:spPr>
+        <p:txBody>
+          <a:bodyPr wrap="none" rtlCol="0">
+            <a:spAutoFit/>
+          </a:bodyPr>
+          <a:lstStyle/>
+          <a:p>
+            <a:r>
+              <a:rPr lang="en-US" sz="1400" dirty="0" smtClean="0"/>
+              <a:t>XL(2)=800</a:t>
+            </a:r>
+            <a:endParaRPr lang="en-US" sz="1400" dirty="0"/>
+          </a:p>
+        </p:txBody>
+      </p:sp>
+      <p:sp>
+        <p:nvSpPr>
+          <p:cNvPr id="29" name="TextBox 28"/>
+          <p:cNvSpPr txBox="1"/>
+          <p:nvPr/>
+        </p:nvSpPr>
+        <p:spPr>
+          <a:xfrm>
+            <a:off x="2168610" y="3561885"/>
+            <a:ext cx="831628" cy="307777"/>
+          </a:xfrm>
+          <a:prstGeom prst="rect">
+            <a:avLst/>
+          </a:prstGeom>
+          <a:noFill/>
+        </p:spPr>
+        <p:txBody>
+          <a:bodyPr wrap="none" rtlCol="0">
+            <a:spAutoFit/>
+          </a:bodyPr>
+          <a:lstStyle/>
+          <a:p>
+            <a:r>
+              <a:rPr lang="en-US" sz="1400" dirty="0" smtClean="0"/>
+              <a:t>NXL=400 </a:t>
+            </a:r>
+            <a:endParaRPr lang="en-US" sz="1400" dirty="0"/>
+          </a:p>
+        </p:txBody>
+      </p:sp>
+      <p:sp>
+        <p:nvSpPr>
+          <p:cNvPr id="30" name="TextBox 29"/>
+          <p:cNvSpPr txBox="1"/>
+          <p:nvPr/>
+        </p:nvSpPr>
+        <p:spPr>
+          <a:xfrm>
+            <a:off x="5958811" y="3561885"/>
+            <a:ext cx="853632" cy="307777"/>
+          </a:xfrm>
+          <a:prstGeom prst="rect">
+            <a:avLst/>
+          </a:prstGeom>
+          <a:noFill/>
+        </p:spPr>
+        <p:txBody>
+          <a:bodyPr wrap="none" rtlCol="0">
+            <a:spAutoFit/>
+          </a:bodyPr>
+          <a:lstStyle/>
+          <a:p>
+            <a:r>
+              <a:rPr lang="en-US" sz="1400" dirty="0" smtClean="0"/>
+              <a:t>NXR=400</a:t>
+            </a:r>
+            <a:endParaRPr lang="en-US" sz="1400" dirty="0"/>
+          </a:p>
+        </p:txBody>
+      </p:sp>
+    </p:spTree>
+    <p:extLst>
+      <p:ext uri="{BB962C8B-B14F-4D97-AF65-F5344CB8AC3E}">
+        <p14:creationId xmlns:p14="http://schemas.microsoft.com/office/powerpoint/2010/main" val="3731621748"/>
+      </p:ext>
+    </p:extLst>
+  </p:cSld>
+  <p:clrMapOvr>
+    <a:masterClrMapping/>
+  </p:clrMapOvr>
+</p:sld>
+</file>
+
+<file path=ppt/slides/slide5.xml><?xml version="1.0" encoding="utf-8"?>
+<p:sld xmlns:a="http://schemas.openxmlformats.org/drawingml/2006/main" xmlns:r="http://schemas.openxmlformats.org/officeDocument/2006/relationships" xmlns:p="http://schemas.openxmlformats.org/presentationml/2006/main">
+  <p:cSld>
+    <p:spTree>
+      <p:nvGrpSpPr>
+        <p:cNvPr id="1" name=""/>
+        <p:cNvGrpSpPr/>
+        <p:nvPr/>
+      </p:nvGrpSpPr>
+      <p:grpSpPr>
+        <a:xfrm>
+          <a:off x="0" y="0"/>
+          <a:ext cx="0" cy="0"/>
+          <a:chOff x="0" y="0"/>
+          <a:chExt cx="0" cy="0"/>
+        </a:xfrm>
+      </p:grpSpPr>
+      <p:sp>
+        <p:nvSpPr>
+          <p:cNvPr id="4" name="Rectangle 3"/>
+          <p:cNvSpPr/>
+          <p:nvPr/>
+        </p:nvSpPr>
+        <p:spPr>
+          <a:xfrm>
+            <a:off x="6934199" y="5727597"/>
+            <a:ext cx="810569" cy="282238"/>
+          </a:xfrm>
+          <a:prstGeom prst="rect">
+            <a:avLst/>
+          </a:prstGeom>
+          <a:solidFill>
+            <a:srgbClr val="FFFF00">
+              <a:alpha val="60000"/>
+            </a:srgbClr>
+          </a:solidFill>
+        </p:spPr>
+        <p:style>
+          <a:lnRef idx="1">
+            <a:schemeClr val="accent1"/>
+          </a:lnRef>
+          <a:fillRef idx="3">
+            <a:schemeClr val="accent1"/>
+          </a:fillRef>
+          <a:effectRef idx="2">
+            <a:schemeClr val="accent1"/>
+          </a:effectRef>
+          <a:fontRef idx="minor">
+            <a:schemeClr val="lt1"/>
+          </a:fontRef>
+        </p:style>
+        <p:txBody>
+          <a:bodyPr rtlCol="0" anchor="ctr"/>
+          <a:lstStyle/>
+          <a:p>
+            <a:pPr algn="ctr"/>
+            <a:endParaRPr lang="en-US"/>
+          </a:p>
+        </p:txBody>
+      </p:sp>
+      <p:sp>
+        <p:nvSpPr>
+          <p:cNvPr id="5" name="Rectangle 4"/>
+          <p:cNvSpPr/>
+          <p:nvPr/>
+        </p:nvSpPr>
+        <p:spPr>
+          <a:xfrm>
+            <a:off x="6945494" y="6194762"/>
+            <a:ext cx="799274" cy="282238"/>
+          </a:xfrm>
+          <a:prstGeom prst="rect">
+            <a:avLst/>
+          </a:prstGeom>
+          <a:solidFill>
+            <a:srgbClr val="FF0000">
+              <a:alpha val="50000"/>
+            </a:srgbClr>
+          </a:solidFill>
+        </p:spPr>
+        <p:style>
+          <a:lnRef idx="1">
+            <a:schemeClr val="accent1"/>
+          </a:lnRef>
+          <a:fillRef idx="3">
+            <a:schemeClr val="accent1"/>
+          </a:fillRef>
+          <a:effectRef idx="2">
+            <a:schemeClr val="accent1"/>
+          </a:effectRef>
+          <a:fontRef idx="minor">
+            <a:schemeClr val="lt1"/>
+          </a:fontRef>
+        </p:style>
+        <p:txBody>
+          <a:bodyPr rtlCol="0" anchor="ctr"/>
+          <a:lstStyle/>
+          <a:p>
+            <a:pPr algn="ctr"/>
+            <a:endParaRPr lang="en-US"/>
+          </a:p>
+        </p:txBody>
+      </p:sp>
+      <p:sp>
+        <p:nvSpPr>
+          <p:cNvPr id="6" name="TextBox 5"/>
+          <p:cNvSpPr txBox="1"/>
+          <p:nvPr/>
+        </p:nvSpPr>
+        <p:spPr>
+          <a:xfrm>
+            <a:off x="7096481" y="5680557"/>
+            <a:ext cx="648287" cy="307777"/>
+          </a:xfrm>
+          <a:prstGeom prst="rect">
+            <a:avLst/>
+          </a:prstGeom>
+          <a:noFill/>
+        </p:spPr>
+        <p:txBody>
+          <a:bodyPr wrap="square" rtlCol="0">
+            <a:spAutoFit/>
+          </a:bodyPr>
+          <a:lstStyle/>
+          <a:p>
+            <a:r>
+              <a:rPr lang="en-US" sz="1400" dirty="0" smtClean="0"/>
+              <a:t>add</a:t>
+            </a:r>
+            <a:endParaRPr lang="en-US" sz="1400" dirty="0"/>
+          </a:p>
+        </p:txBody>
+      </p:sp>
+      <p:sp>
+        <p:nvSpPr>
+          <p:cNvPr id="7" name="TextBox 6"/>
+          <p:cNvSpPr txBox="1"/>
+          <p:nvPr/>
+        </p:nvSpPr>
+        <p:spPr>
+          <a:xfrm>
+            <a:off x="6945494" y="6169223"/>
+            <a:ext cx="799274" cy="307777"/>
+          </a:xfrm>
+          <a:prstGeom prst="rect">
+            <a:avLst/>
+          </a:prstGeom>
+          <a:noFill/>
+        </p:spPr>
+        <p:txBody>
+          <a:bodyPr wrap="square" rtlCol="0">
+            <a:spAutoFit/>
+          </a:bodyPr>
+          <a:lstStyle/>
+          <a:p>
+            <a:r>
+              <a:rPr lang="en-US" sz="1400" dirty="0" smtClean="0"/>
+              <a:t>subtract</a:t>
+            </a:r>
+            <a:endParaRPr lang="en-US" sz="1400" dirty="0"/>
+          </a:p>
+        </p:txBody>
+      </p:sp>
+      <p:sp>
+        <p:nvSpPr>
+          <p:cNvPr id="8" name="Rectangle 7"/>
+          <p:cNvSpPr/>
+          <p:nvPr/>
+        </p:nvSpPr>
+        <p:spPr>
+          <a:xfrm>
+            <a:off x="971970" y="3183021"/>
+            <a:ext cx="2061156" cy="1818870"/>
+          </a:xfrm>
+          <a:prstGeom prst="rect">
+            <a:avLst/>
+          </a:prstGeom>
+          <a:solidFill>
+            <a:srgbClr val="FFFF00">
+              <a:alpha val="70000"/>
+            </a:srgbClr>
+          </a:solidFill>
+        </p:spPr>
+        <p:style>
+          <a:lnRef idx="1">
+            <a:schemeClr val="accent1"/>
+          </a:lnRef>
+          <a:fillRef idx="3">
+            <a:schemeClr val="accent1"/>
+          </a:fillRef>
+          <a:effectRef idx="2">
+            <a:schemeClr val="accent1"/>
+          </a:effectRef>
+          <a:fontRef idx="minor">
+            <a:schemeClr val="lt1"/>
+          </a:fontRef>
+        </p:style>
+        <p:txBody>
+          <a:bodyPr rtlCol="0" anchor="ctr"/>
+          <a:lstStyle/>
+          <a:p>
+            <a:pPr algn="ctr"/>
+            <a:endParaRPr lang="en-US"/>
+          </a:p>
+        </p:txBody>
+      </p:sp>
+      <p:sp>
+        <p:nvSpPr>
+          <p:cNvPr id="9" name="Trapezoid 8"/>
+          <p:cNvSpPr/>
+          <p:nvPr/>
+        </p:nvSpPr>
+        <p:spPr>
+          <a:xfrm>
+            <a:off x="2774901" y="2257907"/>
+            <a:ext cx="1599172" cy="2743984"/>
+          </a:xfrm>
+          <a:prstGeom prst="trapezoid">
+            <a:avLst/>
+          </a:prstGeom>
+          <a:solidFill>
+            <a:srgbClr val="FFFF00">
+              <a:alpha val="60000"/>
+            </a:srgbClr>
+          </a:solidFill>
+        </p:spPr>
+        <p:style>
+          <a:lnRef idx="1">
+            <a:schemeClr val="accent1"/>
+          </a:lnRef>
+          <a:fillRef idx="3">
+            <a:schemeClr val="accent1"/>
+          </a:fillRef>
+          <a:effectRef idx="2">
+            <a:schemeClr val="accent1"/>
+          </a:effectRef>
+          <a:fontRef idx="minor">
+            <a:schemeClr val="lt1"/>
+          </a:fontRef>
+        </p:style>
+        <p:txBody>
+          <a:bodyPr rtlCol="0" anchor="ctr"/>
+          <a:lstStyle/>
+          <a:p>
+            <a:pPr algn="ctr"/>
+            <a:endParaRPr lang="en-US"/>
+          </a:p>
+        </p:txBody>
+      </p:sp>
+      <p:sp>
+        <p:nvSpPr>
+          <p:cNvPr id="10" name="Isosceles Triangle 9"/>
+          <p:cNvSpPr/>
+          <p:nvPr/>
+        </p:nvSpPr>
+        <p:spPr>
+          <a:xfrm>
+            <a:off x="203764" y="2414706"/>
+            <a:ext cx="1196417" cy="2587185"/>
+          </a:xfrm>
+          <a:prstGeom prst="triangle">
+            <a:avLst/>
+          </a:prstGeom>
+          <a:solidFill>
+            <a:srgbClr val="FFFF00">
+              <a:alpha val="70000"/>
+            </a:srgbClr>
+          </a:solidFill>
+        </p:spPr>
+        <p:style>
+          <a:lnRef idx="1">
+            <a:schemeClr val="accent1"/>
+          </a:lnRef>
+          <a:fillRef idx="3">
+            <a:schemeClr val="accent1"/>
+          </a:fillRef>
+          <a:effectRef idx="2">
+            <a:schemeClr val="accent1"/>
+          </a:effectRef>
+          <a:fontRef idx="minor">
+            <a:schemeClr val="lt1"/>
+          </a:fontRef>
+        </p:style>
+        <p:txBody>
+          <a:bodyPr rtlCol="0" anchor="ctr"/>
+          <a:lstStyle/>
+          <a:p>
+            <a:pPr algn="ctr"/>
+            <a:endParaRPr lang="en-US"/>
+          </a:p>
+        </p:txBody>
+      </p:sp>
+      <p:sp>
+        <p:nvSpPr>
+          <p:cNvPr id="11" name="Rectangle 10"/>
+          <p:cNvSpPr/>
+          <p:nvPr/>
+        </p:nvSpPr>
+        <p:spPr>
+          <a:xfrm>
+            <a:off x="1787208" y="658556"/>
+            <a:ext cx="379063" cy="4343335"/>
+          </a:xfrm>
+          <a:prstGeom prst="rect">
+            <a:avLst/>
+          </a:prstGeom>
+          <a:solidFill>
+            <a:srgbClr val="FFFF00">
+              <a:alpha val="75000"/>
+            </a:srgbClr>
+          </a:solidFill>
+        </p:spPr>
+        <p:style>
+          <a:lnRef idx="1">
+            <a:schemeClr val="accent1"/>
+          </a:lnRef>
+          <a:fillRef idx="3">
+            <a:schemeClr val="accent1"/>
+          </a:fillRef>
+          <a:effectRef idx="2">
+            <a:schemeClr val="accent1"/>
+          </a:effectRef>
+          <a:fontRef idx="minor">
+            <a:schemeClr val="lt1"/>
+          </a:fontRef>
+        </p:style>
+        <p:txBody>
+          <a:bodyPr rtlCol="0" anchor="ctr"/>
+          <a:lstStyle/>
+          <a:p>
+            <a:pPr algn="ctr"/>
+            <a:endParaRPr lang="en-US"/>
+          </a:p>
+        </p:txBody>
+      </p:sp>
+      <p:sp>
+        <p:nvSpPr>
+          <p:cNvPr id="13" name="Right Arrow 12"/>
+          <p:cNvSpPr/>
+          <p:nvPr/>
+        </p:nvSpPr>
+        <p:spPr>
+          <a:xfrm>
+            <a:off x="4264339" y="1379832"/>
+            <a:ext cx="783888" cy="360638"/>
+          </a:xfrm>
+          <a:prstGeom prst="rightArrow">
+            <a:avLst/>
+          </a:prstGeom>
+        </p:spPr>
+        <p:style>
+          <a:lnRef idx="1">
+            <a:schemeClr val="accent1"/>
+          </a:lnRef>
+          <a:fillRef idx="3">
+            <a:schemeClr val="accent1"/>
+          </a:fillRef>
+          <a:effectRef idx="2">
+            <a:schemeClr val="accent1"/>
+          </a:effectRef>
+          <a:fontRef idx="minor">
+            <a:schemeClr val="lt1"/>
+          </a:fontRef>
+        </p:style>
+        <p:txBody>
+          <a:bodyPr rtlCol="0" anchor="ctr"/>
+          <a:lstStyle/>
+          <a:p>
+            <a:pPr algn="ctr"/>
+            <a:endParaRPr lang="en-US"/>
+          </a:p>
+        </p:txBody>
+      </p:sp>
+      <p:sp>
+        <p:nvSpPr>
+          <p:cNvPr id="15" name="Freeform 14"/>
+          <p:cNvSpPr/>
+          <p:nvPr/>
+        </p:nvSpPr>
+        <p:spPr>
+          <a:xfrm>
+            <a:off x="4691538" y="658556"/>
+            <a:ext cx="4264326" cy="4359015"/>
+          </a:xfrm>
+          <a:custGeom>
+            <a:avLst/>
+            <a:gdLst>
+              <a:gd name="connsiteX0" fmla="*/ 0 w 4264326"/>
+              <a:gd name="connsiteY0" fmla="*/ 4359015 h 4359015"/>
+              <a:gd name="connsiteX1" fmla="*/ 611429 w 4264326"/>
+              <a:gd name="connsiteY1" fmla="*/ 1803190 h 4359015"/>
+              <a:gd name="connsiteX2" fmla="*/ 815239 w 4264326"/>
+              <a:gd name="connsiteY2" fmla="*/ 2540145 h 4359015"/>
+              <a:gd name="connsiteX3" fmla="*/ 1599123 w 4264326"/>
+              <a:gd name="connsiteY3" fmla="*/ 2540145 h 4359015"/>
+              <a:gd name="connsiteX4" fmla="*/ 1599123 w 4264326"/>
+              <a:gd name="connsiteY4" fmla="*/ 0 h 4359015"/>
+              <a:gd name="connsiteX5" fmla="*/ 1991064 w 4264326"/>
+              <a:gd name="connsiteY5" fmla="*/ 0 h 4359015"/>
+              <a:gd name="connsiteX6" fmla="*/ 1991064 w 4264326"/>
+              <a:gd name="connsiteY6" fmla="*/ 2524466 h 4359015"/>
+              <a:gd name="connsiteX7" fmla="*/ 2884691 w 4264326"/>
+              <a:gd name="connsiteY7" fmla="*/ 2540145 h 4359015"/>
+              <a:gd name="connsiteX8" fmla="*/ 3072823 w 4264326"/>
+              <a:gd name="connsiteY8" fmla="*/ 1615031 h 4359015"/>
+              <a:gd name="connsiteX9" fmla="*/ 3856707 w 4264326"/>
+              <a:gd name="connsiteY9" fmla="*/ 1615031 h 4359015"/>
+              <a:gd name="connsiteX10" fmla="*/ 4264326 w 4264326"/>
+              <a:gd name="connsiteY10" fmla="*/ 4359015 h 4359015"/>
+              <a:gd name="connsiteX11" fmla="*/ 0 w 4264326"/>
+              <a:gd name="connsiteY11" fmla="*/ 4359015 h 4359015"/>
+            </a:gdLst>
+            <a:ahLst/>
+            <a:cxnLst>
+              <a:cxn ang="0">
+                <a:pos x="connsiteX0" y="connsiteY0"/>
+              </a:cxn>
+              <a:cxn ang="0">
+                <a:pos x="connsiteX1" y="connsiteY1"/>
+              </a:cxn>
+              <a:cxn ang="0">
+                <a:pos x="connsiteX2" y="connsiteY2"/>
+              </a:cxn>
+              <a:cxn ang="0">
+                <a:pos x="connsiteX3" y="connsiteY3"/>
+              </a:cxn>
+              <a:cxn ang="0">
+                <a:pos x="connsiteX4" y="connsiteY4"/>
+              </a:cxn>
+              <a:cxn ang="0">
+                <a:pos x="connsiteX5" y="connsiteY5"/>
+              </a:cxn>
+              <a:cxn ang="0">
+                <a:pos x="connsiteX6" y="connsiteY6"/>
+              </a:cxn>
+              <a:cxn ang="0">
+                <a:pos x="connsiteX7" y="connsiteY7"/>
+              </a:cxn>
+              <a:cxn ang="0">
+                <a:pos x="connsiteX8" y="connsiteY8"/>
+              </a:cxn>
+              <a:cxn ang="0">
+                <a:pos x="connsiteX9" y="connsiteY9"/>
+              </a:cxn>
+              <a:cxn ang="0">
+                <a:pos x="connsiteX10" y="connsiteY10"/>
+              </a:cxn>
+              <a:cxn ang="0">
+                <a:pos x="connsiteX11" y="connsiteY11"/>
+              </a:cxn>
+            </a:cxnLst>
+            <a:rect l="l" t="t" r="r" b="b"/>
+            <a:pathLst>
+              <a:path w="4264326" h="4359015">
+                <a:moveTo>
+                  <a:pt x="0" y="4359015"/>
+                </a:moveTo>
+                <a:lnTo>
+                  <a:pt x="611429" y="1803190"/>
+                </a:lnTo>
+                <a:lnTo>
+                  <a:pt x="815239" y="2540145"/>
+                </a:lnTo>
+                <a:lnTo>
+                  <a:pt x="1599123" y="2540145"/>
+                </a:lnTo>
+                <a:lnTo>
+                  <a:pt x="1599123" y="0"/>
+                </a:lnTo>
+                <a:lnTo>
+                  <a:pt x="1991064" y="0"/>
+                </a:lnTo>
+                <a:lnTo>
+                  <a:pt x="1991064" y="2524466"/>
+                </a:lnTo>
+                <a:lnTo>
+                  <a:pt x="2884691" y="2540145"/>
+                </a:lnTo>
+                <a:lnTo>
+                  <a:pt x="3072823" y="1615031"/>
+                </a:lnTo>
+                <a:lnTo>
+                  <a:pt x="3856707" y="1615031"/>
+                </a:lnTo>
+                <a:lnTo>
+                  <a:pt x="4264326" y="4359015"/>
+                </a:lnTo>
+                <a:lnTo>
+                  <a:pt x="0" y="4359015"/>
+                </a:lnTo>
+                <a:close/>
+              </a:path>
+            </a:pathLst>
+          </a:custGeom>
+          <a:solidFill>
+            <a:schemeClr val="accent1"/>
+          </a:solidFill>
+          <a:ln>
+            <a:solidFill>
+              <a:srgbClr val="000000"/>
+            </a:solidFill>
+          </a:ln>
+        </p:spPr>
+        <p:style>
+          <a:lnRef idx="1">
+            <a:schemeClr val="accent1"/>
+          </a:lnRef>
+          <a:fillRef idx="3">
+            <a:schemeClr val="accent1"/>
+          </a:fillRef>
+          <a:effectRef idx="2">
+            <a:schemeClr val="accent1"/>
+          </a:effectRef>
+          <a:fontRef idx="minor">
+            <a:schemeClr val="lt1"/>
+          </a:fontRef>
+        </p:style>
+        <p:txBody>
+          <a:bodyPr rtlCol="0" anchor="ctr"/>
+          <a:lstStyle/>
+          <a:p>
+            <a:pPr algn="ctr"/>
+            <a:endParaRPr lang="en-US"/>
+          </a:p>
+        </p:txBody>
+      </p:sp>
+      <p:sp>
+        <p:nvSpPr>
+          <p:cNvPr id="17" name="TextBox 16"/>
+          <p:cNvSpPr txBox="1"/>
+          <p:nvPr/>
+        </p:nvSpPr>
+        <p:spPr>
+          <a:xfrm>
+            <a:off x="5294159" y="3363684"/>
+            <a:ext cx="1541595" cy="369332"/>
+          </a:xfrm>
+          <a:prstGeom prst="rect">
+            <a:avLst/>
+          </a:prstGeom>
+          <a:noFill/>
+        </p:spPr>
+        <p:txBody>
+          <a:bodyPr wrap="none" rtlCol="0">
+            <a:spAutoFit/>
+          </a:bodyPr>
+          <a:lstStyle/>
+          <a:p>
+            <a:r>
+              <a:rPr lang="en-US" dirty="0" smtClean="0">
+                <a:solidFill>
+                  <a:schemeClr val="bg1"/>
+                </a:solidFill>
+              </a:rPr>
+              <a:t>Final structure</a:t>
+            </a:r>
+            <a:endParaRPr lang="en-US" dirty="0">
+              <a:solidFill>
+                <a:schemeClr val="bg1"/>
+              </a:solidFill>
+            </a:endParaRPr>
+          </a:p>
+        </p:txBody>
+      </p:sp>
+    </p:spTree>
+    <p:extLst>
+      <p:ext uri="{BB962C8B-B14F-4D97-AF65-F5344CB8AC3E}">
+        <p14:creationId xmlns:p14="http://schemas.microsoft.com/office/powerpoint/2010/main" val="2404177098"/>
+      </p:ext>
+    </p:extLst>
+  </p:cSld>
+  <p:clrMapOvr>
+    <a:masterClrMapping/>
+  </p:clrMapOvr>
+</p:sld>
+</file>
+
+<file path=ppt/slides/slide6.xml><?xml version="1.0" encoding="utf-8"?>
+<p:sld xmlns:a="http://schemas.openxmlformats.org/drawingml/2006/main" xmlns:r="http://schemas.openxmlformats.org/officeDocument/2006/relationships" xmlns:p="http://schemas.openxmlformats.org/presentationml/2006/main">
+  <p:cSld>
+    <p:spTree>
+      <p:nvGrpSpPr>
+        <p:cNvPr id="1" name=""/>
+        <p:cNvGrpSpPr/>
+        <p:nvPr/>
+      </p:nvGrpSpPr>
+      <p:grpSpPr>
+        <a:xfrm>
+          <a:off x="0" y="0"/>
+          <a:ext cx="0" cy="0"/>
+          <a:chOff x="0" y="0"/>
+          <a:chExt cx="0" cy="0"/>
+        </a:xfrm>
+      </p:grpSpPr>
+      <p:sp>
+        <p:nvSpPr>
+          <p:cNvPr id="17" name="Rectangle 16"/>
+          <p:cNvSpPr/>
+          <p:nvPr/>
+        </p:nvSpPr>
+        <p:spPr>
+          <a:xfrm>
+            <a:off x="6934199" y="5346597"/>
+            <a:ext cx="810569" cy="282238"/>
+          </a:xfrm>
+          <a:prstGeom prst="rect">
+            <a:avLst/>
+          </a:prstGeom>
+          <a:solidFill>
+            <a:srgbClr val="FFFF00">
+              <a:alpha val="60000"/>
+            </a:srgbClr>
+          </a:solidFill>
+        </p:spPr>
+        <p:style>
+          <a:lnRef idx="1">
+            <a:schemeClr val="accent1"/>
+          </a:lnRef>
+          <a:fillRef idx="3">
+            <a:schemeClr val="accent1"/>
+          </a:fillRef>
+          <a:effectRef idx="2">
+            <a:schemeClr val="accent1"/>
+          </a:effectRef>
+          <a:fontRef idx="minor">
+            <a:schemeClr val="lt1"/>
+          </a:fontRef>
+        </p:style>
+        <p:txBody>
+          <a:bodyPr rtlCol="0" anchor="ctr"/>
+          <a:lstStyle/>
+          <a:p>
+            <a:pPr algn="ctr"/>
+            <a:endParaRPr lang="en-US"/>
+          </a:p>
+        </p:txBody>
+      </p:sp>
+      <p:sp>
+        <p:nvSpPr>
+          <p:cNvPr id="18" name="Rectangle 17"/>
+          <p:cNvSpPr/>
+          <p:nvPr/>
+        </p:nvSpPr>
+        <p:spPr>
+          <a:xfrm>
+            <a:off x="6945494" y="5813762"/>
+            <a:ext cx="799274" cy="282238"/>
+          </a:xfrm>
+          <a:prstGeom prst="rect">
+            <a:avLst/>
+          </a:prstGeom>
+          <a:solidFill>
+            <a:srgbClr val="FF0000">
+              <a:alpha val="50000"/>
+            </a:srgbClr>
+          </a:solidFill>
+        </p:spPr>
+        <p:style>
+          <a:lnRef idx="1">
+            <a:schemeClr val="accent1"/>
+          </a:lnRef>
+          <a:fillRef idx="3">
+            <a:schemeClr val="accent1"/>
+          </a:fillRef>
+          <a:effectRef idx="2">
+            <a:schemeClr val="accent1"/>
+          </a:effectRef>
+          <a:fontRef idx="minor">
+            <a:schemeClr val="lt1"/>
+          </a:fontRef>
+        </p:style>
+        <p:txBody>
+          <a:bodyPr rtlCol="0" anchor="ctr"/>
+          <a:lstStyle/>
+          <a:p>
+            <a:pPr algn="ctr"/>
+            <a:endParaRPr lang="en-US"/>
+          </a:p>
+        </p:txBody>
+      </p:sp>
+      <p:sp>
+        <p:nvSpPr>
+          <p:cNvPr id="19" name="TextBox 18"/>
+          <p:cNvSpPr txBox="1"/>
+          <p:nvPr/>
+        </p:nvSpPr>
+        <p:spPr>
+          <a:xfrm>
+            <a:off x="7096481" y="5299557"/>
+            <a:ext cx="648287" cy="307777"/>
+          </a:xfrm>
+          <a:prstGeom prst="rect">
+            <a:avLst/>
+          </a:prstGeom>
+          <a:noFill/>
+        </p:spPr>
+        <p:txBody>
+          <a:bodyPr wrap="square" rtlCol="0">
+            <a:spAutoFit/>
+          </a:bodyPr>
+          <a:lstStyle/>
+          <a:p>
+            <a:r>
+              <a:rPr lang="en-US" sz="1400" dirty="0" smtClean="0"/>
+              <a:t>add</a:t>
+            </a:r>
+            <a:endParaRPr lang="en-US" sz="1400" dirty="0"/>
+          </a:p>
+        </p:txBody>
+      </p:sp>
+      <p:sp>
+        <p:nvSpPr>
+          <p:cNvPr id="20" name="TextBox 19"/>
+          <p:cNvSpPr txBox="1"/>
+          <p:nvPr/>
+        </p:nvSpPr>
+        <p:spPr>
+          <a:xfrm>
+            <a:off x="6945494" y="5788223"/>
+            <a:ext cx="799274" cy="307777"/>
+          </a:xfrm>
+          <a:prstGeom prst="rect">
+            <a:avLst/>
+          </a:prstGeom>
+          <a:noFill/>
+        </p:spPr>
+        <p:txBody>
+          <a:bodyPr wrap="square" rtlCol="0">
+            <a:spAutoFit/>
+          </a:bodyPr>
+          <a:lstStyle/>
+          <a:p>
+            <a:r>
+              <a:rPr lang="en-US" sz="1400" dirty="0" smtClean="0"/>
+              <a:t>subtract</a:t>
+            </a:r>
+            <a:endParaRPr lang="en-US" sz="1400" dirty="0"/>
+          </a:p>
+        </p:txBody>
+      </p:sp>
+      <p:sp>
+        <p:nvSpPr>
+          <p:cNvPr id="21" name="Rectangle 20"/>
+          <p:cNvSpPr/>
+          <p:nvPr/>
+        </p:nvSpPr>
+        <p:spPr>
+          <a:xfrm>
+            <a:off x="971970" y="3183021"/>
+            <a:ext cx="2061156" cy="1818870"/>
+          </a:xfrm>
+          <a:prstGeom prst="rect">
+            <a:avLst/>
+          </a:prstGeom>
+          <a:solidFill>
+            <a:srgbClr val="FFFF00">
+              <a:alpha val="70000"/>
+            </a:srgbClr>
+          </a:solidFill>
+        </p:spPr>
+        <p:style>
+          <a:lnRef idx="1">
+            <a:schemeClr val="accent1"/>
+          </a:lnRef>
+          <a:fillRef idx="3">
+            <a:schemeClr val="accent1"/>
+          </a:fillRef>
+          <a:effectRef idx="2">
+            <a:schemeClr val="accent1"/>
+          </a:effectRef>
+          <a:fontRef idx="minor">
+            <a:schemeClr val="lt1"/>
+          </a:fontRef>
+        </p:style>
+        <p:txBody>
+          <a:bodyPr rtlCol="0" anchor="ctr"/>
+          <a:lstStyle/>
+          <a:p>
+            <a:pPr algn="ctr"/>
+            <a:endParaRPr lang="en-US"/>
+          </a:p>
+        </p:txBody>
+      </p:sp>
+      <p:sp>
+        <p:nvSpPr>
+          <p:cNvPr id="22" name="Trapezoid 21"/>
+          <p:cNvSpPr/>
+          <p:nvPr/>
+        </p:nvSpPr>
+        <p:spPr>
+          <a:xfrm>
+            <a:off x="2774901" y="2257907"/>
+            <a:ext cx="1599172" cy="2743984"/>
+          </a:xfrm>
+          <a:prstGeom prst="trapezoid">
+            <a:avLst/>
+          </a:prstGeom>
+          <a:solidFill>
+            <a:srgbClr val="FFFF00">
+              <a:alpha val="60000"/>
+            </a:srgbClr>
+          </a:solidFill>
+        </p:spPr>
+        <p:style>
+          <a:lnRef idx="1">
+            <a:schemeClr val="accent1"/>
+          </a:lnRef>
+          <a:fillRef idx="3">
+            <a:schemeClr val="accent1"/>
+          </a:fillRef>
+          <a:effectRef idx="2">
+            <a:schemeClr val="accent1"/>
+          </a:effectRef>
+          <a:fontRef idx="minor">
+            <a:schemeClr val="lt1"/>
+          </a:fontRef>
+        </p:style>
+        <p:txBody>
+          <a:bodyPr rtlCol="0" anchor="ctr"/>
+          <a:lstStyle/>
+          <a:p>
+            <a:pPr algn="ctr"/>
+            <a:endParaRPr lang="en-US"/>
+          </a:p>
+        </p:txBody>
+      </p:sp>
+      <p:sp>
+        <p:nvSpPr>
+          <p:cNvPr id="23" name="Isosceles Triangle 22"/>
+          <p:cNvSpPr/>
+          <p:nvPr/>
+        </p:nvSpPr>
+        <p:spPr>
+          <a:xfrm>
+            <a:off x="203764" y="2414706"/>
+            <a:ext cx="1196417" cy="2587185"/>
+          </a:xfrm>
+          <a:prstGeom prst="triangle">
+            <a:avLst/>
+          </a:prstGeom>
+          <a:solidFill>
+            <a:srgbClr val="FFFF00">
+              <a:alpha val="70000"/>
+            </a:srgbClr>
+          </a:solidFill>
+        </p:spPr>
+        <p:style>
+          <a:lnRef idx="1">
+            <a:schemeClr val="accent1"/>
+          </a:lnRef>
+          <a:fillRef idx="3">
+            <a:schemeClr val="accent1"/>
+          </a:fillRef>
+          <a:effectRef idx="2">
+            <a:schemeClr val="accent1"/>
+          </a:effectRef>
+          <a:fontRef idx="minor">
+            <a:schemeClr val="lt1"/>
+          </a:fontRef>
+        </p:style>
+        <p:txBody>
+          <a:bodyPr rtlCol="0" anchor="ctr"/>
+          <a:lstStyle/>
+          <a:p>
+            <a:pPr algn="ctr"/>
+            <a:endParaRPr lang="en-US"/>
+          </a:p>
+        </p:txBody>
+      </p:sp>
+      <p:sp>
+        <p:nvSpPr>
+          <p:cNvPr id="24" name="Rectangle 23"/>
+          <p:cNvSpPr/>
+          <p:nvPr/>
+        </p:nvSpPr>
+        <p:spPr>
+          <a:xfrm>
+            <a:off x="1787208" y="658556"/>
+            <a:ext cx="379063" cy="4343335"/>
+          </a:xfrm>
+          <a:prstGeom prst="rect">
+            <a:avLst/>
+          </a:prstGeom>
+          <a:solidFill>
+            <a:srgbClr val="FFFF00">
+              <a:alpha val="75000"/>
+            </a:srgbClr>
+          </a:solidFill>
+        </p:spPr>
+        <p:style>
+          <a:lnRef idx="1">
+            <a:schemeClr val="accent1"/>
+          </a:lnRef>
+          <a:fillRef idx="3">
+            <a:schemeClr val="accent1"/>
+          </a:fillRef>
+          <a:effectRef idx="2">
+            <a:schemeClr val="accent1"/>
+          </a:effectRef>
+          <a:fontRef idx="minor">
+            <a:schemeClr val="lt1"/>
+          </a:fontRef>
+        </p:style>
+        <p:txBody>
+          <a:bodyPr rtlCol="0" anchor="ctr"/>
+          <a:lstStyle/>
+          <a:p>
+            <a:pPr algn="ctr"/>
+            <a:endParaRPr lang="en-US"/>
+          </a:p>
+        </p:txBody>
+      </p:sp>
+      <p:sp>
+        <p:nvSpPr>
+          <p:cNvPr id="25" name="Right Arrow 24"/>
+          <p:cNvSpPr/>
+          <p:nvPr/>
+        </p:nvSpPr>
+        <p:spPr>
+          <a:xfrm>
+            <a:off x="4264339" y="1379832"/>
+            <a:ext cx="783888" cy="360638"/>
+          </a:xfrm>
+          <a:prstGeom prst="rightArrow">
+            <a:avLst/>
+          </a:prstGeom>
+        </p:spPr>
+        <p:style>
+          <a:lnRef idx="1">
+            <a:schemeClr val="accent1"/>
+          </a:lnRef>
+          <a:fillRef idx="3">
+            <a:schemeClr val="accent1"/>
+          </a:fillRef>
+          <a:effectRef idx="2">
+            <a:schemeClr val="accent1"/>
+          </a:effectRef>
+          <a:fontRef idx="minor">
+            <a:schemeClr val="lt1"/>
+          </a:fontRef>
+        </p:style>
+        <p:txBody>
+          <a:bodyPr rtlCol="0" anchor="ctr"/>
+          <a:lstStyle/>
+          <a:p>
+            <a:pPr algn="ctr"/>
+            <a:endParaRPr lang="en-US"/>
+          </a:p>
+        </p:txBody>
+      </p:sp>
+      <p:sp>
+        <p:nvSpPr>
+          <p:cNvPr id="27" name="Freeform 26"/>
+          <p:cNvSpPr/>
+          <p:nvPr/>
+        </p:nvSpPr>
+        <p:spPr>
+          <a:xfrm>
+            <a:off x="4691538" y="658556"/>
+            <a:ext cx="4264326" cy="4359015"/>
+          </a:xfrm>
+          <a:custGeom>
+            <a:avLst/>
+            <a:gdLst>
+              <a:gd name="connsiteX0" fmla="*/ 0 w 4264326"/>
+              <a:gd name="connsiteY0" fmla="*/ 4359015 h 4359015"/>
+              <a:gd name="connsiteX1" fmla="*/ 611429 w 4264326"/>
+              <a:gd name="connsiteY1" fmla="*/ 1803190 h 4359015"/>
+              <a:gd name="connsiteX2" fmla="*/ 815239 w 4264326"/>
+              <a:gd name="connsiteY2" fmla="*/ 2540145 h 4359015"/>
+              <a:gd name="connsiteX3" fmla="*/ 1599123 w 4264326"/>
+              <a:gd name="connsiteY3" fmla="*/ 2540145 h 4359015"/>
+              <a:gd name="connsiteX4" fmla="*/ 1599123 w 4264326"/>
+              <a:gd name="connsiteY4" fmla="*/ 0 h 4359015"/>
+              <a:gd name="connsiteX5" fmla="*/ 1991064 w 4264326"/>
+              <a:gd name="connsiteY5" fmla="*/ 0 h 4359015"/>
+              <a:gd name="connsiteX6" fmla="*/ 1991064 w 4264326"/>
+              <a:gd name="connsiteY6" fmla="*/ 2524466 h 4359015"/>
+              <a:gd name="connsiteX7" fmla="*/ 2884691 w 4264326"/>
+              <a:gd name="connsiteY7" fmla="*/ 2540145 h 4359015"/>
+              <a:gd name="connsiteX8" fmla="*/ 3072823 w 4264326"/>
+              <a:gd name="connsiteY8" fmla="*/ 1615031 h 4359015"/>
+              <a:gd name="connsiteX9" fmla="*/ 3856707 w 4264326"/>
+              <a:gd name="connsiteY9" fmla="*/ 1615031 h 4359015"/>
+              <a:gd name="connsiteX10" fmla="*/ 4264326 w 4264326"/>
+              <a:gd name="connsiteY10" fmla="*/ 4359015 h 4359015"/>
+              <a:gd name="connsiteX11" fmla="*/ 0 w 4264326"/>
+              <a:gd name="connsiteY11" fmla="*/ 4359015 h 4359015"/>
+            </a:gdLst>
+            <a:ahLst/>
+            <a:cxnLst>
+              <a:cxn ang="0">
+                <a:pos x="connsiteX0" y="connsiteY0"/>
+              </a:cxn>
+              <a:cxn ang="0">
+                <a:pos x="connsiteX1" y="connsiteY1"/>
+              </a:cxn>
+              <a:cxn ang="0">
+                <a:pos x="connsiteX2" y="connsiteY2"/>
+              </a:cxn>
+              <a:cxn ang="0">
+                <a:pos x="connsiteX3" y="connsiteY3"/>
+              </a:cxn>
+              <a:cxn ang="0">
+                <a:pos x="connsiteX4" y="connsiteY4"/>
+              </a:cxn>
+              <a:cxn ang="0">
+                <a:pos x="connsiteX5" y="connsiteY5"/>
+              </a:cxn>
+              <a:cxn ang="0">
+                <a:pos x="connsiteX6" y="connsiteY6"/>
+              </a:cxn>
+              <a:cxn ang="0">
+                <a:pos x="connsiteX7" y="connsiteY7"/>
+              </a:cxn>
+              <a:cxn ang="0">
+                <a:pos x="connsiteX8" y="connsiteY8"/>
+              </a:cxn>
+              <a:cxn ang="0">
+                <a:pos x="connsiteX9" y="connsiteY9"/>
+              </a:cxn>
+              <a:cxn ang="0">
+                <a:pos x="connsiteX10" y="connsiteY10"/>
+              </a:cxn>
+              <a:cxn ang="0">
+                <a:pos x="connsiteX11" y="connsiteY11"/>
+              </a:cxn>
+            </a:cxnLst>
+            <a:rect l="l" t="t" r="r" b="b"/>
+            <a:pathLst>
+              <a:path w="4264326" h="4359015">
+                <a:moveTo>
+                  <a:pt x="0" y="4359015"/>
+                </a:moveTo>
+                <a:lnTo>
+                  <a:pt x="611429" y="1803190"/>
+                </a:lnTo>
+                <a:lnTo>
+                  <a:pt x="815239" y="2540145"/>
+                </a:lnTo>
+                <a:lnTo>
+                  <a:pt x="1599123" y="2540145"/>
+                </a:lnTo>
+                <a:lnTo>
+                  <a:pt x="1599123" y="0"/>
+                </a:lnTo>
+                <a:lnTo>
+                  <a:pt x="1991064" y="0"/>
+                </a:lnTo>
+                <a:lnTo>
+                  <a:pt x="1991064" y="2524466"/>
+                </a:lnTo>
+                <a:lnTo>
+                  <a:pt x="2884691" y="2540145"/>
+                </a:lnTo>
+                <a:lnTo>
+                  <a:pt x="3072823" y="1615031"/>
+                </a:lnTo>
+                <a:lnTo>
+                  <a:pt x="3856707" y="1615031"/>
+                </a:lnTo>
+                <a:lnTo>
+                  <a:pt x="4264326" y="4359015"/>
+                </a:lnTo>
+                <a:lnTo>
+                  <a:pt x="0" y="4359015"/>
+                </a:lnTo>
+                <a:close/>
+              </a:path>
+            </a:pathLst>
+          </a:custGeom>
+          <a:solidFill>
+            <a:schemeClr val="accent1"/>
+          </a:solidFill>
+          <a:ln>
+            <a:solidFill>
+              <a:srgbClr val="000000"/>
+            </a:solidFill>
+          </a:ln>
+        </p:spPr>
+        <p:style>
+          <a:lnRef idx="1">
+            <a:schemeClr val="accent1"/>
+          </a:lnRef>
+          <a:fillRef idx="3">
+            <a:schemeClr val="accent1"/>
+          </a:fillRef>
+          <a:effectRef idx="2">
+            <a:schemeClr val="accent1"/>
+          </a:effectRef>
+          <a:fontRef idx="minor">
+            <a:schemeClr val="lt1"/>
+          </a:fontRef>
+        </p:style>
+        <p:txBody>
+          <a:bodyPr rtlCol="0" anchor="ctr"/>
+          <a:lstStyle/>
+          <a:p>
+            <a:pPr algn="ctr"/>
+            <a:endParaRPr lang="en-US"/>
+          </a:p>
+        </p:txBody>
+      </p:sp>
+      <p:sp>
+        <p:nvSpPr>
+          <p:cNvPr id="28" name="TextBox 27"/>
+          <p:cNvSpPr txBox="1"/>
+          <p:nvPr/>
+        </p:nvSpPr>
+        <p:spPr>
+          <a:xfrm>
+            <a:off x="5294159" y="3363684"/>
+            <a:ext cx="1541595" cy="369332"/>
+          </a:xfrm>
+          <a:prstGeom prst="rect">
+            <a:avLst/>
+          </a:prstGeom>
+          <a:noFill/>
+        </p:spPr>
+        <p:txBody>
+          <a:bodyPr wrap="none" rtlCol="0">
+            <a:spAutoFit/>
+          </a:bodyPr>
+          <a:lstStyle/>
+          <a:p>
+            <a:r>
+              <a:rPr lang="en-US" dirty="0" smtClean="0">
+                <a:solidFill>
+                  <a:schemeClr val="bg1"/>
+                </a:solidFill>
+              </a:rPr>
+              <a:t>Final structure</a:t>
+            </a:r>
+            <a:endParaRPr lang="en-US" dirty="0">
+              <a:solidFill>
+                <a:schemeClr val="bg1"/>
+              </a:solidFill>
+            </a:endParaRPr>
+          </a:p>
+        </p:txBody>
+      </p:sp>
+      <p:sp>
+        <p:nvSpPr>
+          <p:cNvPr id="29" name="Rectangle 28"/>
+          <p:cNvSpPr/>
+          <p:nvPr/>
+        </p:nvSpPr>
+        <p:spPr>
+          <a:xfrm>
+            <a:off x="1975386" y="4249255"/>
+            <a:ext cx="1363957" cy="752636"/>
+          </a:xfrm>
+          <a:prstGeom prst="rect">
+            <a:avLst/>
+          </a:prstGeom>
+          <a:solidFill>
+            <a:srgbClr val="FF0000">
+              <a:alpha val="47000"/>
+            </a:srgbClr>
+          </a:solidFill>
+        </p:spPr>
+        <p:style>
+          <a:lnRef idx="1">
+            <a:schemeClr val="accent1"/>
+          </a:lnRef>
+          <a:fillRef idx="3">
+            <a:schemeClr val="accent1"/>
+          </a:fillRef>
+          <a:effectRef idx="2">
+            <a:schemeClr val="accent1"/>
+          </a:effectRef>
+          <a:fontRef idx="minor">
+            <a:schemeClr val="lt1"/>
+          </a:fontRef>
+        </p:style>
+        <p:txBody>
+          <a:bodyPr rtlCol="0" anchor="ctr"/>
+          <a:lstStyle/>
+          <a:p>
+            <a:pPr algn="ctr"/>
+            <a:endParaRPr lang="en-US"/>
+          </a:p>
+        </p:txBody>
+      </p:sp>
+      <p:sp>
+        <p:nvSpPr>
+          <p:cNvPr id="30" name="Rectangle 29"/>
+          <p:cNvSpPr/>
+          <p:nvPr/>
+        </p:nvSpPr>
+        <p:spPr>
+          <a:xfrm>
+            <a:off x="6548889" y="4264935"/>
+            <a:ext cx="1363957" cy="752636"/>
+          </a:xfrm>
+          <a:prstGeom prst="rect">
+            <a:avLst/>
+          </a:prstGeom>
+          <a:solidFill>
+            <a:schemeClr val="bg1"/>
+          </a:solidFill>
+          <a:ln>
+            <a:solidFill>
+              <a:srgbClr val="000000"/>
+            </a:solidFill>
+          </a:ln>
+        </p:spPr>
+        <p:style>
+          <a:lnRef idx="1">
+            <a:schemeClr val="accent1"/>
+          </a:lnRef>
+          <a:fillRef idx="3">
+            <a:schemeClr val="accent1"/>
+          </a:fillRef>
+          <a:effectRef idx="2">
+            <a:schemeClr val="accent1"/>
+          </a:effectRef>
+          <a:fontRef idx="minor">
+            <a:schemeClr val="lt1"/>
+          </a:fontRef>
+        </p:style>
+        <p:txBody>
+          <a:bodyPr rtlCol="0" anchor="ctr"/>
+          <a:lstStyle/>
+          <a:p>
+            <a:pPr algn="ctr"/>
+            <a:endParaRPr lang="en-US"/>
+          </a:p>
+        </p:txBody>
+      </p:sp>
+    </p:spTree>
+    <p:extLst>
+      <p:ext uri="{BB962C8B-B14F-4D97-AF65-F5344CB8AC3E}">
+        <p14:creationId xmlns:p14="http://schemas.microsoft.com/office/powerpoint/2010/main" val="2636649539"/>
+      </p:ext>
+    </p:extLst>
+  </p:cSld>
+  <p:clrMapOvr>
+    <a:masterClrMapping/>
+  </p:clrMapOvr>
+</p:sld>
+</file>
+
+<file path=ppt/slides/slide7.xml><?xml version="1.0" encoding="utf-8"?>
+<p:sld xmlns:a="http://schemas.openxmlformats.org/drawingml/2006/main" xmlns:r="http://schemas.openxmlformats.org/officeDocument/2006/relationships" xmlns:p="http://schemas.openxmlformats.org/presentationml/2006/main">
+  <p:cSld>
+    <p:spTree>
+      <p:nvGrpSpPr>
+        <p:cNvPr id="1" name=""/>
+        <p:cNvGrpSpPr/>
+        <p:nvPr/>
+      </p:nvGrpSpPr>
+      <p:grpSpPr>
+        <a:xfrm>
+          <a:off x="0" y="0"/>
+          <a:ext cx="0" cy="0"/>
+          <a:chOff x="0" y="0"/>
+          <a:chExt cx="0" cy="0"/>
+        </a:xfrm>
+      </p:grpSpPr>
+      <p:pic>
+        <p:nvPicPr>
+          <p:cNvPr id="5" name="Picture 4"/>
+          <p:cNvPicPr>
+            <a:picLocks noChangeAspect="1" noChangeArrowheads="1"/>
+          </p:cNvPicPr>
+          <p:nvPr/>
+        </p:nvPicPr>
+        <p:blipFill>
+          <a:blip r:embed="rId2">
+            <a:extLst>
+              <a:ext uri="{28A0092B-C50C-407E-A947-70E740481C1C}">
+                <a14:useLocalDpi xmlns:a14="http://schemas.microsoft.com/office/drawing/2010/main" val="0"/>
+              </a:ext>
+            </a:extLst>
+          </a:blip>
+          <a:srcRect/>
+          <a:stretch>
+            <a:fillRect/>
+          </a:stretch>
+        </p:blipFill>
+        <p:spPr bwMode="auto">
+          <a:xfrm>
+            <a:off x="0" y="1285875"/>
+            <a:ext cx="9144000" cy="5191125"/>
+          </a:xfrm>
+          <a:prstGeom prst="rect">
+            <a:avLst/>
+          </a:prstGeom>
+          <a:noFill/>
+          <a:ln>
+            <a:noFill/>
+          </a:ln>
+          <a:effectLst/>
+          <a:extLst>
+            <a:ext uri="{909E8E84-426E-40dd-AFC4-6F175D3DCCD1}">
+              <a14:hiddenFill xmlns:a14="http://schemas.microsoft.com/office/drawing/2010/main">
+                <a:solidFill>
+                  <a:schemeClr val="accent1"/>
+                </a:solidFill>
+              </a14:hiddenFill>
+            </a:ext>
+            <a:ext uri="{91240B29-F687-4f45-9708-019B960494DF}">
+              <a14:hiddenLine xmlns:a14="http://schemas.microsoft.com/office/drawing/2010/main" w="9525">
+                <a:solidFill>
+                  <a:schemeClr val="tx1"/>
+                </a:solidFill>
+                <a:miter lim="800000"/>
+                <a:headEnd/>
+                <a:tailEnd/>
+              </a14:hiddenLine>
+            </a:ext>
+            <a:ext uri="{AF507438-7753-43e0-B8FC-AC1667EBCBE1}">
+              <a14:hiddenEffects xmlns:a14="http://schemas.microsoft.com/office/drawing/2010/main">
+                <a:effectLst>
+                  <a:outerShdw blurRad="63500" dist="38099" dir="2700000" algn="ctr" rotWithShape="0">
+                    <a:schemeClr val="bg2">
+                      <a:alpha val="74998"/>
+                    </a:schemeClr>
+                  </a:outerShdw>
+                </a:effectLst>
+              </a14:hiddenEffects>
+            </a:ext>
+          </a:extLst>
+        </p:spPr>
+      </p:pic>
+      <p:sp>
+        <p:nvSpPr>
+          <p:cNvPr id="7" name="Rectangle 6"/>
+          <p:cNvSpPr/>
+          <p:nvPr/>
+        </p:nvSpPr>
+        <p:spPr>
+          <a:xfrm>
+            <a:off x="3135531" y="2806704"/>
+            <a:ext cx="2586817" cy="1677749"/>
+          </a:xfrm>
+          <a:prstGeom prst="rect">
+            <a:avLst/>
+          </a:prstGeom>
+          <a:solidFill>
+            <a:srgbClr val="FFFF00">
+              <a:alpha val="45000"/>
+            </a:srgbClr>
+          </a:solidFill>
+        </p:spPr>
+        <p:style>
+          <a:lnRef idx="1">
+            <a:schemeClr val="accent1"/>
+          </a:lnRef>
+          <a:fillRef idx="3">
+            <a:schemeClr val="accent1"/>
+          </a:fillRef>
+          <a:effectRef idx="2">
+            <a:schemeClr val="accent1"/>
+          </a:effectRef>
+          <a:fontRef idx="minor">
+            <a:schemeClr val="lt1"/>
+          </a:fontRef>
+        </p:style>
+        <p:txBody>
+          <a:bodyPr rtlCol="0" anchor="ctr"/>
+          <a:lstStyle/>
+          <a:p>
+            <a:pPr algn="ctr"/>
+            <a:endParaRPr lang="en-US"/>
+          </a:p>
+        </p:txBody>
+      </p:sp>
+      <p:sp>
+        <p:nvSpPr>
+          <p:cNvPr id="9" name="Rectangle 8"/>
+          <p:cNvSpPr/>
+          <p:nvPr/>
+        </p:nvSpPr>
+        <p:spPr>
+          <a:xfrm>
+            <a:off x="6761741" y="5727597"/>
+            <a:ext cx="846594" cy="282238"/>
+          </a:xfrm>
+          <a:prstGeom prst="rect">
+            <a:avLst/>
+          </a:prstGeom>
+          <a:solidFill>
+            <a:srgbClr val="FFFF00">
+              <a:alpha val="60000"/>
+            </a:srgbClr>
+          </a:solidFill>
+        </p:spPr>
+        <p:style>
+          <a:lnRef idx="1">
+            <a:schemeClr val="accent1"/>
+          </a:lnRef>
+          <a:fillRef idx="3">
+            <a:schemeClr val="accent1"/>
+          </a:fillRef>
+          <a:effectRef idx="2">
+            <a:schemeClr val="accent1"/>
+          </a:effectRef>
+          <a:fontRef idx="minor">
+            <a:schemeClr val="lt1"/>
+          </a:fontRef>
+        </p:style>
+        <p:txBody>
+          <a:bodyPr rtlCol="0" anchor="ctr"/>
+          <a:lstStyle/>
+          <a:p>
+            <a:pPr algn="ctr"/>
+            <a:endParaRPr lang="en-US"/>
+          </a:p>
+        </p:txBody>
+      </p:sp>
+      <p:sp>
+        <p:nvSpPr>
+          <p:cNvPr id="10" name="Rectangle 9"/>
+          <p:cNvSpPr/>
+          <p:nvPr/>
+        </p:nvSpPr>
+        <p:spPr>
+          <a:xfrm>
+            <a:off x="6773036" y="6194762"/>
+            <a:ext cx="846594" cy="282238"/>
+          </a:xfrm>
+          <a:prstGeom prst="rect">
+            <a:avLst/>
+          </a:prstGeom>
+          <a:solidFill>
+            <a:srgbClr val="FF0000">
+              <a:alpha val="50000"/>
+            </a:srgbClr>
+          </a:solidFill>
+        </p:spPr>
+        <p:style>
+          <a:lnRef idx="1">
+            <a:schemeClr val="accent1"/>
+          </a:lnRef>
+          <a:fillRef idx="3">
+            <a:schemeClr val="accent1"/>
+          </a:fillRef>
+          <a:effectRef idx="2">
+            <a:schemeClr val="accent1"/>
+          </a:effectRef>
+          <a:fontRef idx="minor">
+            <a:schemeClr val="lt1"/>
+          </a:fontRef>
+        </p:style>
+        <p:txBody>
+          <a:bodyPr rtlCol="0" anchor="ctr"/>
+          <a:lstStyle/>
+          <a:p>
+            <a:pPr algn="ctr"/>
+            <a:endParaRPr lang="en-US"/>
+          </a:p>
+        </p:txBody>
+      </p:sp>
+      <p:sp>
+        <p:nvSpPr>
+          <p:cNvPr id="11" name="TextBox 10"/>
+          <p:cNvSpPr txBox="1"/>
+          <p:nvPr/>
+        </p:nvSpPr>
+        <p:spPr>
+          <a:xfrm>
+            <a:off x="6924023" y="5680557"/>
+            <a:ext cx="459318" cy="307777"/>
+          </a:xfrm>
+          <a:prstGeom prst="rect">
+            <a:avLst/>
+          </a:prstGeom>
+          <a:noFill/>
+        </p:spPr>
+        <p:txBody>
+          <a:bodyPr wrap="none" rtlCol="0">
+            <a:spAutoFit/>
+          </a:bodyPr>
+          <a:lstStyle/>
+          <a:p>
+            <a:r>
+              <a:rPr lang="en-US" sz="1400" dirty="0" smtClean="0"/>
+              <a:t>add</a:t>
+            </a:r>
+            <a:endParaRPr lang="en-US" sz="1400" dirty="0"/>
+          </a:p>
+        </p:txBody>
+      </p:sp>
+      <p:sp>
+        <p:nvSpPr>
+          <p:cNvPr id="12" name="TextBox 11"/>
+          <p:cNvSpPr txBox="1"/>
+          <p:nvPr/>
+        </p:nvSpPr>
+        <p:spPr>
+          <a:xfrm>
+            <a:off x="6773036" y="6169223"/>
+            <a:ext cx="788322" cy="307777"/>
+          </a:xfrm>
+          <a:prstGeom prst="rect">
+            <a:avLst/>
+          </a:prstGeom>
+          <a:noFill/>
+        </p:spPr>
+        <p:txBody>
+          <a:bodyPr wrap="none" rtlCol="0">
+            <a:spAutoFit/>
+          </a:bodyPr>
+          <a:lstStyle/>
+          <a:p>
+            <a:r>
+              <a:rPr lang="en-US" sz="1400" dirty="0" smtClean="0"/>
+              <a:t>subtract</a:t>
+            </a:r>
+            <a:endParaRPr lang="en-US" sz="1400" dirty="0"/>
+          </a:p>
+        </p:txBody>
+      </p:sp>
+    </p:spTree>
+    <p:extLst>
+      <p:ext uri="{BB962C8B-B14F-4D97-AF65-F5344CB8AC3E}">
+        <p14:creationId xmlns:p14="http://schemas.microsoft.com/office/powerpoint/2010/main" val="2407308793"/>
+      </p:ext>
+    </p:extLst>
+  </p:cSld>
+  <p:clrMapOvr>
+    <a:masterClrMapping/>
+  </p:clrMapOvr>
+</p:sld>
+</file>
+
+<file path=ppt/slides/slide8.xml><?xml version="1.0" encoding="utf-8"?>
+<p:sld xmlns:a="http://schemas.openxmlformats.org/drawingml/2006/main" xmlns:r="http://schemas.openxmlformats.org/officeDocument/2006/relationships" xmlns:p="http://schemas.openxmlformats.org/presentationml/2006/main">
+  <p:cSld>
+    <p:spTree>
+      <p:nvGrpSpPr>
+        <p:cNvPr id="1" name=""/>
+        <p:cNvGrpSpPr/>
+        <p:nvPr/>
+      </p:nvGrpSpPr>
+      <p:grpSpPr>
+        <a:xfrm>
+          <a:off x="0" y="0"/>
+          <a:ext cx="0" cy="0"/>
+          <a:chOff x="0" y="0"/>
+          <a:chExt cx="0" cy="0"/>
+        </a:xfrm>
+      </p:grpSpPr>
+      <p:pic>
+        <p:nvPicPr>
+          <p:cNvPr id="4" name="Picture 3"/>
+          <p:cNvPicPr>
+            <a:picLocks noChangeAspect="1" noChangeArrowheads="1"/>
+          </p:cNvPicPr>
+          <p:nvPr/>
+        </p:nvPicPr>
+        <p:blipFill>
+          <a:blip r:embed="rId2">
+            <a:extLst>
+              <a:ext uri="{28A0092B-C50C-407E-A947-70E740481C1C}">
+                <a14:useLocalDpi xmlns:a14="http://schemas.microsoft.com/office/drawing/2010/main" val="0"/>
+              </a:ext>
+            </a:extLst>
+          </a:blip>
+          <a:srcRect/>
+          <a:stretch>
+            <a:fillRect/>
+          </a:stretch>
+        </p:blipFill>
+        <p:spPr bwMode="auto">
+          <a:xfrm>
+            <a:off x="0" y="1285875"/>
+            <a:ext cx="9144000" cy="5191125"/>
+          </a:xfrm>
+          <a:prstGeom prst="rect">
+            <a:avLst/>
+          </a:prstGeom>
+          <a:noFill/>
+          <a:ln>
+            <a:noFill/>
+          </a:ln>
+          <a:effectLst/>
+          <a:extLst>
+            <a:ext uri="{909E8E84-426E-40dd-AFC4-6F175D3DCCD1}">
+              <a14:hiddenFill xmlns:a14="http://schemas.microsoft.com/office/drawing/2010/main">
+                <a:solidFill>
+                  <a:schemeClr val="accent1"/>
+                </a:solidFill>
+              </a14:hiddenFill>
+            </a:ext>
+            <a:ext uri="{91240B29-F687-4f45-9708-019B960494DF}">
+              <a14:hiddenLine xmlns:a14="http://schemas.microsoft.com/office/drawing/2010/main" w="9525">
+                <a:solidFill>
+                  <a:schemeClr val="tx1"/>
+                </a:solidFill>
+                <a:miter lim="800000"/>
+                <a:headEnd/>
+                <a:tailEnd/>
+              </a14:hiddenLine>
+            </a:ext>
+            <a:ext uri="{AF507438-7753-43e0-B8FC-AC1667EBCBE1}">
+              <a14:hiddenEffects xmlns:a14="http://schemas.microsoft.com/office/drawing/2010/main">
+                <a:effectLst>
+                  <a:outerShdw blurRad="63500" dist="38099" dir="2700000" algn="ctr" rotWithShape="0">
+                    <a:schemeClr val="bg2">
+                      <a:alpha val="74998"/>
+                    </a:schemeClr>
+                  </a:outerShdw>
+                </a:effectLst>
+              </a14:hiddenEffects>
+            </a:ext>
+          </a:extLst>
+        </p:spPr>
+      </p:pic>
+      <p:sp>
+        <p:nvSpPr>
+          <p:cNvPr id="5" name="Rectangle 4"/>
+          <p:cNvSpPr/>
+          <p:nvPr/>
+        </p:nvSpPr>
+        <p:spPr>
+          <a:xfrm>
+            <a:off x="2869011" y="4517014"/>
+            <a:ext cx="2853338" cy="767116"/>
+          </a:xfrm>
+          <a:prstGeom prst="rect">
+            <a:avLst/>
+          </a:prstGeom>
+          <a:solidFill>
+            <a:srgbClr val="FFFF00">
+              <a:alpha val="45000"/>
+            </a:srgbClr>
+          </a:solidFill>
+        </p:spPr>
+        <p:style>
+          <a:lnRef idx="1">
+            <a:schemeClr val="accent1"/>
+          </a:lnRef>
+          <a:fillRef idx="3">
+            <a:schemeClr val="accent1"/>
+          </a:fillRef>
+          <a:effectRef idx="2">
+            <a:schemeClr val="accent1"/>
+          </a:effectRef>
+          <a:fontRef idx="minor">
+            <a:schemeClr val="lt1"/>
+          </a:fontRef>
+        </p:style>
+        <p:txBody>
+          <a:bodyPr rtlCol="0" anchor="ctr"/>
+          <a:lstStyle/>
+          <a:p>
+            <a:pPr algn="ctr"/>
+            <a:r>
+              <a:rPr lang="en-US" dirty="0" smtClean="0">
+                <a:solidFill>
+                  <a:srgbClr val="000000"/>
+                </a:solidFill>
+              </a:rPr>
+              <a:t>Porous I</a:t>
+            </a:r>
+            <a:endParaRPr lang="en-US" dirty="0">
+              <a:solidFill>
+                <a:srgbClr val="000000"/>
+              </a:solidFill>
+            </a:endParaRPr>
+          </a:p>
+        </p:txBody>
+      </p:sp>
+      <p:sp>
+        <p:nvSpPr>
+          <p:cNvPr id="6" name="Rectangle 5"/>
+          <p:cNvSpPr/>
+          <p:nvPr/>
+        </p:nvSpPr>
+        <p:spPr>
+          <a:xfrm>
+            <a:off x="6761741" y="5727597"/>
+            <a:ext cx="846594" cy="282238"/>
+          </a:xfrm>
+          <a:prstGeom prst="rect">
+            <a:avLst/>
+          </a:prstGeom>
+          <a:solidFill>
+            <a:srgbClr val="FFFF00">
+              <a:alpha val="60000"/>
+            </a:srgbClr>
+          </a:solidFill>
+        </p:spPr>
+        <p:style>
+          <a:lnRef idx="1">
+            <a:schemeClr val="accent1"/>
+          </a:lnRef>
+          <a:fillRef idx="3">
+            <a:schemeClr val="accent1"/>
+          </a:fillRef>
+          <a:effectRef idx="2">
+            <a:schemeClr val="accent1"/>
+          </a:effectRef>
+          <a:fontRef idx="minor">
+            <a:schemeClr val="lt1"/>
+          </a:fontRef>
+        </p:style>
+        <p:txBody>
+          <a:bodyPr rtlCol="0" anchor="ctr"/>
+          <a:lstStyle/>
+          <a:p>
+            <a:pPr algn="ctr"/>
+            <a:endParaRPr lang="en-US"/>
+          </a:p>
+        </p:txBody>
+      </p:sp>
+      <p:sp>
+        <p:nvSpPr>
+          <p:cNvPr id="7" name="Rectangle 6"/>
+          <p:cNvSpPr/>
+          <p:nvPr/>
+        </p:nvSpPr>
+        <p:spPr>
+          <a:xfrm>
+            <a:off x="6773036" y="6194762"/>
+            <a:ext cx="846594" cy="282238"/>
+          </a:xfrm>
+          <a:prstGeom prst="rect">
+            <a:avLst/>
+          </a:prstGeom>
+          <a:solidFill>
+            <a:srgbClr val="FF0000">
+              <a:alpha val="50000"/>
+            </a:srgbClr>
+          </a:solidFill>
+        </p:spPr>
+        <p:style>
+          <a:lnRef idx="1">
+            <a:schemeClr val="accent1"/>
+          </a:lnRef>
+          <a:fillRef idx="3">
+            <a:schemeClr val="accent1"/>
+          </a:fillRef>
+          <a:effectRef idx="2">
+            <a:schemeClr val="accent1"/>
+          </a:effectRef>
+          <a:fontRef idx="minor">
+            <a:schemeClr val="lt1"/>
+          </a:fontRef>
+        </p:style>
+        <p:txBody>
+          <a:bodyPr rtlCol="0" anchor="ctr"/>
+          <a:lstStyle/>
+          <a:p>
+            <a:pPr algn="ctr"/>
+            <a:endParaRPr lang="en-US"/>
+          </a:p>
+        </p:txBody>
+      </p:sp>
+      <p:sp>
+        <p:nvSpPr>
+          <p:cNvPr id="8" name="TextBox 7"/>
+          <p:cNvSpPr txBox="1"/>
+          <p:nvPr/>
+        </p:nvSpPr>
+        <p:spPr>
+          <a:xfrm>
+            <a:off x="6924023" y="5680557"/>
+            <a:ext cx="459318" cy="307777"/>
+          </a:xfrm>
+          <a:prstGeom prst="rect">
+            <a:avLst/>
+          </a:prstGeom>
+          <a:noFill/>
+        </p:spPr>
+        <p:txBody>
+          <a:bodyPr wrap="none" rtlCol="0">
+            <a:spAutoFit/>
+          </a:bodyPr>
+          <a:lstStyle/>
+          <a:p>
+            <a:r>
+              <a:rPr lang="en-US" sz="1400" dirty="0" smtClean="0"/>
+              <a:t>add</a:t>
+            </a:r>
+            <a:endParaRPr lang="en-US" sz="1400" dirty="0"/>
+          </a:p>
+        </p:txBody>
+      </p:sp>
+      <p:sp>
+        <p:nvSpPr>
+          <p:cNvPr id="9" name="TextBox 8"/>
+          <p:cNvSpPr txBox="1"/>
+          <p:nvPr/>
+        </p:nvSpPr>
+        <p:spPr>
+          <a:xfrm>
+            <a:off x="6773036" y="6169223"/>
+            <a:ext cx="788322" cy="307777"/>
+          </a:xfrm>
+          <a:prstGeom prst="rect">
+            <a:avLst/>
+          </a:prstGeom>
+          <a:noFill/>
+        </p:spPr>
+        <p:txBody>
+          <a:bodyPr wrap="none" rtlCol="0">
+            <a:spAutoFit/>
+          </a:bodyPr>
+          <a:lstStyle/>
+          <a:p>
+            <a:r>
+              <a:rPr lang="en-US" sz="1400" dirty="0" smtClean="0"/>
+              <a:t>subtract</a:t>
+            </a:r>
+            <a:endParaRPr lang="en-US" sz="1400" dirty="0"/>
+          </a:p>
+        </p:txBody>
+      </p:sp>
+      <p:sp>
+        <p:nvSpPr>
+          <p:cNvPr id="11" name="Right Triangle 10"/>
+          <p:cNvSpPr/>
+          <p:nvPr/>
+        </p:nvSpPr>
+        <p:spPr>
+          <a:xfrm>
+            <a:off x="5722349" y="4517014"/>
+            <a:ext cx="1426668" cy="767116"/>
+          </a:xfrm>
+          <a:prstGeom prst="rtTriangle">
+            <a:avLst/>
+          </a:prstGeom>
+          <a:solidFill>
+            <a:srgbClr val="FFFF00">
+              <a:alpha val="44000"/>
+            </a:srgbClr>
+          </a:solidFill>
+        </p:spPr>
+        <p:style>
+          <a:lnRef idx="1">
+            <a:schemeClr val="accent1"/>
+          </a:lnRef>
+          <a:fillRef idx="3">
+            <a:schemeClr val="accent1"/>
+          </a:fillRef>
+          <a:effectRef idx="2">
+            <a:schemeClr val="accent1"/>
+          </a:effectRef>
+          <a:fontRef idx="minor">
+            <a:schemeClr val="lt1"/>
+          </a:fontRef>
+        </p:style>
+        <p:txBody>
+          <a:bodyPr rtlCol="0" anchor="ctr"/>
+          <a:lstStyle/>
+          <a:p>
+            <a:pPr algn="ctr"/>
+            <a:endParaRPr lang="en-US"/>
+          </a:p>
+        </p:txBody>
+      </p:sp>
+      <p:sp>
+        <p:nvSpPr>
+          <p:cNvPr id="12" name="Right Triangle 11"/>
+          <p:cNvSpPr/>
+          <p:nvPr/>
+        </p:nvSpPr>
+        <p:spPr>
+          <a:xfrm flipH="1">
+            <a:off x="1395312" y="4517014"/>
+            <a:ext cx="1473699" cy="767116"/>
+          </a:xfrm>
+          <a:prstGeom prst="rtTriangle">
+            <a:avLst/>
+          </a:prstGeom>
+          <a:solidFill>
+            <a:srgbClr val="FFFF00">
+              <a:alpha val="44000"/>
+            </a:srgbClr>
+          </a:solidFill>
+        </p:spPr>
+        <p:style>
+          <a:lnRef idx="1">
+            <a:schemeClr val="accent1"/>
+          </a:lnRef>
+          <a:fillRef idx="3">
+            <a:schemeClr val="accent1"/>
+          </a:fillRef>
+          <a:effectRef idx="2">
+            <a:schemeClr val="accent1"/>
+          </a:effectRef>
+          <a:fontRef idx="minor">
+            <a:schemeClr val="lt1"/>
+          </a:fontRef>
+        </p:style>
+        <p:txBody>
+          <a:bodyPr rtlCol="0" anchor="ctr"/>
+          <a:lstStyle/>
+          <a:p>
+            <a:pPr algn="ctr"/>
+            <a:endParaRPr lang="en-US"/>
+          </a:p>
+        </p:txBody>
+      </p:sp>
+    </p:spTree>
+    <p:extLst>
+      <p:ext uri="{BB962C8B-B14F-4D97-AF65-F5344CB8AC3E}">
+        <p14:creationId xmlns:p14="http://schemas.microsoft.com/office/powerpoint/2010/main" val="2166811037"/>
+      </p:ext>
+    </p:extLst>
+  </p:cSld>
+  <p:clrMapOvr>
+    <a:masterClrMapping/>
+  </p:clrMapOvr>
+</p:sld>
+</file>
+
+<file path=ppt/slides/slide9.xml><?xml version="1.0" encoding="utf-8"?>
+<p:sld xmlns:a="http://schemas.openxmlformats.org/drawingml/2006/main" xmlns:r="http://schemas.openxmlformats.org/officeDocument/2006/relationships" xmlns:p="http://schemas.openxmlformats.org/presentationml/2006/main">
+  <p:cSld>
+    <p:spTree>
+      <p:nvGrpSpPr>
+        <p:cNvPr id="1" name=""/>
+        <p:cNvGrpSpPr/>
+        <p:nvPr/>
+      </p:nvGrpSpPr>
+      <p:grpSpPr>
+        <a:xfrm>
+          <a:off x="0" y="0"/>
+          <a:ext cx="0" cy="0"/>
+          <a:chOff x="0" y="0"/>
+          <a:chExt cx="0" cy="0"/>
+        </a:xfrm>
+      </p:grpSpPr>
+      <p:pic>
+        <p:nvPicPr>
+          <p:cNvPr id="4" name="Picture 3"/>
+          <p:cNvPicPr>
+            <a:picLocks noChangeAspect="1" noChangeArrowheads="1"/>
+          </p:cNvPicPr>
+          <p:nvPr/>
+        </p:nvPicPr>
+        <p:blipFill>
+          <a:blip r:embed="rId2">
+            <a:extLst>
+              <a:ext uri="{28A0092B-C50C-407E-A947-70E740481C1C}">
+                <a14:useLocalDpi xmlns:a14="http://schemas.microsoft.com/office/drawing/2010/main" val="0"/>
+              </a:ext>
+            </a:extLst>
+          </a:blip>
+          <a:srcRect/>
+          <a:stretch>
+            <a:fillRect/>
+          </a:stretch>
+        </p:blipFill>
+        <p:spPr bwMode="auto">
+          <a:xfrm>
+            <a:off x="0" y="1285875"/>
+            <a:ext cx="9144000" cy="5191125"/>
+          </a:xfrm>
+          <a:prstGeom prst="rect">
+            <a:avLst/>
+          </a:prstGeom>
+          <a:noFill/>
+          <a:ln>
+            <a:noFill/>
+          </a:ln>
+          <a:effectLst/>
+          <a:extLst>
+            <a:ext uri="{909E8E84-426E-40dd-AFC4-6F175D3DCCD1}">
+              <a14:hiddenFill xmlns:a14="http://schemas.microsoft.com/office/drawing/2010/main">
+                <a:solidFill>
+                  <a:schemeClr val="accent1"/>
+                </a:solidFill>
+              </a14:hiddenFill>
+            </a:ext>
+            <a:ext uri="{91240B29-F687-4f45-9708-019B960494DF}">
+              <a14:hiddenLine xmlns:a14="http://schemas.microsoft.com/office/drawing/2010/main" w="9525">
+                <a:solidFill>
+                  <a:schemeClr val="tx1"/>
+                </a:solidFill>
+                <a:miter lim="800000"/>
+                <a:headEnd/>
+                <a:tailEnd/>
+              </a14:hiddenLine>
+            </a:ext>
+            <a:ext uri="{AF507438-7753-43e0-B8FC-AC1667EBCBE1}">
+              <a14:hiddenEffects xmlns:a14="http://schemas.microsoft.com/office/drawing/2010/main">
+                <a:effectLst>
+                  <a:outerShdw blurRad="63500" dist="38099" dir="2700000" algn="ctr" rotWithShape="0">
+                    <a:schemeClr val="bg2">
+                      <a:alpha val="74998"/>
+                    </a:schemeClr>
+                  </a:outerShdw>
+                </a:effectLst>
+              </a14:hiddenEffects>
+            </a:ext>
+          </a:extLst>
+        </p:spPr>
+      </p:pic>
+      <p:sp>
+        <p:nvSpPr>
+          <p:cNvPr id="6" name="Rectangle 5"/>
+          <p:cNvSpPr/>
+          <p:nvPr/>
+        </p:nvSpPr>
+        <p:spPr>
+          <a:xfrm>
+            <a:off x="6761741" y="5727597"/>
+            <a:ext cx="846594" cy="282238"/>
+          </a:xfrm>
+          <a:prstGeom prst="rect">
+            <a:avLst/>
+          </a:prstGeom>
+          <a:solidFill>
+            <a:srgbClr val="FFFF00">
+              <a:alpha val="60000"/>
+            </a:srgbClr>
+          </a:solidFill>
+        </p:spPr>
+        <p:style>
+          <a:lnRef idx="1">
+            <a:schemeClr val="accent1"/>
+          </a:lnRef>
+          <a:fillRef idx="3">
+            <a:schemeClr val="accent1"/>
+          </a:fillRef>
+          <a:effectRef idx="2">
+            <a:schemeClr val="accent1"/>
+          </a:effectRef>
+          <a:fontRef idx="minor">
+            <a:schemeClr val="lt1"/>
+          </a:fontRef>
+        </p:style>
+        <p:txBody>
+          <a:bodyPr rtlCol="0" anchor="ctr"/>
+          <a:lstStyle/>
+          <a:p>
+            <a:pPr algn="ctr"/>
+            <a:endParaRPr lang="en-US"/>
+          </a:p>
+        </p:txBody>
+      </p:sp>
+      <p:sp>
+        <p:nvSpPr>
+          <p:cNvPr id="7" name="Rectangle 6"/>
+          <p:cNvSpPr/>
+          <p:nvPr/>
+        </p:nvSpPr>
+        <p:spPr>
+          <a:xfrm>
+            <a:off x="6773036" y="6194762"/>
+            <a:ext cx="846594" cy="282238"/>
+          </a:xfrm>
+          <a:prstGeom prst="rect">
+            <a:avLst/>
+          </a:prstGeom>
+          <a:solidFill>
+            <a:srgbClr val="FF0000">
+              <a:alpha val="50000"/>
+            </a:srgbClr>
+          </a:solidFill>
+        </p:spPr>
+        <p:style>
+          <a:lnRef idx="1">
+            <a:schemeClr val="accent1"/>
+          </a:lnRef>
+          <a:fillRef idx="3">
+            <a:schemeClr val="accent1"/>
+          </a:fillRef>
+          <a:effectRef idx="2">
+            <a:schemeClr val="accent1"/>
+          </a:effectRef>
+          <a:fontRef idx="minor">
+            <a:schemeClr val="lt1"/>
+          </a:fontRef>
+        </p:style>
+        <p:txBody>
+          <a:bodyPr rtlCol="0" anchor="ctr"/>
+          <a:lstStyle/>
+          <a:p>
+            <a:pPr algn="ctr"/>
+            <a:endParaRPr lang="en-US"/>
+          </a:p>
+        </p:txBody>
+      </p:sp>
+      <p:sp>
+        <p:nvSpPr>
+          <p:cNvPr id="8" name="TextBox 7"/>
+          <p:cNvSpPr txBox="1"/>
+          <p:nvPr/>
+        </p:nvSpPr>
+        <p:spPr>
+          <a:xfrm>
+            <a:off x="6924023" y="5680557"/>
+            <a:ext cx="459318" cy="307777"/>
+          </a:xfrm>
+          <a:prstGeom prst="rect">
+            <a:avLst/>
+          </a:prstGeom>
+          <a:noFill/>
+        </p:spPr>
+        <p:txBody>
+          <a:bodyPr wrap="none" rtlCol="0">
+            <a:spAutoFit/>
+          </a:bodyPr>
+          <a:lstStyle/>
+          <a:p>
+            <a:r>
+              <a:rPr lang="en-US" sz="1400" dirty="0" smtClean="0"/>
+              <a:t>add</a:t>
+            </a:r>
+            <a:endParaRPr lang="en-US" sz="1400" dirty="0"/>
+          </a:p>
+        </p:txBody>
+      </p:sp>
+      <p:sp>
+        <p:nvSpPr>
+          <p:cNvPr id="9" name="TextBox 8"/>
+          <p:cNvSpPr txBox="1"/>
+          <p:nvPr/>
+        </p:nvSpPr>
+        <p:spPr>
+          <a:xfrm>
+            <a:off x="6773036" y="6169223"/>
+            <a:ext cx="788322" cy="307777"/>
+          </a:xfrm>
+          <a:prstGeom prst="rect">
+            <a:avLst/>
+          </a:prstGeom>
+          <a:noFill/>
+        </p:spPr>
+        <p:txBody>
+          <a:bodyPr wrap="none" rtlCol="0">
+            <a:spAutoFit/>
+          </a:bodyPr>
+          <a:lstStyle/>
+          <a:p>
+            <a:r>
+              <a:rPr lang="en-US" sz="1400" dirty="0" smtClean="0"/>
+              <a:t>subtract</a:t>
+            </a:r>
+            <a:endParaRPr lang="en-US" sz="1400" dirty="0"/>
+          </a:p>
+        </p:txBody>
+      </p:sp>
+      <p:sp>
+        <p:nvSpPr>
+          <p:cNvPr id="10" name="Right Triangle 9"/>
+          <p:cNvSpPr/>
+          <p:nvPr/>
+        </p:nvSpPr>
+        <p:spPr>
+          <a:xfrm>
+            <a:off x="5722348" y="4517014"/>
+            <a:ext cx="1426668" cy="767116"/>
+          </a:xfrm>
+          <a:prstGeom prst="rtTriangle">
+            <a:avLst/>
+          </a:prstGeom>
+          <a:solidFill>
+            <a:srgbClr val="FF0000">
+              <a:alpha val="44000"/>
+            </a:srgbClr>
+          </a:solidFill>
+        </p:spPr>
+        <p:style>
+          <a:lnRef idx="1">
+            <a:schemeClr val="accent1"/>
+          </a:lnRef>
+          <a:fillRef idx="3">
+            <a:schemeClr val="accent1"/>
+          </a:fillRef>
+          <a:effectRef idx="2">
+            <a:schemeClr val="accent1"/>
+          </a:effectRef>
+          <a:fontRef idx="minor">
+            <a:schemeClr val="lt1"/>
+          </a:fontRef>
+        </p:style>
+        <p:txBody>
+          <a:bodyPr rtlCol="0" anchor="ctr"/>
+          <a:lstStyle/>
+          <a:p>
+            <a:pPr algn="ctr"/>
+            <a:endParaRPr lang="en-US"/>
+          </a:p>
+        </p:txBody>
+      </p:sp>
+      <p:sp>
+        <p:nvSpPr>
+          <p:cNvPr id="11" name="Right Triangle 10"/>
+          <p:cNvSpPr/>
+          <p:nvPr/>
+        </p:nvSpPr>
+        <p:spPr>
+          <a:xfrm flipH="1">
+            <a:off x="1395312" y="4517014"/>
+            <a:ext cx="1473699" cy="767116"/>
+          </a:xfrm>
+          <a:prstGeom prst="rtTriangle">
+            <a:avLst/>
+          </a:prstGeom>
+          <a:solidFill>
+            <a:srgbClr val="FF0000">
+              <a:alpha val="44000"/>
+            </a:srgbClr>
+          </a:solidFill>
+        </p:spPr>
+        <p:style>
+          <a:lnRef idx="1">
+            <a:schemeClr val="accent1"/>
+          </a:lnRef>
+          <a:fillRef idx="3">
+            <a:schemeClr val="accent1"/>
+          </a:fillRef>
+          <a:effectRef idx="2">
+            <a:schemeClr val="accent1"/>
+          </a:effectRef>
+          <a:fontRef idx="minor">
+            <a:schemeClr val="lt1"/>
+          </a:fontRef>
+        </p:style>
+        <p:txBody>
+          <a:bodyPr rtlCol="0" anchor="ctr"/>
+          <a:lstStyle/>
+          <a:p>
+            <a:pPr algn="ctr"/>
+            <a:endParaRPr lang="en-US"/>
+          </a:p>
+        </p:txBody>
+      </p:sp>
+      <p:sp>
+        <p:nvSpPr>
+          <p:cNvPr id="13" name="Right Triangle 12"/>
+          <p:cNvSpPr/>
+          <p:nvPr/>
+        </p:nvSpPr>
+        <p:spPr>
+          <a:xfrm flipH="1">
+            <a:off x="799561" y="4285856"/>
+            <a:ext cx="2069450" cy="998274"/>
+          </a:xfrm>
+          <a:prstGeom prst="rtTriangle">
+            <a:avLst/>
+          </a:prstGeom>
+          <a:solidFill>
+            <a:srgbClr val="FFFF00">
+              <a:alpha val="44000"/>
+            </a:srgbClr>
+          </a:solidFill>
+        </p:spPr>
+        <p:style>
+          <a:lnRef idx="1">
+            <a:schemeClr val="accent1"/>
+          </a:lnRef>
+          <a:fillRef idx="3">
+            <a:schemeClr val="accent1"/>
+          </a:fillRef>
+          <a:effectRef idx="2">
+            <a:schemeClr val="accent1"/>
+          </a:effectRef>
+          <a:fontRef idx="minor">
+            <a:schemeClr val="lt1"/>
+          </a:fontRef>
+        </p:style>
+        <p:txBody>
+          <a:bodyPr rtlCol="0" anchor="ctr"/>
+          <a:lstStyle/>
+          <a:p>
+            <a:pPr algn="ctr"/>
+            <a:endParaRPr lang="en-US"/>
+          </a:p>
+        </p:txBody>
+      </p:sp>
+      <p:sp>
+        <p:nvSpPr>
+          <p:cNvPr id="14" name="Right Triangle 13"/>
+          <p:cNvSpPr/>
+          <p:nvPr/>
+        </p:nvSpPr>
+        <p:spPr>
+          <a:xfrm>
+            <a:off x="5722348" y="4285856"/>
+            <a:ext cx="2022419" cy="998274"/>
+          </a:xfrm>
+          <a:prstGeom prst="rtTriangle">
+            <a:avLst/>
+          </a:prstGeom>
+          <a:solidFill>
+            <a:srgbClr val="FFFF00">
+              <a:alpha val="44000"/>
+            </a:srgbClr>
+          </a:solidFill>
+        </p:spPr>
+        <p:style>
+          <a:lnRef idx="1">
+            <a:schemeClr val="accent1"/>
+          </a:lnRef>
+          <a:fillRef idx="3">
+            <a:schemeClr val="accent1"/>
+          </a:fillRef>
+          <a:effectRef idx="2">
+            <a:schemeClr val="accent1"/>
+          </a:effectRef>
+          <a:fontRef idx="minor">
+            <a:schemeClr val="lt1"/>
+          </a:fontRef>
+        </p:style>
+        <p:txBody>
+          <a:bodyPr rtlCol="0" anchor="ctr"/>
+          <a:lstStyle/>
+          <a:p>
+            <a:pPr algn="ctr"/>
+            <a:endParaRPr lang="en-US"/>
+          </a:p>
+        </p:txBody>
+      </p:sp>
+      <p:sp>
+        <p:nvSpPr>
+          <p:cNvPr id="15" name="TextBox 14"/>
+          <p:cNvSpPr txBox="1"/>
+          <p:nvPr/>
+        </p:nvSpPr>
+        <p:spPr>
+          <a:xfrm>
+            <a:off x="387404" y="3916524"/>
+            <a:ext cx="1007908" cy="369332"/>
+          </a:xfrm>
+          <a:prstGeom prst="rect">
+            <a:avLst/>
+          </a:prstGeom>
+          <a:noFill/>
+        </p:spPr>
+        <p:txBody>
+          <a:bodyPr wrap="none" rtlCol="0">
+            <a:spAutoFit/>
+          </a:bodyPr>
+          <a:lstStyle/>
+          <a:p>
+            <a:r>
+              <a:rPr lang="en-US" dirty="0" smtClean="0"/>
+              <a:t>Porous II</a:t>
+            </a:r>
+            <a:endParaRPr lang="en-US" dirty="0"/>
+          </a:p>
+        </p:txBody>
+      </p:sp>
+      <p:cxnSp>
+        <p:nvCxnSpPr>
+          <p:cNvPr id="17" name="Straight Arrow Connector 16"/>
+          <p:cNvCxnSpPr/>
+          <p:nvPr/>
+        </p:nvCxnSpPr>
+        <p:spPr>
+          <a:xfrm>
+            <a:off x="1128792" y="4285856"/>
+            <a:ext cx="830917" cy="527876"/>
+          </a:xfrm>
+          <a:prstGeom prst="straightConnector1">
+            <a:avLst/>
+          </a:prstGeom>
+          <a:ln>
+            <a:solidFill>
+              <a:srgbClr val="000000"/>
+            </a:solidFill>
+            <a:tailEnd type="arrow"/>
+          </a:ln>
+        </p:spPr>
+        <p:style>
+          <a:lnRef idx="2">
+            <a:schemeClr val="accent1"/>
+          </a:lnRef>
+          <a:fillRef idx="0">
+            <a:schemeClr val="accent1"/>
+          </a:fillRef>
+          <a:effectRef idx="1">
+            <a:schemeClr val="accent1"/>
+          </a:effectRef>
+          <a:fontRef idx="minor">
+            <a:schemeClr val="tx1"/>
+          </a:fontRef>
+        </p:style>
+      </p:cxnSp>
+    </p:spTree>
+    <p:extLst>
+      <p:ext uri="{BB962C8B-B14F-4D97-AF65-F5344CB8AC3E}">
+        <p14:creationId xmlns:p14="http://schemas.microsoft.com/office/powerpoint/2010/main" val="574867790"/>
       </p:ext>
     </p:extLst>
   </p:cSld>

--- a/image/Presentation1.pptx
+++ b/image/Presentation1.pptx
@@ -20,6 +20,7 @@
     <p:sldId id="260" r:id="rId14"/>
     <p:sldId id="261" r:id="rId15"/>
     <p:sldId id="268" r:id="rId16"/>
+    <p:sldId id="271" r:id="rId17"/>
   </p:sldIdLst>
   <p:sldSz cx="9144000" cy="6858000" type="screen4x3"/>
   <p:notesSz cx="6858000" cy="9144000"/>
@@ -118,6 +119,22 @@
       </a:defRPr>
     </a:lvl9pPr>
   </p:defaultTextStyle>
+  <p:extLst>
+    <p:ext uri="{EFAFB233-063F-42B5-8137-9DF3F51BA10A}">
+      <p15:sldGuideLst xmlns:p15="http://schemas.microsoft.com/office/powerpoint/2012/main">
+        <p15:guide id="1" orient="horz" pos="2160">
+          <p15:clr>
+            <a:srgbClr val="A4A3A4"/>
+          </p15:clr>
+        </p15:guide>
+        <p15:guide id="2" pos="2880">
+          <p15:clr>
+            <a:srgbClr val="A4A3A4"/>
+          </p15:clr>
+        </p15:guide>
+      </p15:sldGuideLst>
+    </p:ext>
+  </p:extLst>
 </p:presentation>
 </file>
 
@@ -302,7 +319,7 @@
           <a:p>
             <a:fld id="{A5148305-0A1D-4D41-9C66-A053FE7189DF}" type="datetimeFigureOut">
               <a:rPr lang="en-US" smtClean="0"/>
-              <a:t>4/8/20</a:t>
+              <a:t>4/12/20</a:t>
             </a:fld>
             <a:endParaRPr lang="en-US"/>
           </a:p>
@@ -472,7 +489,7 @@
           <a:p>
             <a:fld id="{A5148305-0A1D-4D41-9C66-A053FE7189DF}" type="datetimeFigureOut">
               <a:rPr lang="en-US" smtClean="0"/>
-              <a:t>4/8/20</a:t>
+              <a:t>4/12/20</a:t>
             </a:fld>
             <a:endParaRPr lang="en-US"/>
           </a:p>
@@ -652,7 +669,7 @@
           <a:p>
             <a:fld id="{A5148305-0A1D-4D41-9C66-A053FE7189DF}" type="datetimeFigureOut">
               <a:rPr lang="en-US" smtClean="0"/>
-              <a:t>4/8/20</a:t>
+              <a:t>4/12/20</a:t>
             </a:fld>
             <a:endParaRPr lang="en-US"/>
           </a:p>
@@ -822,7 +839,7 @@
           <a:p>
             <a:fld id="{A5148305-0A1D-4D41-9C66-A053FE7189DF}" type="datetimeFigureOut">
               <a:rPr lang="en-US" smtClean="0"/>
-              <a:t>4/8/20</a:t>
+              <a:t>4/12/20</a:t>
             </a:fld>
             <a:endParaRPr lang="en-US"/>
           </a:p>
@@ -1068,7 +1085,7 @@
           <a:p>
             <a:fld id="{A5148305-0A1D-4D41-9C66-A053FE7189DF}" type="datetimeFigureOut">
               <a:rPr lang="en-US" smtClean="0"/>
-              <a:t>4/8/20</a:t>
+              <a:t>4/12/20</a:t>
             </a:fld>
             <a:endParaRPr lang="en-US"/>
           </a:p>
@@ -1356,7 +1373,7 @@
           <a:p>
             <a:fld id="{A5148305-0A1D-4D41-9C66-A053FE7189DF}" type="datetimeFigureOut">
               <a:rPr lang="en-US" smtClean="0"/>
-              <a:t>4/8/20</a:t>
+              <a:t>4/12/20</a:t>
             </a:fld>
             <a:endParaRPr lang="en-US"/>
           </a:p>
@@ -1778,7 +1795,7 @@
           <a:p>
             <a:fld id="{A5148305-0A1D-4D41-9C66-A053FE7189DF}" type="datetimeFigureOut">
               <a:rPr lang="en-US" smtClean="0"/>
-              <a:t>4/8/20</a:t>
+              <a:t>4/12/20</a:t>
             </a:fld>
             <a:endParaRPr lang="en-US"/>
           </a:p>
@@ -1896,7 +1913,7 @@
           <a:p>
             <a:fld id="{A5148305-0A1D-4D41-9C66-A053FE7189DF}" type="datetimeFigureOut">
               <a:rPr lang="en-US" smtClean="0"/>
-              <a:t>4/8/20</a:t>
+              <a:t>4/12/20</a:t>
             </a:fld>
             <a:endParaRPr lang="en-US"/>
           </a:p>
@@ -1991,7 +2008,7 @@
           <a:p>
             <a:fld id="{A5148305-0A1D-4D41-9C66-A053FE7189DF}" type="datetimeFigureOut">
               <a:rPr lang="en-US" smtClean="0"/>
-              <a:t>4/8/20</a:t>
+              <a:t>4/12/20</a:t>
             </a:fld>
             <a:endParaRPr lang="en-US"/>
           </a:p>
@@ -2268,7 +2285,7 @@
           <a:p>
             <a:fld id="{A5148305-0A1D-4D41-9C66-A053FE7189DF}" type="datetimeFigureOut">
               <a:rPr lang="en-US" smtClean="0"/>
-              <a:t>4/8/20</a:t>
+              <a:t>4/12/20</a:t>
             </a:fld>
             <a:endParaRPr lang="en-US"/>
           </a:p>
@@ -2521,7 +2538,7 @@
           <a:p>
             <a:fld id="{A5148305-0A1D-4D41-9C66-A053FE7189DF}" type="datetimeFigureOut">
               <a:rPr lang="en-US" smtClean="0"/>
-              <a:t>4/8/20</a:t>
+              <a:t>4/12/20</a:t>
             </a:fld>
             <a:endParaRPr lang="en-US"/>
           </a:p>
@@ -2734,7 +2751,7 @@
           <a:p>
             <a:fld id="{A5148305-0A1D-4D41-9C66-A053FE7189DF}" type="datetimeFigureOut">
               <a:rPr lang="en-US" smtClean="0"/>
-              <a:t>4/8/20</a:t>
+              <a:t>4/12/20</a:t>
             </a:fld>
             <a:endParaRPr lang="en-US"/>
           </a:p>
@@ -7304,6 +7321,206 @@
 </p:sld>
 </file>
 
+<file path=ppt/slides/slide16.xml><?xml version="1.0" encoding="utf-8"?>
+<p:sld xmlns:a="http://schemas.openxmlformats.org/drawingml/2006/main" xmlns:r="http://schemas.openxmlformats.org/officeDocument/2006/relationships" xmlns:p="http://schemas.openxmlformats.org/presentationml/2006/main">
+  <p:cSld>
+    <p:spTree>
+      <p:nvGrpSpPr>
+        <p:cNvPr id="1" name=""/>
+        <p:cNvGrpSpPr/>
+        <p:nvPr/>
+      </p:nvGrpSpPr>
+      <p:grpSpPr>
+        <a:xfrm>
+          <a:off x="0" y="0"/>
+          <a:ext cx="0" cy="0"/>
+          <a:chOff x="0" y="0"/>
+          <a:chExt cx="0" cy="0"/>
+        </a:xfrm>
+      </p:grpSpPr>
+      <p:pic>
+        <p:nvPicPr>
+          <p:cNvPr id="4" name="Picture 3"/>
+          <p:cNvPicPr>
+            <a:picLocks noChangeAspect="1"/>
+          </p:cNvPicPr>
+          <p:nvPr/>
+        </p:nvPicPr>
+        <p:blipFill>
+          <a:blip r:embed="rId2">
+            <a:extLst>
+              <a:ext uri="{28A0092B-C50C-407E-A947-70E740481C1C}">
+                <a14:useLocalDpi xmlns:a14="http://schemas.microsoft.com/office/drawing/2010/main" val="0"/>
+              </a:ext>
+            </a:extLst>
+          </a:blip>
+          <a:stretch>
+            <a:fillRect/>
+          </a:stretch>
+        </p:blipFill>
+        <p:spPr>
+          <a:xfrm>
+            <a:off x="2146300" y="520700"/>
+            <a:ext cx="4851400" cy="5816600"/>
+          </a:xfrm>
+          <a:prstGeom prst="rect">
+            <a:avLst/>
+          </a:prstGeom>
+        </p:spPr>
+      </p:pic>
+      <p:sp>
+        <p:nvSpPr>
+          <p:cNvPr id="5" name="TextBox 4"/>
+          <p:cNvSpPr txBox="1"/>
+          <p:nvPr/>
+        </p:nvSpPr>
+        <p:spPr>
+          <a:xfrm>
+            <a:off x="2946400" y="1193800"/>
+            <a:ext cx="410690" cy="276999"/>
+          </a:xfrm>
+          <a:prstGeom prst="rect">
+            <a:avLst/>
+          </a:prstGeom>
+          <a:solidFill>
+            <a:srgbClr val="FFFF00"/>
+          </a:solidFill>
+        </p:spPr>
+        <p:txBody>
+          <a:bodyPr wrap="none" rtlCol="0">
+            <a:spAutoFit/>
+          </a:bodyPr>
+          <a:lstStyle/>
+          <a:p>
+            <a:r>
+              <a:rPr lang="en-US" sz="1200" dirty="0" smtClean="0"/>
+              <a:t>F=0</a:t>
+            </a:r>
+            <a:endParaRPr lang="en-US" sz="1200" dirty="0"/>
+          </a:p>
+        </p:txBody>
+      </p:sp>
+      <p:sp>
+        <p:nvSpPr>
+          <p:cNvPr id="6" name="TextBox 5"/>
+          <p:cNvSpPr txBox="1"/>
+          <p:nvPr/>
+        </p:nvSpPr>
+        <p:spPr>
+          <a:xfrm>
+            <a:off x="2946400" y="1587500"/>
+            <a:ext cx="410690" cy="276999"/>
+          </a:xfrm>
+          <a:prstGeom prst="rect">
+            <a:avLst/>
+          </a:prstGeom>
+          <a:solidFill>
+            <a:srgbClr val="FFFF00"/>
+          </a:solidFill>
+        </p:spPr>
+        <p:txBody>
+          <a:bodyPr wrap="none" rtlCol="0">
+            <a:spAutoFit/>
+          </a:bodyPr>
+          <a:lstStyle/>
+          <a:p>
+            <a:r>
+              <a:rPr lang="en-US" sz="1200" dirty="0" smtClean="0"/>
+              <a:t>F=1</a:t>
+            </a:r>
+            <a:endParaRPr lang="en-US" sz="1200" dirty="0"/>
+          </a:p>
+        </p:txBody>
+      </p:sp>
+      <p:sp>
+        <p:nvSpPr>
+          <p:cNvPr id="7" name="TextBox 6"/>
+          <p:cNvSpPr txBox="1"/>
+          <p:nvPr/>
+        </p:nvSpPr>
+        <p:spPr>
+          <a:xfrm>
+            <a:off x="3115790" y="3543300"/>
+            <a:ext cx="619080" cy="276999"/>
+          </a:xfrm>
+          <a:prstGeom prst="rect">
+            <a:avLst/>
+          </a:prstGeom>
+          <a:solidFill>
+            <a:srgbClr val="FFFF00"/>
+          </a:solidFill>
+        </p:spPr>
+        <p:txBody>
+          <a:bodyPr wrap="none" rtlCol="0">
+            <a:spAutoFit/>
+          </a:bodyPr>
+          <a:lstStyle/>
+          <a:p>
+            <a:r>
+              <a:rPr lang="en-US" sz="1200" dirty="0" smtClean="0"/>
+              <a:t>(</a:t>
+            </a:r>
+            <a:r>
+              <a:rPr lang="en-US" sz="1200" dirty="0" err="1" smtClean="0"/>
+              <a:t>u,v</a:t>
+            </a:r>
+            <a:r>
+              <a:rPr lang="en-US" sz="1200" dirty="0" smtClean="0"/>
+              <a:t>), p</a:t>
+            </a:r>
+            <a:endParaRPr lang="en-US" sz="1200" dirty="0"/>
+          </a:p>
+        </p:txBody>
+      </p:sp>
+      <p:sp>
+        <p:nvSpPr>
+          <p:cNvPr id="8" name="TextBox 7"/>
+          <p:cNvSpPr txBox="1"/>
+          <p:nvPr/>
+        </p:nvSpPr>
+        <p:spPr>
+          <a:xfrm>
+            <a:off x="3151745" y="5499100"/>
+            <a:ext cx="743473" cy="276999"/>
+          </a:xfrm>
+          <a:prstGeom prst="rect">
+            <a:avLst/>
+          </a:prstGeom>
+          <a:solidFill>
+            <a:srgbClr val="FFFF00"/>
+          </a:solidFill>
+        </p:spPr>
+        <p:txBody>
+          <a:bodyPr wrap="none" rtlCol="0">
+            <a:spAutoFit/>
+          </a:bodyPr>
+          <a:lstStyle/>
+          <a:p>
+            <a:r>
+              <a:rPr lang="en-US" sz="1200" dirty="0" err="1"/>
+              <a:t>k</a:t>
+            </a:r>
+            <a:r>
+              <a:rPr lang="en-US" sz="1200" dirty="0" err="1" smtClean="0"/>
+              <a:t>,epsilon</a:t>
+            </a:r>
+            <a:endParaRPr lang="en-US" sz="1200" dirty="0"/>
+          </a:p>
+        </p:txBody>
+      </p:sp>
+    </p:spTree>
+    <p:extLst>
+      <p:ext uri="{BB962C8B-B14F-4D97-AF65-F5344CB8AC3E}">
+        <p14:creationId xmlns:p14="http://schemas.microsoft.com/office/powerpoint/2010/main" val="1468280132"/>
+      </p:ext>
+    </p:extLst>
+  </p:cSld>
+  <p:clrMapOvr>
+    <a:masterClrMapping/>
+  </p:clrMapOvr>
+</p:sld>
+</file>
+
 <file path=ppt/slides/slide2.xml><?xml version="1.0" encoding="utf-8"?>
 <p:sld xmlns:a="http://schemas.openxmlformats.org/drawingml/2006/main" xmlns:r="http://schemas.openxmlformats.org/officeDocument/2006/relationships" xmlns:p="http://schemas.openxmlformats.org/presentationml/2006/main">
   <p:cSld>
@@ -10431,14 +10648,14 @@
           <a:effectLst/>
           <a:extLst>
             <a:ext uri="{909E8E84-426E-40dd-AFC4-6F175D3DCCD1}">
-              <a14:hiddenFill xmlns:a14="http://schemas.microsoft.com/office/drawing/2010/main">
+              <a14:hiddenFill xmlns:a14="http://schemas.microsoft.com/office/drawing/2010/main" xmlns="">
                 <a:solidFill>
                   <a:schemeClr val="accent1"/>
                 </a:solidFill>
               </a14:hiddenFill>
             </a:ext>
             <a:ext uri="{91240B29-F687-4f45-9708-019B960494DF}">
-              <a14:hiddenLine xmlns:a14="http://schemas.microsoft.com/office/drawing/2010/main" w="9525">
+              <a14:hiddenLine xmlns:a14="http://schemas.microsoft.com/office/drawing/2010/main" xmlns="" w="9525">
                 <a:solidFill>
                   <a:schemeClr val="tx1"/>
                 </a:solidFill>
@@ -10448,7 +10665,7 @@
               </a14:hiddenLine>
             </a:ext>
             <a:ext uri="{AF507438-7753-43e0-B8FC-AC1667EBCBE1}">
-              <a14:hiddenEffects xmlns:a14="http://schemas.microsoft.com/office/drawing/2010/main">
+              <a14:hiddenEffects xmlns:a14="http://schemas.microsoft.com/office/drawing/2010/main" xmlns="">
                 <a:effectLst>
                   <a:outerShdw blurRad="63500" dist="38099" dir="2700000" algn="ctr" rotWithShape="0">
                     <a:schemeClr val="bg2">
@@ -10716,14 +10933,14 @@
           <a:effectLst/>
           <a:extLst>
             <a:ext uri="{909E8E84-426E-40dd-AFC4-6F175D3DCCD1}">
-              <a14:hiddenFill xmlns:a14="http://schemas.microsoft.com/office/drawing/2010/main">
+              <a14:hiddenFill xmlns:a14="http://schemas.microsoft.com/office/drawing/2010/main" xmlns="">
                 <a:solidFill>
                   <a:schemeClr val="accent1"/>
                 </a:solidFill>
               </a14:hiddenFill>
             </a:ext>
             <a:ext uri="{91240B29-F687-4f45-9708-019B960494DF}">
-              <a14:hiddenLine xmlns:a14="http://schemas.microsoft.com/office/drawing/2010/main" w="9525">
+              <a14:hiddenLine xmlns:a14="http://schemas.microsoft.com/office/drawing/2010/main" xmlns="" w="9525">
                 <a:solidFill>
                   <a:schemeClr val="tx1"/>
                 </a:solidFill>
@@ -10733,7 +10950,7 @@
               </a14:hiddenLine>
             </a:ext>
             <a:ext uri="{AF507438-7753-43e0-B8FC-AC1667EBCBE1}">
-              <a14:hiddenEffects xmlns:a14="http://schemas.microsoft.com/office/drawing/2010/main">
+              <a14:hiddenEffects xmlns:a14="http://schemas.microsoft.com/office/drawing/2010/main" xmlns="">
                 <a:effectLst>
                   <a:outerShdw blurRad="63500" dist="38099" dir="2700000" algn="ctr" rotWithShape="0">
                     <a:schemeClr val="bg2">
@@ -11099,14 +11316,14 @@
           <a:effectLst/>
           <a:extLst>
             <a:ext uri="{909E8E84-426E-40dd-AFC4-6F175D3DCCD1}">
-              <a14:hiddenFill xmlns:a14="http://schemas.microsoft.com/office/drawing/2010/main">
+              <a14:hiddenFill xmlns:a14="http://schemas.microsoft.com/office/drawing/2010/main" xmlns="">
                 <a:solidFill>
                   <a:schemeClr val="accent1"/>
                 </a:solidFill>
               </a14:hiddenFill>
             </a:ext>
             <a:ext uri="{91240B29-F687-4f45-9708-019B960494DF}">
-              <a14:hiddenLine xmlns:a14="http://schemas.microsoft.com/office/drawing/2010/main" w="9525">
+              <a14:hiddenLine xmlns:a14="http://schemas.microsoft.com/office/drawing/2010/main" xmlns="" w="9525">
                 <a:solidFill>
                   <a:schemeClr val="tx1"/>
                 </a:solidFill>
@@ -11116,7 +11333,7 @@
               </a14:hiddenLine>
             </a:ext>
             <a:ext uri="{AF507438-7753-43e0-B8FC-AC1667EBCBE1}">
-              <a14:hiddenEffects xmlns:a14="http://schemas.microsoft.com/office/drawing/2010/main">
+              <a14:hiddenEffects xmlns:a14="http://schemas.microsoft.com/office/drawing/2010/main" xmlns="">
                 <a:effectLst>
                   <a:outerShdw blurRad="63500" dist="38099" dir="2700000" algn="ctr" rotWithShape="0">
                     <a:schemeClr val="bg2">
